--- a/3. aprendizaje no supervisado.pptx
+++ b/3. aprendizaje no supervisado.pptx
@@ -130,7 +130,18 @@
   </p:defaultTextStyle>
   <p:extLst>
     <p:ext uri="{EFAFB233-063F-42B5-8137-9DF3F51BA10A}">
-      <p15:sldGuideLst xmlns="" xmlns:p15="http://schemas.microsoft.com/office/powerpoint/2012/main"/>
+      <p15:sldGuideLst xmlns:p15="http://schemas.microsoft.com/office/powerpoint/2012/main">
+        <p15:guide id="1" orient="horz" pos="2160">
+          <p15:clr>
+            <a:srgbClr val="A4A3A4"/>
+          </p15:clr>
+        </p15:guide>
+        <p15:guide id="2" pos="3840">
+          <p15:clr>
+            <a:srgbClr val="A4A3A4"/>
+          </p15:clr>
+        </p15:guide>
+      </p15:sldGuideLst>
     </p:ext>
   </p:extLst>
 </p:presentation>
@@ -139,7 +150,7 @@
 <file path=ppt/revisionInfo.xml><?xml version="1.0" encoding="utf-8"?>
 <p1510:revInfo xmlns:a="http://schemas.openxmlformats.org/drawingml/2006/main" xmlns:r="http://schemas.openxmlformats.org/officeDocument/2006/relationships" xmlns:p1510="http://schemas.microsoft.com/office/powerpoint/2015/10/main">
   <p1510:revLst>
-    <p1510:client id="{D5A872B8-313C-4215-B87E-B7B88119E156}" v="140" dt="2018-10-18T04:03:17.994"/>
+    <p1510:client id="{00A6B14B-4B16-418E-B690-4E9A8AC96F0D}" v="22" dt="2019-08-07T21:26:34.627"/>
   </p1510:revLst>
 </p1510:revInfo>
 </file>
@@ -148,2165 +159,351 @@
 <pc:chgInfo xmlns:a="http://schemas.openxmlformats.org/drawingml/2006/main" xmlns:r="http://schemas.openxmlformats.org/officeDocument/2006/relationships" xmlns:ac="http://schemas.microsoft.com/office/drawing/2013/main/command" xmlns:pc="http://schemas.microsoft.com/office/powerpoint/2013/main/command">
   <pc:docChgLst>
     <pc:chgData name="Rafael C." userId="ffa83960b425c528" providerId="LiveId" clId="{A1A6CC59-1AE6-40B8-B2C9-6E34EF2ED440}"/>
-    <pc:docChg chg="undo custSel delSld modSld">
-      <pc:chgData name="Rafael C." userId="ffa83960b425c528" providerId="LiveId" clId="{A1A6CC59-1AE6-40B8-B2C9-6E34EF2ED440}" dt="2018-10-07T18:29:18.067" v="6" actId="2696"/>
+  </pc:docChgLst>
+  <pc:docChgLst>
+    <pc:chgData name="Rafael C." userId="ffa83960b425c528" providerId="LiveId" clId="{00A6B14B-4B16-418E-B690-4E9A8AC96F0D}"/>
+    <pc:docChg chg="modSld">
+      <pc:chgData name="Rafael C." userId="ffa83960b425c528" providerId="LiveId" clId="{00A6B14B-4B16-418E-B690-4E9A8AC96F0D}" dt="2019-08-07T21:26:34.627" v="21" actId="478"/>
       <pc:docMkLst>
         <pc:docMk/>
       </pc:docMkLst>
-    </pc:docChg>
-  </pc:docChgLst>
-  <pc:docChgLst>
-    <pc:chgData name="Rafael C." userId="ffa83960b425c528" providerId="LiveId" clId="{7A0BB685-D947-45C5-86DA-A78E0743E074}"/>
-    <pc:docChg chg="undo custSel addSld delSld modSld">
-      <pc:chgData name="Rafael C." userId="ffa83960b425c528" providerId="LiveId" clId="{7A0BB685-D947-45C5-86DA-A78E0743E074}" dt="2018-10-08T04:11:52.729" v="430" actId="20577"/>
-      <pc:docMkLst>
-        <pc:docMk/>
-      </pc:docMkLst>
-      <pc:sldChg chg="addSp delSp modSp">
-        <pc:chgData name="Rafael C." userId="ffa83960b425c528" providerId="LiveId" clId="{7A0BB685-D947-45C5-86DA-A78E0743E074}" dt="2018-10-08T03:47:32.288" v="19" actId="20577"/>
+      <pc:sldChg chg="delSp">
+        <pc:chgData name="Rafael C." userId="ffa83960b425c528" providerId="LiveId" clId="{00A6B14B-4B16-418E-B690-4E9A8AC96F0D}" dt="2019-08-07T21:25:42.982" v="0" actId="478"/>
         <pc:sldMkLst>
           <pc:docMk/>
           <pc:sldMk cId="727360843" sldId="259"/>
         </pc:sldMkLst>
-        <pc:spChg chg="add mod">
-          <ac:chgData name="Rafael C." userId="ffa83960b425c528" providerId="LiveId" clId="{7A0BB685-D947-45C5-86DA-A78E0743E074}" dt="2018-10-08T03:47:32.288" v="19" actId="20577"/>
-          <ac:spMkLst>
+        <pc:picChg chg="del">
+          <ac:chgData name="Rafael C." userId="ffa83960b425c528" providerId="LiveId" clId="{00A6B14B-4B16-418E-B690-4E9A8AC96F0D}" dt="2019-08-07T21:25:42.982" v="0" actId="478"/>
+          <ac:picMkLst>
             <pc:docMk/>
             <pc:sldMk cId="727360843" sldId="259"/>
-            <ac:spMk id="4" creationId="{79AD52D0-06D4-4493-91EA-6C4E014DE8E7}"/>
-          </ac:spMkLst>
-        </pc:spChg>
-        <pc:spChg chg="del">
-          <ac:chgData name="Rafael C." userId="ffa83960b425c528" providerId="LiveId" clId="{7A0BB685-D947-45C5-86DA-A78E0743E074}" dt="2018-10-08T03:47:22.375" v="3" actId="478"/>
-          <ac:spMkLst>
-            <pc:docMk/>
-            <pc:sldMk cId="727360843" sldId="259"/>
-            <ac:spMk id="17" creationId="{00000000-0000-0000-0000-000000000000}"/>
-          </ac:spMkLst>
-        </pc:spChg>
+            <ac:picMk id="5" creationId="{00000000-0000-0000-0000-000000000000}"/>
+          </ac:picMkLst>
+        </pc:picChg>
       </pc:sldChg>
-      <pc:sldChg chg="addSp delSp modSp">
-        <pc:chgData name="Rafael C." userId="ffa83960b425c528" providerId="LiveId" clId="{7A0BB685-D947-45C5-86DA-A78E0743E074}" dt="2018-10-08T03:51:29.762" v="177" actId="20577"/>
+      <pc:sldChg chg="delSp">
+        <pc:chgData name="Rafael C." userId="ffa83960b425c528" providerId="LiveId" clId="{00A6B14B-4B16-418E-B690-4E9A8AC96F0D}" dt="2019-08-07T21:25:44.739" v="1" actId="478"/>
         <pc:sldMkLst>
           <pc:docMk/>
           <pc:sldMk cId="2068909626" sldId="274"/>
         </pc:sldMkLst>
-        <pc:spChg chg="add mod">
-          <ac:chgData name="Rafael C." userId="ffa83960b425c528" providerId="LiveId" clId="{7A0BB685-D947-45C5-86DA-A78E0743E074}" dt="2018-10-08T03:49:24.655" v="126" actId="20577"/>
-          <ac:spMkLst>
+        <pc:picChg chg="del">
+          <ac:chgData name="Rafael C." userId="ffa83960b425c528" providerId="LiveId" clId="{00A6B14B-4B16-418E-B690-4E9A8AC96F0D}" dt="2019-08-07T21:25:44.739" v="1" actId="478"/>
+          <ac:picMkLst>
             <pc:docMk/>
             <pc:sldMk cId="2068909626" sldId="274"/>
-            <ac:spMk id="4" creationId="{47BF13C9-597F-4101-B226-A0C8AB06CB95}"/>
-          </ac:spMkLst>
-        </pc:spChg>
-        <pc:spChg chg="add mod">
-          <ac:chgData name="Rafael C." userId="ffa83960b425c528" providerId="LiveId" clId="{7A0BB685-D947-45C5-86DA-A78E0743E074}" dt="2018-10-08T03:51:29.762" v="177" actId="20577"/>
-          <ac:spMkLst>
-            <pc:docMk/>
-            <pc:sldMk cId="2068909626" sldId="274"/>
-            <ac:spMk id="5" creationId="{EC9A45E1-1B10-4959-A23C-8023AD14133C}"/>
-          </ac:spMkLst>
-        </pc:spChg>
-        <pc:spChg chg="del">
-          <ac:chgData name="Rafael C." userId="ffa83960b425c528" providerId="LiveId" clId="{7A0BB685-D947-45C5-86DA-A78E0743E074}" dt="2018-10-08T03:47:55.497" v="22" actId="478"/>
-          <ac:spMkLst>
-            <pc:docMk/>
-            <pc:sldMk cId="2068909626" sldId="274"/>
-            <ac:spMk id="9218" creationId="{00000000-0000-0000-0000-000000000000}"/>
-          </ac:spMkLst>
-        </pc:spChg>
+            <ac:picMk id="4" creationId="{00000000-0000-0000-0000-000000000000}"/>
+          </ac:picMkLst>
+        </pc:picChg>
       </pc:sldChg>
-      <pc:sldChg chg="modSp">
-        <pc:chgData name="Rafael C." userId="ffa83960b425c528" providerId="LiveId" clId="{7A0BB685-D947-45C5-86DA-A78E0743E074}" dt="2018-10-08T03:48:18.598" v="36" actId="20577"/>
+      <pc:sldChg chg="delSp">
+        <pc:chgData name="Rafael C." userId="ffa83960b425c528" providerId="LiveId" clId="{00A6B14B-4B16-418E-B690-4E9A8AC96F0D}" dt="2019-08-07T21:26:34.627" v="21" actId="478"/>
         <pc:sldMkLst>
           <pc:docMk/>
           <pc:sldMk cId="717311304" sldId="285"/>
         </pc:sldMkLst>
-        <pc:spChg chg="mod">
-          <ac:chgData name="Rafael C." userId="ffa83960b425c528" providerId="LiveId" clId="{7A0BB685-D947-45C5-86DA-A78E0743E074}" dt="2018-10-08T03:48:18.598" v="36" actId="20577"/>
-          <ac:spMkLst>
+        <pc:picChg chg="del">
+          <ac:chgData name="Rafael C." userId="ffa83960b425c528" providerId="LiveId" clId="{00A6B14B-4B16-418E-B690-4E9A8AC96F0D}" dt="2019-08-07T21:26:34.627" v="21" actId="478"/>
+          <ac:picMkLst>
             <pc:docMk/>
             <pc:sldMk cId="717311304" sldId="285"/>
-            <ac:spMk id="2" creationId="{00000000-0000-0000-0000-000000000000}"/>
-          </ac:spMkLst>
-        </pc:spChg>
+            <ac:picMk id="9220" creationId="{00000000-0000-0000-0000-000000000000}"/>
+          </ac:picMkLst>
+        </pc:picChg>
       </pc:sldChg>
-    </pc:docChg>
-  </pc:docChgLst>
-  <pc:docChgLst>
-    <pc:chgData name="Rafael C." userId="ffa83960b425c528" providerId="LiveId" clId="{D5A872B8-313C-4215-B87E-B7B88119E156}"/>
-    <pc:docChg chg="undo redo custSel addSld delSld modSld sldOrd">
-      <pc:chgData name="Rafael C." userId="ffa83960b425c528" providerId="LiveId" clId="{D5A872B8-313C-4215-B87E-B7B88119E156}" dt="2018-10-18T04:03:22.087" v="2059" actId="2696"/>
-      <pc:docMkLst>
-        <pc:docMk/>
-      </pc:docMkLst>
-      <pc:sldChg chg="modSp">
-        <pc:chgData name="Rafael C." userId="ffa83960b425c528" providerId="LiveId" clId="{D5A872B8-313C-4215-B87E-B7B88119E156}" dt="2018-10-08T04:16:20.234" v="200" actId="20577"/>
-        <pc:sldMkLst>
-          <pc:docMk/>
-          <pc:sldMk cId="727360843" sldId="259"/>
-        </pc:sldMkLst>
-        <pc:spChg chg="mod">
-          <ac:chgData name="Rafael C." userId="ffa83960b425c528" providerId="LiveId" clId="{D5A872B8-313C-4215-B87E-B7B88119E156}" dt="2018-10-08T04:16:20.234" v="200" actId="20577"/>
-          <ac:spMkLst>
-            <pc:docMk/>
-            <pc:sldMk cId="727360843" sldId="259"/>
-            <ac:spMk id="4" creationId="{79AD52D0-06D4-4493-91EA-6C4E014DE8E7}"/>
-          </ac:spMkLst>
-        </pc:spChg>
-      </pc:sldChg>
-      <pc:sldChg chg="addSp delSp modSp">
-        <pc:chgData name="Rafael C." userId="ffa83960b425c528" providerId="LiveId" clId="{D5A872B8-313C-4215-B87E-B7B88119E156}" dt="2018-10-18T04:03:17.994" v="2058"/>
-        <pc:sldMkLst>
-          <pc:docMk/>
-          <pc:sldMk cId="2068909626" sldId="274"/>
-        </pc:sldMkLst>
-        <pc:spChg chg="del mod">
-          <ac:chgData name="Rafael C." userId="ffa83960b425c528" providerId="LiveId" clId="{D5A872B8-313C-4215-B87E-B7B88119E156}" dt="2018-10-18T04:03:15.828" v="2056" actId="478"/>
-          <ac:spMkLst>
-            <pc:docMk/>
-            <pc:sldMk cId="2068909626" sldId="274"/>
-            <ac:spMk id="4" creationId="{47BF13C9-597F-4101-B226-A0C8AB06CB95}"/>
-          </ac:spMkLst>
-        </pc:spChg>
-        <pc:spChg chg="del mod">
-          <ac:chgData name="Rafael C." userId="ffa83960b425c528" providerId="LiveId" clId="{D5A872B8-313C-4215-B87E-B7B88119E156}" dt="2018-10-18T04:03:17.390" v="2057" actId="478"/>
-          <ac:spMkLst>
-            <pc:docMk/>
-            <pc:sldMk cId="2068909626" sldId="274"/>
-            <ac:spMk id="5" creationId="{EC9A45E1-1B10-4959-A23C-8023AD14133C}"/>
-          </ac:spMkLst>
-        </pc:spChg>
-        <pc:spChg chg="add">
-          <ac:chgData name="Rafael C." userId="ffa83960b425c528" providerId="LiveId" clId="{D5A872B8-313C-4215-B87E-B7B88119E156}" dt="2018-10-18T04:03:17.994" v="2058"/>
-          <ac:spMkLst>
-            <pc:docMk/>
-            <pc:sldMk cId="2068909626" sldId="274"/>
-            <ac:spMk id="6" creationId="{44BD0C14-E986-4E36-83C4-EA36A6334937}"/>
-          </ac:spMkLst>
-        </pc:spChg>
-      </pc:sldChg>
-      <pc:sldChg chg="modSp">
-        <pc:chgData name="Rafael C." userId="ffa83960b425c528" providerId="LiveId" clId="{D5A872B8-313C-4215-B87E-B7B88119E156}" dt="2018-10-08T04:19:52.035" v="272" actId="20577"/>
-        <pc:sldMkLst>
-          <pc:docMk/>
-          <pc:sldMk cId="717311304" sldId="285"/>
-        </pc:sldMkLst>
-        <pc:spChg chg="mod">
-          <ac:chgData name="Rafael C." userId="ffa83960b425c528" providerId="LiveId" clId="{D5A872B8-313C-4215-B87E-B7B88119E156}" dt="2018-10-08T04:19:52.035" v="272" actId="20577"/>
-          <ac:spMkLst>
-            <pc:docMk/>
-            <pc:sldMk cId="717311304" sldId="285"/>
-            <ac:spMk id="2" creationId="{00000000-0000-0000-0000-000000000000}"/>
-          </ac:spMkLst>
-        </pc:spChg>
-      </pc:sldChg>
-      <pc:sldChg chg="modSp add">
-        <pc:chgData name="Rafael C." userId="ffa83960b425c528" providerId="LiveId" clId="{D5A872B8-313C-4215-B87E-B7B88119E156}" dt="2018-10-08T05:19:44.527" v="1856" actId="15"/>
+      <pc:sldChg chg="delSp">
+        <pc:chgData name="Rafael C." userId="ffa83960b425c528" providerId="LiveId" clId="{00A6B14B-4B16-418E-B690-4E9A8AC96F0D}" dt="2019-08-07T21:25:49.062" v="3" actId="478"/>
         <pc:sldMkLst>
           <pc:docMk/>
           <pc:sldMk cId="1011009931" sldId="286"/>
         </pc:sldMkLst>
-        <pc:spChg chg="mod">
-          <ac:chgData name="Rafael C." userId="ffa83960b425c528" providerId="LiveId" clId="{D5A872B8-313C-4215-B87E-B7B88119E156}" dt="2018-10-08T04:27:09.442" v="317" actId="20577"/>
-          <ac:spMkLst>
+        <pc:picChg chg="del">
+          <ac:chgData name="Rafael C." userId="ffa83960b425c528" providerId="LiveId" clId="{00A6B14B-4B16-418E-B690-4E9A8AC96F0D}" dt="2019-08-07T21:25:49.062" v="3" actId="478"/>
+          <ac:picMkLst>
             <pc:docMk/>
             <pc:sldMk cId="1011009931" sldId="286"/>
-            <ac:spMk id="4" creationId="{47BF13C9-597F-4101-B226-A0C8AB06CB95}"/>
-          </ac:spMkLst>
-        </pc:spChg>
-        <pc:spChg chg="mod">
-          <ac:chgData name="Rafael C." userId="ffa83960b425c528" providerId="LiveId" clId="{D5A872B8-313C-4215-B87E-B7B88119E156}" dt="2018-10-08T05:19:44.527" v="1856" actId="15"/>
-          <ac:spMkLst>
-            <pc:docMk/>
-            <pc:sldMk cId="1011009931" sldId="286"/>
-            <ac:spMk id="5" creationId="{EC9A45E1-1B10-4959-A23C-8023AD14133C}"/>
-          </ac:spMkLst>
-        </pc:spChg>
+            <ac:picMk id="6" creationId="{00000000-0000-0000-0000-000000000000}"/>
+          </ac:picMkLst>
+        </pc:picChg>
       </pc:sldChg>
-      <pc:sldChg chg="modSp add ord">
-        <pc:chgData name="Rafael C." userId="ffa83960b425c528" providerId="LiveId" clId="{D5A872B8-313C-4215-B87E-B7B88119E156}" dt="2018-10-08T04:30:28.209" v="468"/>
+      <pc:sldChg chg="delSp">
+        <pc:chgData name="Rafael C." userId="ffa83960b425c528" providerId="LiveId" clId="{00A6B14B-4B16-418E-B690-4E9A8AC96F0D}" dt="2019-08-07T21:25:46.494" v="2" actId="478"/>
         <pc:sldMkLst>
           <pc:docMk/>
           <pc:sldMk cId="2142410778" sldId="287"/>
         </pc:sldMkLst>
-        <pc:spChg chg="mod">
-          <ac:chgData name="Rafael C." userId="ffa83960b425c528" providerId="LiveId" clId="{D5A872B8-313C-4215-B87E-B7B88119E156}" dt="2018-10-08T04:29:41.454" v="321" actId="20577"/>
-          <ac:spMkLst>
+        <pc:picChg chg="del">
+          <ac:chgData name="Rafael C." userId="ffa83960b425c528" providerId="LiveId" clId="{00A6B14B-4B16-418E-B690-4E9A8AC96F0D}" dt="2019-08-07T21:25:46.494" v="2" actId="478"/>
+          <ac:picMkLst>
             <pc:docMk/>
             <pc:sldMk cId="2142410778" sldId="287"/>
-            <ac:spMk id="4" creationId="{47BF13C9-597F-4101-B226-A0C8AB06CB95}"/>
-          </ac:spMkLst>
-        </pc:spChg>
-        <pc:spChg chg="mod">
-          <ac:chgData name="Rafael C." userId="ffa83960b425c528" providerId="LiveId" clId="{D5A872B8-313C-4215-B87E-B7B88119E156}" dt="2018-10-08T04:30:22.393" v="467" actId="14"/>
-          <ac:spMkLst>
-            <pc:docMk/>
-            <pc:sldMk cId="2142410778" sldId="287"/>
-            <ac:spMk id="5" creationId="{EC9A45E1-1B10-4959-A23C-8023AD14133C}"/>
-          </ac:spMkLst>
-        </pc:spChg>
+            <ac:picMk id="6" creationId="{00000000-0000-0000-0000-000000000000}"/>
+          </ac:picMkLst>
+        </pc:picChg>
       </pc:sldChg>
-      <pc:sldChg chg="addSp modSp add">
-        <pc:chgData name="Rafael C." userId="ffa83960b425c528" providerId="LiveId" clId="{D5A872B8-313C-4215-B87E-B7B88119E156}" dt="2018-10-08T04:34:04.477" v="586" actId="14100"/>
+      <pc:sldChg chg="delSp">
+        <pc:chgData name="Rafael C." userId="ffa83960b425c528" providerId="LiveId" clId="{00A6B14B-4B16-418E-B690-4E9A8AC96F0D}" dt="2019-08-07T21:25:51.451" v="4" actId="478"/>
         <pc:sldMkLst>
           <pc:docMk/>
           <pc:sldMk cId="1941078295" sldId="288"/>
         </pc:sldMkLst>
-        <pc:spChg chg="add mod">
-          <ac:chgData name="Rafael C." userId="ffa83960b425c528" providerId="LiveId" clId="{D5A872B8-313C-4215-B87E-B7B88119E156}" dt="2018-10-08T04:33:38.521" v="536" actId="403"/>
-          <ac:spMkLst>
+        <pc:picChg chg="del">
+          <ac:chgData name="Rafael C." userId="ffa83960b425c528" providerId="LiveId" clId="{00A6B14B-4B16-418E-B690-4E9A8AC96F0D}" dt="2019-08-07T21:25:51.451" v="4" actId="478"/>
+          <ac:picMkLst>
             <pc:docMk/>
             <pc:sldMk cId="1941078295" sldId="288"/>
-            <ac:spMk id="2" creationId="{3BD3C50D-392F-4B0A-A9D7-6570BD477CDA}"/>
-          </ac:spMkLst>
-        </pc:spChg>
-        <pc:spChg chg="mod">
-          <ac:chgData name="Rafael C." userId="ffa83960b425c528" providerId="LiveId" clId="{D5A872B8-313C-4215-B87E-B7B88119E156}" dt="2018-10-08T04:31:45.605" v="477" actId="1076"/>
-          <ac:spMkLst>
-            <pc:docMk/>
-            <pc:sldMk cId="1941078295" sldId="288"/>
-            <ac:spMk id="5" creationId="{EC9A45E1-1B10-4959-A23C-8023AD14133C}"/>
-          </ac:spMkLst>
-        </pc:spChg>
-        <pc:spChg chg="add mod">
-          <ac:chgData name="Rafael C." userId="ffa83960b425c528" providerId="LiveId" clId="{D5A872B8-313C-4215-B87E-B7B88119E156}" dt="2018-10-08T04:34:04.477" v="586" actId="14100"/>
-          <ac:spMkLst>
-            <pc:docMk/>
-            <pc:sldMk cId="1941078295" sldId="288"/>
-            <ac:spMk id="33" creationId="{41D109FB-8DFC-4E10-928A-4A50553BFA67}"/>
-          </ac:spMkLst>
-        </pc:spChg>
-        <pc:grpChg chg="add mod">
-          <ac:chgData name="Rafael C." userId="ffa83960b425c528" providerId="LiveId" clId="{D5A872B8-313C-4215-B87E-B7B88119E156}" dt="2018-10-08T04:31:48.727" v="478" actId="1076"/>
-          <ac:grpSpMkLst>
-            <pc:docMk/>
-            <pc:sldMk cId="1941078295" sldId="288"/>
-            <ac:grpSpMk id="6" creationId="{BC644404-43C7-464C-99B4-4DCDE5024343}"/>
-          </ac:grpSpMkLst>
-        </pc:grpChg>
+            <ac:picMk id="34" creationId="{00000000-0000-0000-0000-000000000000}"/>
+          </ac:picMkLst>
+        </pc:picChg>
       </pc:sldChg>
-      <pc:sldChg chg="modSp add ord">
-        <pc:chgData name="Rafael C." userId="ffa83960b425c528" providerId="LiveId" clId="{D5A872B8-313C-4215-B87E-B7B88119E156}" dt="2018-10-08T05:20:35.315" v="1897" actId="20577"/>
+      <pc:sldChg chg="delSp">
+        <pc:chgData name="Rafael C." userId="ffa83960b425c528" providerId="LiveId" clId="{00A6B14B-4B16-418E-B690-4E9A8AC96F0D}" dt="2019-08-07T21:25:59.917" v="8" actId="478"/>
         <pc:sldMkLst>
           <pc:docMk/>
           <pc:sldMk cId="908688216" sldId="289"/>
         </pc:sldMkLst>
-        <pc:spChg chg="mod">
-          <ac:chgData name="Rafael C." userId="ffa83960b425c528" providerId="LiveId" clId="{D5A872B8-313C-4215-B87E-B7B88119E156}" dt="2018-10-08T04:34:47.739" v="605" actId="20577"/>
-          <ac:spMkLst>
+        <pc:picChg chg="del">
+          <ac:chgData name="Rafael C." userId="ffa83960b425c528" providerId="LiveId" clId="{00A6B14B-4B16-418E-B690-4E9A8AC96F0D}" dt="2019-08-07T21:25:59.917" v="8" actId="478"/>
+          <ac:picMkLst>
             <pc:docMk/>
             <pc:sldMk cId="908688216" sldId="289"/>
-            <ac:spMk id="4" creationId="{47BF13C9-597F-4101-B226-A0C8AB06CB95}"/>
-          </ac:spMkLst>
-        </pc:spChg>
-        <pc:spChg chg="mod">
-          <ac:chgData name="Rafael C." userId="ffa83960b425c528" providerId="LiveId" clId="{D5A872B8-313C-4215-B87E-B7B88119E156}" dt="2018-10-08T05:20:35.315" v="1897" actId="20577"/>
-          <ac:spMkLst>
-            <pc:docMk/>
-            <pc:sldMk cId="908688216" sldId="289"/>
-            <ac:spMk id="5" creationId="{EC9A45E1-1B10-4959-A23C-8023AD14133C}"/>
-          </ac:spMkLst>
-        </pc:spChg>
+            <ac:picMk id="6" creationId="{00000000-0000-0000-0000-000000000000}"/>
+          </ac:picMkLst>
+        </pc:picChg>
       </pc:sldChg>
-      <pc:sldChg chg="addSp delSp modSp add">
-        <pc:chgData name="Rafael C." userId="ffa83960b425c528" providerId="LiveId" clId="{D5A872B8-313C-4215-B87E-B7B88119E156}" dt="2018-10-18T03:50:29.040" v="2050" actId="27309"/>
+      <pc:sldChg chg="delSp">
+        <pc:chgData name="Rafael C." userId="ffa83960b425c528" providerId="LiveId" clId="{00A6B14B-4B16-418E-B690-4E9A8AC96F0D}" dt="2019-08-07T21:25:53.555" v="5" actId="478"/>
         <pc:sldMkLst>
           <pc:docMk/>
           <pc:sldMk cId="3876841162" sldId="290"/>
         </pc:sldMkLst>
-        <pc:spChg chg="del">
-          <ac:chgData name="Rafael C." userId="ffa83960b425c528" providerId="LiveId" clId="{D5A872B8-313C-4215-B87E-B7B88119E156}" dt="2018-10-08T04:38:45.263" v="724" actId="478"/>
-          <ac:spMkLst>
+        <pc:picChg chg="del">
+          <ac:chgData name="Rafael C." userId="ffa83960b425c528" providerId="LiveId" clId="{00A6B14B-4B16-418E-B690-4E9A8AC96F0D}" dt="2019-08-07T21:25:53.555" v="5" actId="478"/>
+          <ac:picMkLst>
             <pc:docMk/>
             <pc:sldMk cId="3876841162" sldId="290"/>
-            <ac:spMk id="2" creationId="{3BD3C50D-392F-4B0A-A9D7-6570BD477CDA}"/>
-          </ac:spMkLst>
-        </pc:spChg>
-        <pc:spChg chg="mod">
-          <ac:chgData name="Rafael C." userId="ffa83960b425c528" providerId="LiveId" clId="{D5A872B8-313C-4215-B87E-B7B88119E156}" dt="2018-10-08T04:40:58.656" v="787" actId="20577"/>
-          <ac:spMkLst>
-            <pc:docMk/>
-            <pc:sldMk cId="3876841162" sldId="290"/>
-            <ac:spMk id="4" creationId="{47BF13C9-597F-4101-B226-A0C8AB06CB95}"/>
-          </ac:spMkLst>
-        </pc:spChg>
-        <pc:spChg chg="mod">
-          <ac:chgData name="Rafael C." userId="ffa83960b425c528" providerId="LiveId" clId="{D5A872B8-313C-4215-B87E-B7B88119E156}" dt="2018-10-08T04:40:00.572" v="745" actId="1076"/>
-          <ac:spMkLst>
-            <pc:docMk/>
-            <pc:sldMk cId="3876841162" sldId="290"/>
-            <ac:spMk id="5" creationId="{EC9A45E1-1B10-4959-A23C-8023AD14133C}"/>
-          </ac:spMkLst>
-        </pc:spChg>
-        <pc:spChg chg="del">
-          <ac:chgData name="Rafael C." userId="ffa83960b425c528" providerId="LiveId" clId="{D5A872B8-313C-4215-B87E-B7B88119E156}" dt="2018-10-08T04:38:48.776" v="726" actId="478"/>
-          <ac:spMkLst>
-            <pc:docMk/>
-            <pc:sldMk cId="3876841162" sldId="290"/>
-            <ac:spMk id="33" creationId="{41D109FB-8DFC-4E10-928A-4A50553BFA67}"/>
-          </ac:spMkLst>
-        </pc:spChg>
-        <pc:spChg chg="add mod">
-          <ac:chgData name="Rafael C." userId="ffa83960b425c528" providerId="LiveId" clId="{D5A872B8-313C-4215-B87E-B7B88119E156}" dt="2018-10-08T04:39:31.467" v="733" actId="164"/>
-          <ac:spMkLst>
-            <pc:docMk/>
-            <pc:sldMk cId="3876841162" sldId="290"/>
-            <ac:spMk id="34" creationId="{9FFAD053-883B-40CF-937E-6A603F246C6D}"/>
-          </ac:spMkLst>
-        </pc:spChg>
-        <pc:spChg chg="add mod">
-          <ac:chgData name="Rafael C." userId="ffa83960b425c528" providerId="LiveId" clId="{D5A872B8-313C-4215-B87E-B7B88119E156}" dt="2018-10-08T04:39:31.467" v="733" actId="164"/>
-          <ac:spMkLst>
-            <pc:docMk/>
-            <pc:sldMk cId="3876841162" sldId="290"/>
-            <ac:spMk id="35" creationId="{753479CD-1CCB-42F9-BBF5-FC8087DFC7D7}"/>
-          </ac:spMkLst>
-        </pc:spChg>
-        <pc:spChg chg="add mod">
-          <ac:chgData name="Rafael C." userId="ffa83960b425c528" providerId="LiveId" clId="{D5A872B8-313C-4215-B87E-B7B88119E156}" dt="2018-10-08T04:39:31.467" v="733" actId="164"/>
-          <ac:spMkLst>
-            <pc:docMk/>
-            <pc:sldMk cId="3876841162" sldId="290"/>
-            <ac:spMk id="36" creationId="{6FBA5025-91E9-498D-B2C9-B86EB01AC140}"/>
-          </ac:spMkLst>
-        </pc:spChg>
-        <pc:spChg chg="add mod">
-          <ac:chgData name="Rafael C." userId="ffa83960b425c528" providerId="LiveId" clId="{D5A872B8-313C-4215-B87E-B7B88119E156}" dt="2018-10-08T04:39:31.467" v="733" actId="164"/>
-          <ac:spMkLst>
-            <pc:docMk/>
-            <pc:sldMk cId="3876841162" sldId="290"/>
-            <ac:spMk id="37" creationId="{9D341ED7-A125-4611-A499-2498AC714127}"/>
-          </ac:spMkLst>
-        </pc:spChg>
-        <pc:spChg chg="add mod">
-          <ac:chgData name="Rafael C." userId="ffa83960b425c528" providerId="LiveId" clId="{D5A872B8-313C-4215-B87E-B7B88119E156}" dt="2018-10-08T04:39:31.467" v="733" actId="164"/>
-          <ac:spMkLst>
-            <pc:docMk/>
-            <pc:sldMk cId="3876841162" sldId="290"/>
-            <ac:spMk id="38" creationId="{75B8D0FB-ADD4-468D-9A51-7CDFD6710510}"/>
-          </ac:spMkLst>
-        </pc:spChg>
-        <pc:spChg chg="add mod">
-          <ac:chgData name="Rafael C." userId="ffa83960b425c528" providerId="LiveId" clId="{D5A872B8-313C-4215-B87E-B7B88119E156}" dt="2018-10-08T04:39:31.467" v="733" actId="164"/>
-          <ac:spMkLst>
-            <pc:docMk/>
-            <pc:sldMk cId="3876841162" sldId="290"/>
-            <ac:spMk id="39" creationId="{1BE3F716-9946-4279-B881-6FBCF15ACE67}"/>
-          </ac:spMkLst>
-        </pc:spChg>
-        <pc:spChg chg="add mod">
-          <ac:chgData name="Rafael C." userId="ffa83960b425c528" providerId="LiveId" clId="{D5A872B8-313C-4215-B87E-B7B88119E156}" dt="2018-10-08T04:39:31.467" v="733" actId="164"/>
-          <ac:spMkLst>
-            <pc:docMk/>
-            <pc:sldMk cId="3876841162" sldId="290"/>
-            <ac:spMk id="40" creationId="{418A47B1-4589-4927-8DF3-3ACFFD6E4ABF}"/>
-          </ac:spMkLst>
-        </pc:spChg>
-        <pc:spChg chg="add mod">
-          <ac:chgData name="Rafael C." userId="ffa83960b425c528" providerId="LiveId" clId="{D5A872B8-313C-4215-B87E-B7B88119E156}" dt="2018-10-08T04:39:31.467" v="733" actId="164"/>
-          <ac:spMkLst>
-            <pc:docMk/>
-            <pc:sldMk cId="3876841162" sldId="290"/>
-            <ac:spMk id="41" creationId="{4CAB04BE-10EC-4860-8928-6B089E614971}"/>
-          </ac:spMkLst>
-        </pc:spChg>
-        <pc:spChg chg="add mod">
-          <ac:chgData name="Rafael C." userId="ffa83960b425c528" providerId="LiveId" clId="{D5A872B8-313C-4215-B87E-B7B88119E156}" dt="2018-10-08T04:39:31.467" v="733" actId="164"/>
-          <ac:spMkLst>
-            <pc:docMk/>
-            <pc:sldMk cId="3876841162" sldId="290"/>
-            <ac:spMk id="42" creationId="{D53F1AD6-6E51-45E9-9A60-C9661B3D9CD1}"/>
-          </ac:spMkLst>
-        </pc:spChg>
-        <pc:spChg chg="add mod">
-          <ac:chgData name="Rafael C." userId="ffa83960b425c528" providerId="LiveId" clId="{D5A872B8-313C-4215-B87E-B7B88119E156}" dt="2018-10-08T04:39:31.467" v="733" actId="164"/>
-          <ac:spMkLst>
-            <pc:docMk/>
-            <pc:sldMk cId="3876841162" sldId="290"/>
-            <ac:spMk id="43" creationId="{3EF38A48-540F-45A0-A496-981268DB7AAF}"/>
-          </ac:spMkLst>
-        </pc:spChg>
-        <pc:spChg chg="add mod">
-          <ac:chgData name="Rafael C." userId="ffa83960b425c528" providerId="LiveId" clId="{D5A872B8-313C-4215-B87E-B7B88119E156}" dt="2018-10-08T04:39:31.467" v="733" actId="164"/>
-          <ac:spMkLst>
-            <pc:docMk/>
-            <pc:sldMk cId="3876841162" sldId="290"/>
-            <ac:spMk id="44" creationId="{B32ECDD1-9595-4ED9-A854-1131FB5B0A8C}"/>
-          </ac:spMkLst>
-        </pc:spChg>
-        <pc:spChg chg="add mod">
-          <ac:chgData name="Rafael C." userId="ffa83960b425c528" providerId="LiveId" clId="{D5A872B8-313C-4215-B87E-B7B88119E156}" dt="2018-10-08T04:39:31.467" v="733" actId="164"/>
-          <ac:spMkLst>
-            <pc:docMk/>
-            <pc:sldMk cId="3876841162" sldId="290"/>
-            <ac:spMk id="45" creationId="{87271265-38DF-456F-A5F6-E38CF784B161}"/>
-          </ac:spMkLst>
-        </pc:spChg>
-        <pc:spChg chg="add mod">
-          <ac:chgData name="Rafael C." userId="ffa83960b425c528" providerId="LiveId" clId="{D5A872B8-313C-4215-B87E-B7B88119E156}" dt="2018-10-08T04:39:31.467" v="733" actId="164"/>
-          <ac:spMkLst>
-            <pc:docMk/>
-            <pc:sldMk cId="3876841162" sldId="290"/>
-            <ac:spMk id="46" creationId="{2407EC7D-0466-4DF3-8494-B19966164CFB}"/>
-          </ac:spMkLst>
-        </pc:spChg>
-        <pc:spChg chg="add mod">
-          <ac:chgData name="Rafael C." userId="ffa83960b425c528" providerId="LiveId" clId="{D5A872B8-313C-4215-B87E-B7B88119E156}" dt="2018-10-08T04:39:31.467" v="733" actId="164"/>
-          <ac:spMkLst>
-            <pc:docMk/>
-            <pc:sldMk cId="3876841162" sldId="290"/>
-            <ac:spMk id="47" creationId="{C7C69017-30C2-4A09-BCD5-BCE87DDBF037}"/>
-          </ac:spMkLst>
-        </pc:spChg>
-        <pc:spChg chg="add mod">
-          <ac:chgData name="Rafael C." userId="ffa83960b425c528" providerId="LiveId" clId="{D5A872B8-313C-4215-B87E-B7B88119E156}" dt="2018-10-08T04:39:31.467" v="733" actId="164"/>
-          <ac:spMkLst>
-            <pc:docMk/>
-            <pc:sldMk cId="3876841162" sldId="290"/>
-            <ac:spMk id="48" creationId="{18B03F5A-9B98-4ADC-B650-AAF2694FEB59}"/>
-          </ac:spMkLst>
-        </pc:spChg>
-        <pc:spChg chg="add mod">
-          <ac:chgData name="Rafael C." userId="ffa83960b425c528" providerId="LiveId" clId="{D5A872B8-313C-4215-B87E-B7B88119E156}" dt="2018-10-08T04:39:31.467" v="733" actId="164"/>
-          <ac:spMkLst>
-            <pc:docMk/>
-            <pc:sldMk cId="3876841162" sldId="290"/>
-            <ac:spMk id="49" creationId="{45BA0530-3A46-4B95-824A-481D0FEAE01F}"/>
-          </ac:spMkLst>
-        </pc:spChg>
-        <pc:spChg chg="add mod">
-          <ac:chgData name="Rafael C." userId="ffa83960b425c528" providerId="LiveId" clId="{D5A872B8-313C-4215-B87E-B7B88119E156}" dt="2018-10-08T04:39:31.467" v="733" actId="164"/>
-          <ac:spMkLst>
-            <pc:docMk/>
-            <pc:sldMk cId="3876841162" sldId="290"/>
-            <ac:spMk id="50" creationId="{5D365052-CB91-4296-A23A-3D00F27874B1}"/>
-          </ac:spMkLst>
-        </pc:spChg>
-        <pc:spChg chg="add mod">
-          <ac:chgData name="Rafael C." userId="ffa83960b425c528" providerId="LiveId" clId="{D5A872B8-313C-4215-B87E-B7B88119E156}" dt="2018-10-08T04:39:31.467" v="733" actId="164"/>
-          <ac:spMkLst>
-            <pc:docMk/>
-            <pc:sldMk cId="3876841162" sldId="290"/>
-            <ac:spMk id="51" creationId="{206C2CB5-F1E5-42CD-8A71-393A3FE9F39A}"/>
-          </ac:spMkLst>
-        </pc:spChg>
-        <pc:spChg chg="add mod">
-          <ac:chgData name="Rafael C." userId="ffa83960b425c528" providerId="LiveId" clId="{D5A872B8-313C-4215-B87E-B7B88119E156}" dt="2018-10-08T04:39:31.467" v="733" actId="164"/>
-          <ac:spMkLst>
-            <pc:docMk/>
-            <pc:sldMk cId="3876841162" sldId="290"/>
-            <ac:spMk id="52" creationId="{7D06EE91-2DE4-47F8-AD41-EDA8C797EC8A}"/>
-          </ac:spMkLst>
-        </pc:spChg>
-        <pc:spChg chg="add mod">
-          <ac:chgData name="Rafael C." userId="ffa83960b425c528" providerId="LiveId" clId="{D5A872B8-313C-4215-B87E-B7B88119E156}" dt="2018-10-08T04:39:31.467" v="733" actId="164"/>
-          <ac:spMkLst>
-            <pc:docMk/>
-            <pc:sldMk cId="3876841162" sldId="290"/>
-            <ac:spMk id="53" creationId="{849A0421-A8F7-4335-99F6-9AA829E84035}"/>
-          </ac:spMkLst>
-        </pc:spChg>
-        <pc:spChg chg="add mod">
-          <ac:chgData name="Rafael C." userId="ffa83960b425c528" providerId="LiveId" clId="{D5A872B8-313C-4215-B87E-B7B88119E156}" dt="2018-10-08T04:39:31.467" v="733" actId="164"/>
-          <ac:spMkLst>
-            <pc:docMk/>
-            <pc:sldMk cId="3876841162" sldId="290"/>
-            <ac:spMk id="54" creationId="{4E9A9D1D-B535-4727-BF62-3881808357E9}"/>
-          </ac:spMkLst>
-        </pc:spChg>
-        <pc:spChg chg="add mod">
-          <ac:chgData name="Rafael C." userId="ffa83960b425c528" providerId="LiveId" clId="{D5A872B8-313C-4215-B87E-B7B88119E156}" dt="2018-10-08T04:39:31.467" v="733" actId="164"/>
-          <ac:spMkLst>
-            <pc:docMk/>
-            <pc:sldMk cId="3876841162" sldId="290"/>
-            <ac:spMk id="55" creationId="{95EA2EF1-6CE4-45EF-9423-3D04A0A0668A}"/>
-          </ac:spMkLst>
-        </pc:spChg>
-        <pc:grpChg chg="add mod">
-          <ac:chgData name="Rafael C." userId="ffa83960b425c528" providerId="LiveId" clId="{D5A872B8-313C-4215-B87E-B7B88119E156}" dt="2018-10-08T04:39:53.862" v="744" actId="1076"/>
-          <ac:grpSpMkLst>
-            <pc:docMk/>
-            <pc:sldMk cId="3876841162" sldId="290"/>
-            <ac:grpSpMk id="3" creationId="{E54C5CAA-3F81-4AC7-9DA4-1117ACF79178}"/>
-          </ac:grpSpMkLst>
-        </pc:grpChg>
-        <pc:grpChg chg="del">
-          <ac:chgData name="Rafael C." userId="ffa83960b425c528" providerId="LiveId" clId="{D5A872B8-313C-4215-B87E-B7B88119E156}" dt="2018-10-08T04:38:46.573" v="725" actId="478"/>
-          <ac:grpSpMkLst>
-            <pc:docMk/>
-            <pc:sldMk cId="3876841162" sldId="290"/>
-            <ac:grpSpMk id="6" creationId="{BC644404-43C7-464C-99B4-4DCDE5024343}"/>
-          </ac:grpSpMkLst>
-        </pc:grpChg>
-        <pc:graphicFrameChg chg="add del modGraphic">
-          <ac:chgData name="Rafael C." userId="ffa83960b425c528" providerId="LiveId" clId="{D5A872B8-313C-4215-B87E-B7B88119E156}" dt="2018-10-18T03:50:29.040" v="2050" actId="27309"/>
-          <ac:graphicFrameMkLst>
-            <pc:docMk/>
-            <pc:sldMk cId="3876841162" sldId="290"/>
-            <ac:graphicFrameMk id="6" creationId="{537AF633-3BAC-4AA3-AE3E-F49E4BAA1862}"/>
-          </ac:graphicFrameMkLst>
-        </pc:graphicFrameChg>
+            <ac:picMk id="28" creationId="{00000000-0000-0000-0000-000000000000}"/>
+          </ac:picMkLst>
+        </pc:picChg>
       </pc:sldChg>
-      <pc:sldChg chg="addSp delSp modSp add">
-        <pc:chgData name="Rafael C." userId="ffa83960b425c528" providerId="LiveId" clId="{D5A872B8-313C-4215-B87E-B7B88119E156}" dt="2018-10-08T04:41:09.084" v="812" actId="20577"/>
+      <pc:sldChg chg="delSp">
+        <pc:chgData name="Rafael C." userId="ffa83960b425c528" providerId="LiveId" clId="{00A6B14B-4B16-418E-B690-4E9A8AC96F0D}" dt="2019-08-07T21:25:55.791" v="6" actId="478"/>
         <pc:sldMkLst>
           <pc:docMk/>
           <pc:sldMk cId="1726126687" sldId="291"/>
         </pc:sldMkLst>
-        <pc:spChg chg="mod">
-          <ac:chgData name="Rafael C." userId="ffa83960b425c528" providerId="LiveId" clId="{D5A872B8-313C-4215-B87E-B7B88119E156}" dt="2018-10-08T04:41:09.084" v="812" actId="20577"/>
-          <ac:spMkLst>
+        <pc:picChg chg="del">
+          <ac:chgData name="Rafael C." userId="ffa83960b425c528" providerId="LiveId" clId="{00A6B14B-4B16-418E-B690-4E9A8AC96F0D}" dt="2019-08-07T21:25:55.791" v="6" actId="478"/>
+          <ac:picMkLst>
             <pc:docMk/>
             <pc:sldMk cId="1726126687" sldId="291"/>
-            <ac:spMk id="4" creationId="{47BF13C9-597F-4101-B226-A0C8AB06CB95}"/>
-          </ac:spMkLst>
-        </pc:spChg>
-        <pc:spChg chg="mod">
-          <ac:chgData name="Rafael C." userId="ffa83960b425c528" providerId="LiveId" clId="{D5A872B8-313C-4215-B87E-B7B88119E156}" dt="2018-10-08T04:40:37.758" v="765" actId="1076"/>
-          <ac:spMkLst>
-            <pc:docMk/>
-            <pc:sldMk cId="1726126687" sldId="291"/>
-            <ac:spMk id="5" creationId="{EC9A45E1-1B10-4959-A23C-8023AD14133C}"/>
-          </ac:spMkLst>
-        </pc:spChg>
-        <pc:spChg chg="add del">
-          <ac:chgData name="Rafael C." userId="ffa83960b425c528" providerId="LiveId" clId="{D5A872B8-313C-4215-B87E-B7B88119E156}" dt="2018-10-08T04:40:27.208" v="761"/>
-          <ac:spMkLst>
-            <pc:docMk/>
-            <pc:sldMk cId="1726126687" sldId="291"/>
-            <ac:spMk id="28" creationId="{B3C9B1D8-DDA8-4CF2-A5AE-BC45E2D09744}"/>
-          </ac:spMkLst>
-        </pc:spChg>
-        <pc:spChg chg="add del">
-          <ac:chgData name="Rafael C." userId="ffa83960b425c528" providerId="LiveId" clId="{D5A872B8-313C-4215-B87E-B7B88119E156}" dt="2018-10-08T04:40:27.208" v="761"/>
-          <ac:spMkLst>
-            <pc:docMk/>
-            <pc:sldMk cId="1726126687" sldId="291"/>
-            <ac:spMk id="29" creationId="{1DF9433D-E929-496D-9495-177CBAB8C4EB}"/>
-          </ac:spMkLst>
-        </pc:spChg>
-        <pc:spChg chg="add del">
-          <ac:chgData name="Rafael C." userId="ffa83960b425c528" providerId="LiveId" clId="{D5A872B8-313C-4215-B87E-B7B88119E156}" dt="2018-10-08T04:40:27.208" v="761"/>
-          <ac:spMkLst>
-            <pc:docMk/>
-            <pc:sldMk cId="1726126687" sldId="291"/>
-            <ac:spMk id="30" creationId="{5B33C7A8-06E2-4BDF-8395-367FAEFE5443}"/>
-          </ac:spMkLst>
-        </pc:spChg>
-        <pc:spChg chg="add del">
-          <ac:chgData name="Rafael C." userId="ffa83960b425c528" providerId="LiveId" clId="{D5A872B8-313C-4215-B87E-B7B88119E156}" dt="2018-10-08T04:40:27.208" v="761"/>
-          <ac:spMkLst>
-            <pc:docMk/>
-            <pc:sldMk cId="1726126687" sldId="291"/>
-            <ac:spMk id="31" creationId="{854509B4-20FE-48C8-9F86-3719A24C6D87}"/>
-          </ac:spMkLst>
-        </pc:spChg>
-        <pc:spChg chg="add del">
-          <ac:chgData name="Rafael C." userId="ffa83960b425c528" providerId="LiveId" clId="{D5A872B8-313C-4215-B87E-B7B88119E156}" dt="2018-10-08T04:40:27.208" v="761"/>
-          <ac:spMkLst>
-            <pc:docMk/>
-            <pc:sldMk cId="1726126687" sldId="291"/>
-            <ac:spMk id="32" creationId="{B0583A03-EAF0-4649-B254-0CAE7E460508}"/>
-          </ac:spMkLst>
-        </pc:spChg>
-        <pc:spChg chg="add del">
-          <ac:chgData name="Rafael C." userId="ffa83960b425c528" providerId="LiveId" clId="{D5A872B8-313C-4215-B87E-B7B88119E156}" dt="2018-10-08T04:40:27.208" v="761"/>
-          <ac:spMkLst>
-            <pc:docMk/>
-            <pc:sldMk cId="1726126687" sldId="291"/>
-            <ac:spMk id="33" creationId="{6D9C5455-BBE6-4ACE-8245-AD039C471239}"/>
-          </ac:spMkLst>
-        </pc:spChg>
-        <pc:spChg chg="add del">
-          <ac:chgData name="Rafael C." userId="ffa83960b425c528" providerId="LiveId" clId="{D5A872B8-313C-4215-B87E-B7B88119E156}" dt="2018-10-08T04:40:27.208" v="761"/>
-          <ac:spMkLst>
-            <pc:docMk/>
-            <pc:sldMk cId="1726126687" sldId="291"/>
-            <ac:spMk id="56" creationId="{CA3A0002-F902-4AFB-B6FB-5EAC96A9FFBE}"/>
-          </ac:spMkLst>
-        </pc:spChg>
-        <pc:spChg chg="add del">
-          <ac:chgData name="Rafael C." userId="ffa83960b425c528" providerId="LiveId" clId="{D5A872B8-313C-4215-B87E-B7B88119E156}" dt="2018-10-08T04:40:27.208" v="761"/>
-          <ac:spMkLst>
-            <pc:docMk/>
-            <pc:sldMk cId="1726126687" sldId="291"/>
-            <ac:spMk id="57" creationId="{810F644A-1285-4CA4-8266-136E8F2F47CF}"/>
-          </ac:spMkLst>
-        </pc:spChg>
-        <pc:spChg chg="add del">
-          <ac:chgData name="Rafael C." userId="ffa83960b425c528" providerId="LiveId" clId="{D5A872B8-313C-4215-B87E-B7B88119E156}" dt="2018-10-08T04:40:27.208" v="761"/>
-          <ac:spMkLst>
-            <pc:docMk/>
-            <pc:sldMk cId="1726126687" sldId="291"/>
-            <ac:spMk id="58" creationId="{24EFD3DF-971D-4F54-9D5D-8C5ABD2098B0}"/>
-          </ac:spMkLst>
-        </pc:spChg>
-        <pc:spChg chg="add del">
-          <ac:chgData name="Rafael C." userId="ffa83960b425c528" providerId="LiveId" clId="{D5A872B8-313C-4215-B87E-B7B88119E156}" dt="2018-10-08T04:40:27.208" v="761"/>
-          <ac:spMkLst>
-            <pc:docMk/>
-            <pc:sldMk cId="1726126687" sldId="291"/>
-            <ac:spMk id="59" creationId="{C2C3FE3F-3804-4158-8DD4-BCA0AEF822D6}"/>
-          </ac:spMkLst>
-        </pc:spChg>
-        <pc:spChg chg="add del">
-          <ac:chgData name="Rafael C." userId="ffa83960b425c528" providerId="LiveId" clId="{D5A872B8-313C-4215-B87E-B7B88119E156}" dt="2018-10-08T04:40:27.208" v="761"/>
-          <ac:spMkLst>
-            <pc:docMk/>
-            <pc:sldMk cId="1726126687" sldId="291"/>
-            <ac:spMk id="60" creationId="{4757C576-1760-4A42-8B13-E366A81B7251}"/>
-          </ac:spMkLst>
-        </pc:spChg>
-        <pc:spChg chg="add del">
-          <ac:chgData name="Rafael C." userId="ffa83960b425c528" providerId="LiveId" clId="{D5A872B8-313C-4215-B87E-B7B88119E156}" dt="2018-10-08T04:40:27.208" v="761"/>
-          <ac:spMkLst>
-            <pc:docMk/>
-            <pc:sldMk cId="1726126687" sldId="291"/>
-            <ac:spMk id="61" creationId="{1E6D1806-907E-425F-9BEC-AEC6A497FB15}"/>
-          </ac:spMkLst>
-        </pc:spChg>
-        <pc:spChg chg="add del">
-          <ac:chgData name="Rafael C." userId="ffa83960b425c528" providerId="LiveId" clId="{D5A872B8-313C-4215-B87E-B7B88119E156}" dt="2018-10-08T04:40:27.208" v="761"/>
-          <ac:spMkLst>
-            <pc:docMk/>
-            <pc:sldMk cId="1726126687" sldId="291"/>
-            <ac:spMk id="62" creationId="{FE2AC5A2-545B-40EF-A18A-E182ECB3D817}"/>
-          </ac:spMkLst>
-        </pc:spChg>
-        <pc:spChg chg="add del">
-          <ac:chgData name="Rafael C." userId="ffa83960b425c528" providerId="LiveId" clId="{D5A872B8-313C-4215-B87E-B7B88119E156}" dt="2018-10-08T04:40:27.208" v="761"/>
-          <ac:spMkLst>
-            <pc:docMk/>
-            <pc:sldMk cId="1726126687" sldId="291"/>
-            <ac:spMk id="63" creationId="{4844E994-D357-42EF-8F57-37ACB86A447F}"/>
-          </ac:spMkLst>
-        </pc:spChg>
-        <pc:spChg chg="add del">
-          <ac:chgData name="Rafael C." userId="ffa83960b425c528" providerId="LiveId" clId="{D5A872B8-313C-4215-B87E-B7B88119E156}" dt="2018-10-08T04:40:27.208" v="761"/>
-          <ac:spMkLst>
-            <pc:docMk/>
-            <pc:sldMk cId="1726126687" sldId="291"/>
-            <ac:spMk id="64" creationId="{D892742B-2829-4DA6-A39B-5DA8E3629D10}"/>
-          </ac:spMkLst>
-        </pc:spChg>
-        <pc:spChg chg="add del">
-          <ac:chgData name="Rafael C." userId="ffa83960b425c528" providerId="LiveId" clId="{D5A872B8-313C-4215-B87E-B7B88119E156}" dt="2018-10-08T04:40:27.208" v="761"/>
-          <ac:spMkLst>
-            <pc:docMk/>
-            <pc:sldMk cId="1726126687" sldId="291"/>
-            <ac:spMk id="65" creationId="{BFBE6E2E-C9B6-4174-9888-80496C977466}"/>
-          </ac:spMkLst>
-        </pc:spChg>
-        <pc:spChg chg="add del">
-          <ac:chgData name="Rafael C." userId="ffa83960b425c528" providerId="LiveId" clId="{D5A872B8-313C-4215-B87E-B7B88119E156}" dt="2018-10-08T04:40:27.208" v="761"/>
-          <ac:spMkLst>
-            <pc:docMk/>
-            <pc:sldMk cId="1726126687" sldId="291"/>
-            <ac:spMk id="66" creationId="{BB05EB05-9BBA-499C-8024-B3D7E891FD75}"/>
-          </ac:spMkLst>
-        </pc:spChg>
-        <pc:spChg chg="add del">
-          <ac:chgData name="Rafael C." userId="ffa83960b425c528" providerId="LiveId" clId="{D5A872B8-313C-4215-B87E-B7B88119E156}" dt="2018-10-08T04:40:27.208" v="761"/>
-          <ac:spMkLst>
-            <pc:docMk/>
-            <pc:sldMk cId="1726126687" sldId="291"/>
-            <ac:spMk id="67" creationId="{A0AF4707-29B0-4065-AE5A-857539A54FFA}"/>
-          </ac:spMkLst>
-        </pc:spChg>
-        <pc:spChg chg="add del">
-          <ac:chgData name="Rafael C." userId="ffa83960b425c528" providerId="LiveId" clId="{D5A872B8-313C-4215-B87E-B7B88119E156}" dt="2018-10-08T04:40:27.208" v="761"/>
-          <ac:spMkLst>
-            <pc:docMk/>
-            <pc:sldMk cId="1726126687" sldId="291"/>
-            <ac:spMk id="68" creationId="{BB29D5E6-E3CB-4064-8A49-1936F02C3F6E}"/>
-          </ac:spMkLst>
-        </pc:spChg>
-        <pc:spChg chg="add del">
-          <ac:chgData name="Rafael C." userId="ffa83960b425c528" providerId="LiveId" clId="{D5A872B8-313C-4215-B87E-B7B88119E156}" dt="2018-10-08T04:40:27.208" v="761"/>
-          <ac:spMkLst>
-            <pc:docMk/>
-            <pc:sldMk cId="1726126687" sldId="291"/>
-            <ac:spMk id="69" creationId="{7E4FC11B-C9AD-47C5-B037-1BB4508B0A27}"/>
-          </ac:spMkLst>
-        </pc:spChg>
-        <pc:spChg chg="add del">
-          <ac:chgData name="Rafael C." userId="ffa83960b425c528" providerId="LiveId" clId="{D5A872B8-313C-4215-B87E-B7B88119E156}" dt="2018-10-08T04:40:27.208" v="761"/>
-          <ac:spMkLst>
-            <pc:docMk/>
-            <pc:sldMk cId="1726126687" sldId="291"/>
-            <ac:spMk id="70" creationId="{8B2BA021-EDD5-4421-844E-1831324D9541}"/>
-          </ac:spMkLst>
-        </pc:spChg>
-        <pc:spChg chg="add del">
-          <ac:chgData name="Rafael C." userId="ffa83960b425c528" providerId="LiveId" clId="{D5A872B8-313C-4215-B87E-B7B88119E156}" dt="2018-10-08T04:40:27.208" v="761"/>
-          <ac:spMkLst>
-            <pc:docMk/>
-            <pc:sldMk cId="1726126687" sldId="291"/>
-            <ac:spMk id="71" creationId="{EA7E64E3-37A6-4C63-857F-AE8741D0441F}"/>
-          </ac:spMkLst>
-        </pc:spChg>
-        <pc:spChg chg="add del">
-          <ac:chgData name="Rafael C." userId="ffa83960b425c528" providerId="LiveId" clId="{D5A872B8-313C-4215-B87E-B7B88119E156}" dt="2018-10-08T04:40:27.208" v="761"/>
-          <ac:spMkLst>
-            <pc:docMk/>
-            <pc:sldMk cId="1726126687" sldId="291"/>
-            <ac:spMk id="72" creationId="{183D1F1B-C5D9-4DEA-9B30-855F92D29E28}"/>
-          </ac:spMkLst>
-        </pc:spChg>
-        <pc:spChg chg="add mod">
-          <ac:chgData name="Rafael C." userId="ffa83960b425c528" providerId="LiveId" clId="{D5A872B8-313C-4215-B87E-B7B88119E156}" dt="2018-10-08T04:40:36.064" v="763" actId="164"/>
-          <ac:spMkLst>
-            <pc:docMk/>
-            <pc:sldMk cId="1726126687" sldId="291"/>
-            <ac:spMk id="73" creationId="{03EFF17C-AC97-486B-8B30-D566FD8E6FE6}"/>
-          </ac:spMkLst>
-        </pc:spChg>
-        <pc:spChg chg="add mod">
-          <ac:chgData name="Rafael C." userId="ffa83960b425c528" providerId="LiveId" clId="{D5A872B8-313C-4215-B87E-B7B88119E156}" dt="2018-10-08T04:40:36.064" v="763" actId="164"/>
-          <ac:spMkLst>
-            <pc:docMk/>
-            <pc:sldMk cId="1726126687" sldId="291"/>
-            <ac:spMk id="74" creationId="{3A97E155-1475-419C-8021-4565A4B780E8}"/>
-          </ac:spMkLst>
-        </pc:spChg>
-        <pc:spChg chg="add mod">
-          <ac:chgData name="Rafael C." userId="ffa83960b425c528" providerId="LiveId" clId="{D5A872B8-313C-4215-B87E-B7B88119E156}" dt="2018-10-08T04:40:36.064" v="763" actId="164"/>
-          <ac:spMkLst>
-            <pc:docMk/>
-            <pc:sldMk cId="1726126687" sldId="291"/>
-            <ac:spMk id="75" creationId="{16D8BAB9-8794-4EDE-8D2F-10C2CDC4710A}"/>
-          </ac:spMkLst>
-        </pc:spChg>
-        <pc:spChg chg="add mod">
-          <ac:chgData name="Rafael C." userId="ffa83960b425c528" providerId="LiveId" clId="{D5A872B8-313C-4215-B87E-B7B88119E156}" dt="2018-10-08T04:40:36.064" v="763" actId="164"/>
-          <ac:spMkLst>
-            <pc:docMk/>
-            <pc:sldMk cId="1726126687" sldId="291"/>
-            <ac:spMk id="76" creationId="{A1C88CC5-53A2-4A12-9F54-CF7A026C556D}"/>
-          </ac:spMkLst>
-        </pc:spChg>
-        <pc:spChg chg="add mod">
-          <ac:chgData name="Rafael C." userId="ffa83960b425c528" providerId="LiveId" clId="{D5A872B8-313C-4215-B87E-B7B88119E156}" dt="2018-10-08T04:40:36.064" v="763" actId="164"/>
-          <ac:spMkLst>
-            <pc:docMk/>
-            <pc:sldMk cId="1726126687" sldId="291"/>
-            <ac:spMk id="77" creationId="{4BDD88B4-8769-4322-B90B-4F8738CD124F}"/>
-          </ac:spMkLst>
-        </pc:spChg>
-        <pc:spChg chg="add mod">
-          <ac:chgData name="Rafael C." userId="ffa83960b425c528" providerId="LiveId" clId="{D5A872B8-313C-4215-B87E-B7B88119E156}" dt="2018-10-08T04:40:36.064" v="763" actId="164"/>
-          <ac:spMkLst>
-            <pc:docMk/>
-            <pc:sldMk cId="1726126687" sldId="291"/>
-            <ac:spMk id="78" creationId="{32995501-CC2B-47C1-A605-D2287566C839}"/>
-          </ac:spMkLst>
-        </pc:spChg>
-        <pc:spChg chg="add mod">
-          <ac:chgData name="Rafael C." userId="ffa83960b425c528" providerId="LiveId" clId="{D5A872B8-313C-4215-B87E-B7B88119E156}" dt="2018-10-08T04:40:36.064" v="763" actId="164"/>
-          <ac:spMkLst>
-            <pc:docMk/>
-            <pc:sldMk cId="1726126687" sldId="291"/>
-            <ac:spMk id="79" creationId="{9C61BBAA-C7CD-4C8D-A0D3-06DED3BCCC9A}"/>
-          </ac:spMkLst>
-        </pc:spChg>
-        <pc:spChg chg="add mod">
-          <ac:chgData name="Rafael C." userId="ffa83960b425c528" providerId="LiveId" clId="{D5A872B8-313C-4215-B87E-B7B88119E156}" dt="2018-10-08T04:40:36.064" v="763" actId="164"/>
-          <ac:spMkLst>
-            <pc:docMk/>
-            <pc:sldMk cId="1726126687" sldId="291"/>
-            <ac:spMk id="80" creationId="{815B0F7D-4EDC-4403-BCD5-3EF7215F6D44}"/>
-          </ac:spMkLst>
-        </pc:spChg>
-        <pc:spChg chg="add mod">
-          <ac:chgData name="Rafael C." userId="ffa83960b425c528" providerId="LiveId" clId="{D5A872B8-313C-4215-B87E-B7B88119E156}" dt="2018-10-08T04:40:36.064" v="763" actId="164"/>
-          <ac:spMkLst>
-            <pc:docMk/>
-            <pc:sldMk cId="1726126687" sldId="291"/>
-            <ac:spMk id="81" creationId="{A30E479C-5799-47D4-8E16-417AE6290C1F}"/>
-          </ac:spMkLst>
-        </pc:spChg>
-        <pc:spChg chg="add mod">
-          <ac:chgData name="Rafael C." userId="ffa83960b425c528" providerId="LiveId" clId="{D5A872B8-313C-4215-B87E-B7B88119E156}" dt="2018-10-08T04:40:36.064" v="763" actId="164"/>
-          <ac:spMkLst>
-            <pc:docMk/>
-            <pc:sldMk cId="1726126687" sldId="291"/>
-            <ac:spMk id="82" creationId="{69F8B023-C1C6-49C8-9351-CA02DDAE4621}"/>
-          </ac:spMkLst>
-        </pc:spChg>
-        <pc:spChg chg="add mod">
-          <ac:chgData name="Rafael C." userId="ffa83960b425c528" providerId="LiveId" clId="{D5A872B8-313C-4215-B87E-B7B88119E156}" dt="2018-10-08T04:40:36.064" v="763" actId="164"/>
-          <ac:spMkLst>
-            <pc:docMk/>
-            <pc:sldMk cId="1726126687" sldId="291"/>
-            <ac:spMk id="83" creationId="{A2D15590-44B8-4506-87CA-8C2FCD3A3E35}"/>
-          </ac:spMkLst>
-        </pc:spChg>
-        <pc:spChg chg="add mod">
-          <ac:chgData name="Rafael C." userId="ffa83960b425c528" providerId="LiveId" clId="{D5A872B8-313C-4215-B87E-B7B88119E156}" dt="2018-10-08T04:40:36.064" v="763" actId="164"/>
-          <ac:spMkLst>
-            <pc:docMk/>
-            <pc:sldMk cId="1726126687" sldId="291"/>
-            <ac:spMk id="84" creationId="{09058603-B0EB-4DF6-914C-4EAD65C79632}"/>
-          </ac:spMkLst>
-        </pc:spChg>
-        <pc:spChg chg="add mod">
-          <ac:chgData name="Rafael C." userId="ffa83960b425c528" providerId="LiveId" clId="{D5A872B8-313C-4215-B87E-B7B88119E156}" dt="2018-10-08T04:40:36.064" v="763" actId="164"/>
-          <ac:spMkLst>
-            <pc:docMk/>
-            <pc:sldMk cId="1726126687" sldId="291"/>
-            <ac:spMk id="85" creationId="{9D8B9B9F-D1FD-4843-81F2-FCD5C63E2883}"/>
-          </ac:spMkLst>
-        </pc:spChg>
-        <pc:spChg chg="add mod">
-          <ac:chgData name="Rafael C." userId="ffa83960b425c528" providerId="LiveId" clId="{D5A872B8-313C-4215-B87E-B7B88119E156}" dt="2018-10-08T04:40:36.064" v="763" actId="164"/>
-          <ac:spMkLst>
-            <pc:docMk/>
-            <pc:sldMk cId="1726126687" sldId="291"/>
-            <ac:spMk id="86" creationId="{307A91A9-9096-4D0C-BAF2-0206770D6498}"/>
-          </ac:spMkLst>
-        </pc:spChg>
-        <pc:spChg chg="add mod">
-          <ac:chgData name="Rafael C." userId="ffa83960b425c528" providerId="LiveId" clId="{D5A872B8-313C-4215-B87E-B7B88119E156}" dt="2018-10-08T04:40:36.064" v="763" actId="164"/>
-          <ac:spMkLst>
-            <pc:docMk/>
-            <pc:sldMk cId="1726126687" sldId="291"/>
-            <ac:spMk id="87" creationId="{2777EDE1-386D-4DC3-8C85-A26D5CABAE11}"/>
-          </ac:spMkLst>
-        </pc:spChg>
-        <pc:spChg chg="add mod">
-          <ac:chgData name="Rafael C." userId="ffa83960b425c528" providerId="LiveId" clId="{D5A872B8-313C-4215-B87E-B7B88119E156}" dt="2018-10-08T04:40:36.064" v="763" actId="164"/>
-          <ac:spMkLst>
-            <pc:docMk/>
-            <pc:sldMk cId="1726126687" sldId="291"/>
-            <ac:spMk id="88" creationId="{F78337E3-EAAB-469B-AAFA-941133180B34}"/>
-          </ac:spMkLst>
-        </pc:spChg>
-        <pc:spChg chg="add mod">
-          <ac:chgData name="Rafael C." userId="ffa83960b425c528" providerId="LiveId" clId="{D5A872B8-313C-4215-B87E-B7B88119E156}" dt="2018-10-08T04:40:36.064" v="763" actId="164"/>
-          <ac:spMkLst>
-            <pc:docMk/>
-            <pc:sldMk cId="1726126687" sldId="291"/>
-            <ac:spMk id="89" creationId="{AF39B14B-D9B9-42A8-9CAD-4A6E7FCF1F29}"/>
-          </ac:spMkLst>
-        </pc:spChg>
-        <pc:spChg chg="add mod">
-          <ac:chgData name="Rafael C." userId="ffa83960b425c528" providerId="LiveId" clId="{D5A872B8-313C-4215-B87E-B7B88119E156}" dt="2018-10-08T04:40:36.064" v="763" actId="164"/>
-          <ac:spMkLst>
-            <pc:docMk/>
-            <pc:sldMk cId="1726126687" sldId="291"/>
-            <ac:spMk id="90" creationId="{13F17485-E895-47CF-82D1-0FC106D492AF}"/>
-          </ac:spMkLst>
-        </pc:spChg>
-        <pc:spChg chg="add mod">
-          <ac:chgData name="Rafael C." userId="ffa83960b425c528" providerId="LiveId" clId="{D5A872B8-313C-4215-B87E-B7B88119E156}" dt="2018-10-08T04:40:36.064" v="763" actId="164"/>
-          <ac:spMkLst>
-            <pc:docMk/>
-            <pc:sldMk cId="1726126687" sldId="291"/>
-            <ac:spMk id="91" creationId="{6978CC64-0FE0-4259-9F05-32B3E3AEC313}"/>
-          </ac:spMkLst>
-        </pc:spChg>
-        <pc:spChg chg="add mod">
-          <ac:chgData name="Rafael C." userId="ffa83960b425c528" providerId="LiveId" clId="{D5A872B8-313C-4215-B87E-B7B88119E156}" dt="2018-10-08T04:40:36.064" v="763" actId="164"/>
-          <ac:spMkLst>
-            <pc:docMk/>
-            <pc:sldMk cId="1726126687" sldId="291"/>
-            <ac:spMk id="92" creationId="{4EA43D2F-AA8D-42AF-B853-98055FD78172}"/>
-          </ac:spMkLst>
-        </pc:spChg>
-        <pc:spChg chg="add mod">
-          <ac:chgData name="Rafael C." userId="ffa83960b425c528" providerId="LiveId" clId="{D5A872B8-313C-4215-B87E-B7B88119E156}" dt="2018-10-08T04:40:36.064" v="763" actId="164"/>
-          <ac:spMkLst>
-            <pc:docMk/>
-            <pc:sldMk cId="1726126687" sldId="291"/>
-            <ac:spMk id="93" creationId="{895BE2F6-F47A-46B8-841C-89BCA576B653}"/>
-          </ac:spMkLst>
-        </pc:spChg>
-        <pc:spChg chg="add mod">
-          <ac:chgData name="Rafael C." userId="ffa83960b425c528" providerId="LiveId" clId="{D5A872B8-313C-4215-B87E-B7B88119E156}" dt="2018-10-08T04:40:36.064" v="763" actId="164"/>
-          <ac:spMkLst>
-            <pc:docMk/>
-            <pc:sldMk cId="1726126687" sldId="291"/>
-            <ac:spMk id="94" creationId="{C5145F76-155C-4563-B394-8B37B54C2870}"/>
-          </ac:spMkLst>
-        </pc:spChg>
-        <pc:spChg chg="add mod">
-          <ac:chgData name="Rafael C." userId="ffa83960b425c528" providerId="LiveId" clId="{D5A872B8-313C-4215-B87E-B7B88119E156}" dt="2018-10-08T04:40:36.064" v="763" actId="164"/>
-          <ac:spMkLst>
-            <pc:docMk/>
-            <pc:sldMk cId="1726126687" sldId="291"/>
-            <ac:spMk id="95" creationId="{52EB8014-2C13-4C85-88D1-5C141D646DFC}"/>
-          </ac:spMkLst>
-        </pc:spChg>
-        <pc:spChg chg="add mod">
-          <ac:chgData name="Rafael C." userId="ffa83960b425c528" providerId="LiveId" clId="{D5A872B8-313C-4215-B87E-B7B88119E156}" dt="2018-10-08T04:40:36.064" v="763" actId="164"/>
-          <ac:spMkLst>
-            <pc:docMk/>
-            <pc:sldMk cId="1726126687" sldId="291"/>
-            <ac:spMk id="96" creationId="{EFF0B62E-E048-4AF6-A4B5-52FDFE1007F0}"/>
-          </ac:spMkLst>
-        </pc:spChg>
-        <pc:grpChg chg="add mod">
-          <ac:chgData name="Rafael C." userId="ffa83960b425c528" providerId="LiveId" clId="{D5A872B8-313C-4215-B87E-B7B88119E156}" dt="2018-10-08T04:40:40.692" v="766" actId="1076"/>
-          <ac:grpSpMkLst>
-            <pc:docMk/>
-            <pc:sldMk cId="1726126687" sldId="291"/>
-            <ac:grpSpMk id="2" creationId="{780618AE-A666-4D5D-BAB9-BF23EFB95250}"/>
-          </ac:grpSpMkLst>
-        </pc:grpChg>
-        <pc:grpChg chg="del">
-          <ac:chgData name="Rafael C." userId="ffa83960b425c528" providerId="LiveId" clId="{D5A872B8-313C-4215-B87E-B7B88119E156}" dt="2018-10-08T04:40:23.670" v="759" actId="478"/>
-          <ac:grpSpMkLst>
-            <pc:docMk/>
-            <pc:sldMk cId="1726126687" sldId="291"/>
-            <ac:grpSpMk id="3" creationId="{E54C5CAA-3F81-4AC7-9DA4-1117ACF79178}"/>
-          </ac:grpSpMkLst>
-        </pc:grpChg>
+            <ac:picMk id="30" creationId="{00000000-0000-0000-0000-000000000000}"/>
+          </ac:picMkLst>
+        </pc:picChg>
       </pc:sldChg>
-      <pc:sldChg chg="addSp delSp modSp add">
-        <pc:chgData name="Rafael C." userId="ffa83960b425c528" providerId="LiveId" clId="{D5A872B8-313C-4215-B87E-B7B88119E156}" dt="2018-10-08T04:41:54.769" v="842" actId="20577"/>
+      <pc:sldChg chg="delSp">
+        <pc:chgData name="Rafael C." userId="ffa83960b425c528" providerId="LiveId" clId="{00A6B14B-4B16-418E-B690-4E9A8AC96F0D}" dt="2019-08-07T21:25:57.815" v="7" actId="478"/>
         <pc:sldMkLst>
           <pc:docMk/>
           <pc:sldMk cId="3994721824" sldId="292"/>
         </pc:sldMkLst>
-        <pc:spChg chg="mod">
-          <ac:chgData name="Rafael C." userId="ffa83960b425c528" providerId="LiveId" clId="{D5A872B8-313C-4215-B87E-B7B88119E156}" dt="2018-10-08T04:41:54.769" v="842" actId="20577"/>
-          <ac:spMkLst>
+        <pc:picChg chg="del">
+          <ac:chgData name="Rafael C." userId="ffa83960b425c528" providerId="LiveId" clId="{00A6B14B-4B16-418E-B690-4E9A8AC96F0D}" dt="2019-08-07T21:25:57.815" v="7" actId="478"/>
+          <ac:picMkLst>
             <pc:docMk/>
             <pc:sldMk cId="3994721824" sldId="292"/>
-            <ac:spMk id="4" creationId="{47BF13C9-597F-4101-B226-A0C8AB06CB95}"/>
-          </ac:spMkLst>
-        </pc:spChg>
-        <pc:spChg chg="mod">
-          <ac:chgData name="Rafael C." userId="ffa83960b425c528" providerId="LiveId" clId="{D5A872B8-313C-4215-B87E-B7B88119E156}" dt="2018-10-08T04:41:41.714" v="818" actId="1076"/>
-          <ac:spMkLst>
-            <pc:docMk/>
-            <pc:sldMk cId="3994721824" sldId="292"/>
-            <ac:spMk id="5" creationId="{EC9A45E1-1B10-4959-A23C-8023AD14133C}"/>
-          </ac:spMkLst>
-        </pc:spChg>
-        <pc:spChg chg="add mod">
-          <ac:chgData name="Rafael C." userId="ffa83960b425c528" providerId="LiveId" clId="{D5A872B8-313C-4215-B87E-B7B88119E156}" dt="2018-10-08T04:41:39.937" v="816" actId="164"/>
-          <ac:spMkLst>
-            <pc:docMk/>
-            <pc:sldMk cId="3994721824" sldId="292"/>
-            <ac:spMk id="30" creationId="{7512576B-1252-45D6-94B5-692B90F3560B}"/>
-          </ac:spMkLst>
-        </pc:spChg>
-        <pc:spChg chg="add mod">
-          <ac:chgData name="Rafael C." userId="ffa83960b425c528" providerId="LiveId" clId="{D5A872B8-313C-4215-B87E-B7B88119E156}" dt="2018-10-08T04:41:39.937" v="816" actId="164"/>
-          <ac:spMkLst>
-            <pc:docMk/>
-            <pc:sldMk cId="3994721824" sldId="292"/>
-            <ac:spMk id="31" creationId="{FA398767-9F79-4B9C-94F2-234586637C0F}"/>
-          </ac:spMkLst>
-        </pc:spChg>
-        <pc:spChg chg="add mod">
-          <ac:chgData name="Rafael C." userId="ffa83960b425c528" providerId="LiveId" clId="{D5A872B8-313C-4215-B87E-B7B88119E156}" dt="2018-10-08T04:41:39.937" v="816" actId="164"/>
-          <ac:spMkLst>
-            <pc:docMk/>
-            <pc:sldMk cId="3994721824" sldId="292"/>
-            <ac:spMk id="32" creationId="{241B2983-F304-4AE6-8A15-CCC683704F17}"/>
-          </ac:spMkLst>
-        </pc:spChg>
-        <pc:spChg chg="add mod">
-          <ac:chgData name="Rafael C." userId="ffa83960b425c528" providerId="LiveId" clId="{D5A872B8-313C-4215-B87E-B7B88119E156}" dt="2018-10-08T04:41:39.937" v="816" actId="164"/>
-          <ac:spMkLst>
-            <pc:docMk/>
-            <pc:sldMk cId="3994721824" sldId="292"/>
-            <ac:spMk id="33" creationId="{F21C8E08-02F4-49FD-AA46-DAA1E87FE51E}"/>
-          </ac:spMkLst>
-        </pc:spChg>
-        <pc:spChg chg="add mod">
-          <ac:chgData name="Rafael C." userId="ffa83960b425c528" providerId="LiveId" clId="{D5A872B8-313C-4215-B87E-B7B88119E156}" dt="2018-10-08T04:41:39.937" v="816" actId="164"/>
-          <ac:spMkLst>
-            <pc:docMk/>
-            <pc:sldMk cId="3994721824" sldId="292"/>
-            <ac:spMk id="34" creationId="{E2AA70C3-72C3-4762-83B0-D6D804314123}"/>
-          </ac:spMkLst>
-        </pc:spChg>
-        <pc:spChg chg="add mod">
-          <ac:chgData name="Rafael C." userId="ffa83960b425c528" providerId="LiveId" clId="{D5A872B8-313C-4215-B87E-B7B88119E156}" dt="2018-10-08T04:41:39.937" v="816" actId="164"/>
-          <ac:spMkLst>
-            <pc:docMk/>
-            <pc:sldMk cId="3994721824" sldId="292"/>
-            <ac:spMk id="35" creationId="{C9593A02-6A62-461E-915F-545787D9345E}"/>
-          </ac:spMkLst>
-        </pc:spChg>
-        <pc:spChg chg="add mod">
-          <ac:chgData name="Rafael C." userId="ffa83960b425c528" providerId="LiveId" clId="{D5A872B8-313C-4215-B87E-B7B88119E156}" dt="2018-10-08T04:41:39.937" v="816" actId="164"/>
-          <ac:spMkLst>
-            <pc:docMk/>
-            <pc:sldMk cId="3994721824" sldId="292"/>
-            <ac:spMk id="36" creationId="{B6DDA7B0-BE70-4313-AE4B-81D35F92D597}"/>
-          </ac:spMkLst>
-        </pc:spChg>
-        <pc:spChg chg="add mod">
-          <ac:chgData name="Rafael C." userId="ffa83960b425c528" providerId="LiveId" clId="{D5A872B8-313C-4215-B87E-B7B88119E156}" dt="2018-10-08T04:41:39.937" v="816" actId="164"/>
-          <ac:spMkLst>
-            <pc:docMk/>
-            <pc:sldMk cId="3994721824" sldId="292"/>
-            <ac:spMk id="37" creationId="{846679E6-FDF5-426B-BEE3-3E90C855C2BA}"/>
-          </ac:spMkLst>
-        </pc:spChg>
-        <pc:spChg chg="add mod">
-          <ac:chgData name="Rafael C." userId="ffa83960b425c528" providerId="LiveId" clId="{D5A872B8-313C-4215-B87E-B7B88119E156}" dt="2018-10-08T04:41:39.937" v="816" actId="164"/>
-          <ac:spMkLst>
-            <pc:docMk/>
-            <pc:sldMk cId="3994721824" sldId="292"/>
-            <ac:spMk id="38" creationId="{4BFB2DC1-79B4-4820-83D4-C5211C37B6EB}"/>
-          </ac:spMkLst>
-        </pc:spChg>
-        <pc:spChg chg="add mod">
-          <ac:chgData name="Rafael C." userId="ffa83960b425c528" providerId="LiveId" clId="{D5A872B8-313C-4215-B87E-B7B88119E156}" dt="2018-10-08T04:41:39.937" v="816" actId="164"/>
-          <ac:spMkLst>
-            <pc:docMk/>
-            <pc:sldMk cId="3994721824" sldId="292"/>
-            <ac:spMk id="39" creationId="{F3FF6526-DBA0-46E8-AF3A-61752DD6B39C}"/>
-          </ac:spMkLst>
-        </pc:spChg>
-        <pc:spChg chg="add mod">
-          <ac:chgData name="Rafael C." userId="ffa83960b425c528" providerId="LiveId" clId="{D5A872B8-313C-4215-B87E-B7B88119E156}" dt="2018-10-08T04:41:39.937" v="816" actId="164"/>
-          <ac:spMkLst>
-            <pc:docMk/>
-            <pc:sldMk cId="3994721824" sldId="292"/>
-            <ac:spMk id="40" creationId="{FFBF2C2B-37D8-46F0-8DB2-F0229E3F74D4}"/>
-          </ac:spMkLst>
-        </pc:spChg>
-        <pc:spChg chg="add mod">
-          <ac:chgData name="Rafael C." userId="ffa83960b425c528" providerId="LiveId" clId="{D5A872B8-313C-4215-B87E-B7B88119E156}" dt="2018-10-08T04:41:39.937" v="816" actId="164"/>
-          <ac:spMkLst>
-            <pc:docMk/>
-            <pc:sldMk cId="3994721824" sldId="292"/>
-            <ac:spMk id="41" creationId="{003CC8C5-43DE-4403-AAB0-9AE5A77B1A1C}"/>
-          </ac:spMkLst>
-        </pc:spChg>
-        <pc:spChg chg="add mod">
-          <ac:chgData name="Rafael C." userId="ffa83960b425c528" providerId="LiveId" clId="{D5A872B8-313C-4215-B87E-B7B88119E156}" dt="2018-10-08T04:41:39.937" v="816" actId="164"/>
-          <ac:spMkLst>
-            <pc:docMk/>
-            <pc:sldMk cId="3994721824" sldId="292"/>
-            <ac:spMk id="42" creationId="{E4CB5AD8-4FAD-4481-A4EE-6EB5BF50CC38}"/>
-          </ac:spMkLst>
-        </pc:spChg>
-        <pc:spChg chg="add mod">
-          <ac:chgData name="Rafael C." userId="ffa83960b425c528" providerId="LiveId" clId="{D5A872B8-313C-4215-B87E-B7B88119E156}" dt="2018-10-08T04:41:39.937" v="816" actId="164"/>
-          <ac:spMkLst>
-            <pc:docMk/>
-            <pc:sldMk cId="3994721824" sldId="292"/>
-            <ac:spMk id="43" creationId="{0BF72856-B910-4935-8B3A-939DABDD4716}"/>
-          </ac:spMkLst>
-        </pc:spChg>
-        <pc:spChg chg="add mod">
-          <ac:chgData name="Rafael C." userId="ffa83960b425c528" providerId="LiveId" clId="{D5A872B8-313C-4215-B87E-B7B88119E156}" dt="2018-10-08T04:41:39.937" v="816" actId="164"/>
-          <ac:spMkLst>
-            <pc:docMk/>
-            <pc:sldMk cId="3994721824" sldId="292"/>
-            <ac:spMk id="44" creationId="{94666191-6DFB-467B-9147-0583E6FA4F57}"/>
-          </ac:spMkLst>
-        </pc:spChg>
-        <pc:spChg chg="add mod">
-          <ac:chgData name="Rafael C." userId="ffa83960b425c528" providerId="LiveId" clId="{D5A872B8-313C-4215-B87E-B7B88119E156}" dt="2018-10-08T04:41:39.937" v="816" actId="164"/>
-          <ac:spMkLst>
-            <pc:docMk/>
-            <pc:sldMk cId="3994721824" sldId="292"/>
-            <ac:spMk id="45" creationId="{BD8A21F4-245D-47CA-980D-A88D6CD4FA9E}"/>
-          </ac:spMkLst>
-        </pc:spChg>
-        <pc:spChg chg="add mod">
-          <ac:chgData name="Rafael C." userId="ffa83960b425c528" providerId="LiveId" clId="{D5A872B8-313C-4215-B87E-B7B88119E156}" dt="2018-10-08T04:41:39.937" v="816" actId="164"/>
-          <ac:spMkLst>
-            <pc:docMk/>
-            <pc:sldMk cId="3994721824" sldId="292"/>
-            <ac:spMk id="46" creationId="{D0CD0188-88B7-4E42-ABF2-C482A928D0AF}"/>
-          </ac:spMkLst>
-        </pc:spChg>
-        <pc:spChg chg="add mod">
-          <ac:chgData name="Rafael C." userId="ffa83960b425c528" providerId="LiveId" clId="{D5A872B8-313C-4215-B87E-B7B88119E156}" dt="2018-10-08T04:41:39.937" v="816" actId="164"/>
-          <ac:spMkLst>
-            <pc:docMk/>
-            <pc:sldMk cId="3994721824" sldId="292"/>
-            <ac:spMk id="47" creationId="{9B4CF625-F056-4C3D-911E-6C8FE9D42EFB}"/>
-          </ac:spMkLst>
-        </pc:spChg>
-        <pc:spChg chg="add mod">
-          <ac:chgData name="Rafael C." userId="ffa83960b425c528" providerId="LiveId" clId="{D5A872B8-313C-4215-B87E-B7B88119E156}" dt="2018-10-08T04:41:39.937" v="816" actId="164"/>
-          <ac:spMkLst>
-            <pc:docMk/>
-            <pc:sldMk cId="3994721824" sldId="292"/>
-            <ac:spMk id="48" creationId="{D8222F13-82BC-4287-9F6D-745C14A46F33}"/>
-          </ac:spMkLst>
-        </pc:spChg>
-        <pc:spChg chg="add mod">
-          <ac:chgData name="Rafael C." userId="ffa83960b425c528" providerId="LiveId" clId="{D5A872B8-313C-4215-B87E-B7B88119E156}" dt="2018-10-08T04:41:39.937" v="816" actId="164"/>
-          <ac:spMkLst>
-            <pc:docMk/>
-            <pc:sldMk cId="3994721824" sldId="292"/>
-            <ac:spMk id="49" creationId="{9E563E90-690F-40AA-8B2D-E0E0FB272FBF}"/>
-          </ac:spMkLst>
-        </pc:spChg>
-        <pc:spChg chg="add mod">
-          <ac:chgData name="Rafael C." userId="ffa83960b425c528" providerId="LiveId" clId="{D5A872B8-313C-4215-B87E-B7B88119E156}" dt="2018-10-08T04:41:39.937" v="816" actId="164"/>
-          <ac:spMkLst>
-            <pc:docMk/>
-            <pc:sldMk cId="3994721824" sldId="292"/>
-            <ac:spMk id="50" creationId="{9E1CFAB3-B458-40BD-8A6F-3CAF0668E8CA}"/>
-          </ac:spMkLst>
-        </pc:spChg>
-        <pc:spChg chg="add mod">
-          <ac:chgData name="Rafael C." userId="ffa83960b425c528" providerId="LiveId" clId="{D5A872B8-313C-4215-B87E-B7B88119E156}" dt="2018-10-08T04:41:39.937" v="816" actId="164"/>
-          <ac:spMkLst>
-            <pc:docMk/>
-            <pc:sldMk cId="3994721824" sldId="292"/>
-            <ac:spMk id="51" creationId="{F11FE3F3-C9B5-4F5B-9617-3A9107B332F4}"/>
-          </ac:spMkLst>
-        </pc:spChg>
-        <pc:spChg chg="add mod">
-          <ac:chgData name="Rafael C." userId="ffa83960b425c528" providerId="LiveId" clId="{D5A872B8-313C-4215-B87E-B7B88119E156}" dt="2018-10-08T04:41:39.937" v="816" actId="164"/>
-          <ac:spMkLst>
-            <pc:docMk/>
-            <pc:sldMk cId="3994721824" sldId="292"/>
-            <ac:spMk id="52" creationId="{A7D94B34-278D-4FE1-924A-9EED664BA372}"/>
-          </ac:spMkLst>
-        </pc:spChg>
-        <pc:spChg chg="add mod">
-          <ac:chgData name="Rafael C." userId="ffa83960b425c528" providerId="LiveId" clId="{D5A872B8-313C-4215-B87E-B7B88119E156}" dt="2018-10-08T04:41:39.937" v="816" actId="164"/>
-          <ac:spMkLst>
-            <pc:docMk/>
-            <pc:sldMk cId="3994721824" sldId="292"/>
-            <ac:spMk id="53" creationId="{88E2214B-E818-4F87-AB8F-AC66206D150F}"/>
-          </ac:spMkLst>
-        </pc:spChg>
-        <pc:spChg chg="add mod">
-          <ac:chgData name="Rafael C." userId="ffa83960b425c528" providerId="LiveId" clId="{D5A872B8-313C-4215-B87E-B7B88119E156}" dt="2018-10-08T04:41:39.937" v="816" actId="164"/>
-          <ac:spMkLst>
-            <pc:docMk/>
-            <pc:sldMk cId="3994721824" sldId="292"/>
-            <ac:spMk id="54" creationId="{907199BA-9D3D-4891-A6C8-69BC59AB2343}"/>
-          </ac:spMkLst>
-        </pc:spChg>
-        <pc:spChg chg="add mod">
-          <ac:chgData name="Rafael C." userId="ffa83960b425c528" providerId="LiveId" clId="{D5A872B8-313C-4215-B87E-B7B88119E156}" dt="2018-10-08T04:41:39.937" v="816" actId="164"/>
-          <ac:spMkLst>
-            <pc:docMk/>
-            <pc:sldMk cId="3994721824" sldId="292"/>
-            <ac:spMk id="55" creationId="{0AC0EA08-81AF-4DCE-8E2F-FBA2DAA40369}"/>
-          </ac:spMkLst>
-        </pc:spChg>
-        <pc:spChg chg="add mod">
-          <ac:chgData name="Rafael C." userId="ffa83960b425c528" providerId="LiveId" clId="{D5A872B8-313C-4215-B87E-B7B88119E156}" dt="2018-10-08T04:41:39.937" v="816" actId="164"/>
-          <ac:spMkLst>
-            <pc:docMk/>
-            <pc:sldMk cId="3994721824" sldId="292"/>
-            <ac:spMk id="56" creationId="{3E7C46A6-F04F-458B-A488-1318DCBCF2D9}"/>
-          </ac:spMkLst>
-        </pc:spChg>
-        <pc:spChg chg="add mod">
-          <ac:chgData name="Rafael C." userId="ffa83960b425c528" providerId="LiveId" clId="{D5A872B8-313C-4215-B87E-B7B88119E156}" dt="2018-10-08T04:41:39.937" v="816" actId="164"/>
-          <ac:spMkLst>
-            <pc:docMk/>
-            <pc:sldMk cId="3994721824" sldId="292"/>
-            <ac:spMk id="57" creationId="{97F7DB39-A3CB-42BC-AA6D-F3BF1EF335C3}"/>
-          </ac:spMkLst>
-        </pc:spChg>
-        <pc:grpChg chg="del">
-          <ac:chgData name="Rafael C." userId="ffa83960b425c528" providerId="LiveId" clId="{D5A872B8-313C-4215-B87E-B7B88119E156}" dt="2018-10-08T04:41:34.287" v="814" actId="478"/>
-          <ac:grpSpMkLst>
-            <pc:docMk/>
-            <pc:sldMk cId="3994721824" sldId="292"/>
-            <ac:grpSpMk id="2" creationId="{780618AE-A666-4D5D-BAB9-BF23EFB95250}"/>
-          </ac:grpSpMkLst>
-        </pc:grpChg>
-        <pc:grpChg chg="add mod">
-          <ac:chgData name="Rafael C." userId="ffa83960b425c528" providerId="LiveId" clId="{D5A872B8-313C-4215-B87E-B7B88119E156}" dt="2018-10-08T04:41:45.894" v="819" actId="1076"/>
-          <ac:grpSpMkLst>
-            <pc:docMk/>
-            <pc:sldMk cId="3994721824" sldId="292"/>
-            <ac:grpSpMk id="3" creationId="{CC0D894E-6290-404A-B640-D6F3A3AB34DB}"/>
-          </ac:grpSpMkLst>
-        </pc:grpChg>
+            <ac:picMk id="58" creationId="{00000000-0000-0000-0000-000000000000}"/>
+          </ac:picMkLst>
+        </pc:picChg>
       </pc:sldChg>
-      <pc:sldChg chg="modSp add ord">
-        <pc:chgData name="Rafael C." userId="ffa83960b425c528" providerId="LiveId" clId="{D5A872B8-313C-4215-B87E-B7B88119E156}" dt="2018-10-08T04:45:04.162" v="957" actId="20577"/>
+      <pc:sldChg chg="delSp">
+        <pc:chgData name="Rafael C." userId="ffa83960b425c528" providerId="LiveId" clId="{00A6B14B-4B16-418E-B690-4E9A8AC96F0D}" dt="2019-08-07T21:26:02.124" v="9" actId="478"/>
         <pc:sldMkLst>
           <pc:docMk/>
           <pc:sldMk cId="166998213" sldId="293"/>
         </pc:sldMkLst>
-        <pc:spChg chg="mod">
-          <ac:chgData name="Rafael C." userId="ffa83960b425c528" providerId="LiveId" clId="{D5A872B8-313C-4215-B87E-B7B88119E156}" dt="2018-10-08T04:43:41.663" v="887" actId="20577"/>
-          <ac:spMkLst>
+        <pc:picChg chg="del">
+          <ac:chgData name="Rafael C." userId="ffa83960b425c528" providerId="LiveId" clId="{00A6B14B-4B16-418E-B690-4E9A8AC96F0D}" dt="2019-08-07T21:26:02.124" v="9" actId="478"/>
+          <ac:picMkLst>
             <pc:docMk/>
             <pc:sldMk cId="166998213" sldId="293"/>
-            <ac:spMk id="4" creationId="{47BF13C9-597F-4101-B226-A0C8AB06CB95}"/>
-          </ac:spMkLst>
-        </pc:spChg>
-        <pc:spChg chg="mod">
-          <ac:chgData name="Rafael C." userId="ffa83960b425c528" providerId="LiveId" clId="{D5A872B8-313C-4215-B87E-B7B88119E156}" dt="2018-10-08T04:45:04.162" v="957" actId="20577"/>
-          <ac:spMkLst>
-            <pc:docMk/>
-            <pc:sldMk cId="166998213" sldId="293"/>
-            <ac:spMk id="5" creationId="{EC9A45E1-1B10-4959-A23C-8023AD14133C}"/>
-          </ac:spMkLst>
-        </pc:spChg>
+            <ac:picMk id="6" creationId="{00000000-0000-0000-0000-000000000000}"/>
+          </ac:picMkLst>
+        </pc:picChg>
       </pc:sldChg>
-      <pc:sldChg chg="modSp add">
-        <pc:chgData name="Rafael C." userId="ffa83960b425c528" providerId="LiveId" clId="{D5A872B8-313C-4215-B87E-B7B88119E156}" dt="2018-10-08T04:47:14.856" v="1067" actId="20577"/>
+      <pc:sldChg chg="delSp">
+        <pc:chgData name="Rafael C." userId="ffa83960b425c528" providerId="LiveId" clId="{00A6B14B-4B16-418E-B690-4E9A8AC96F0D}" dt="2019-08-07T21:26:05.575" v="10" actId="478"/>
         <pc:sldMkLst>
           <pc:docMk/>
           <pc:sldMk cId="2172126912" sldId="294"/>
         </pc:sldMkLst>
-        <pc:spChg chg="mod">
-          <ac:chgData name="Rafael C." userId="ffa83960b425c528" providerId="LiveId" clId="{D5A872B8-313C-4215-B87E-B7B88119E156}" dt="2018-10-08T04:46:51.853" v="988" actId="20577"/>
-          <ac:spMkLst>
+        <pc:picChg chg="del">
+          <ac:chgData name="Rafael C." userId="ffa83960b425c528" providerId="LiveId" clId="{00A6B14B-4B16-418E-B690-4E9A8AC96F0D}" dt="2019-08-07T21:26:05.575" v="10" actId="478"/>
+          <ac:picMkLst>
             <pc:docMk/>
             <pc:sldMk cId="2172126912" sldId="294"/>
-            <ac:spMk id="4" creationId="{47BF13C9-597F-4101-B226-A0C8AB06CB95}"/>
-          </ac:spMkLst>
-        </pc:spChg>
-        <pc:spChg chg="mod">
-          <ac:chgData name="Rafael C." userId="ffa83960b425c528" providerId="LiveId" clId="{D5A872B8-313C-4215-B87E-B7B88119E156}" dt="2018-10-08T04:47:14.856" v="1067" actId="20577"/>
-          <ac:spMkLst>
-            <pc:docMk/>
-            <pc:sldMk cId="2172126912" sldId="294"/>
-            <ac:spMk id="5" creationId="{EC9A45E1-1B10-4959-A23C-8023AD14133C}"/>
-          </ac:spMkLst>
-        </pc:spChg>
+            <ac:picMk id="6" creationId="{00000000-0000-0000-0000-000000000000}"/>
+          </ac:picMkLst>
+        </pc:picChg>
       </pc:sldChg>
-      <pc:sldChg chg="modSp add ord">
-        <pc:chgData name="Rafael C." userId="ffa83960b425c528" providerId="LiveId" clId="{D5A872B8-313C-4215-B87E-B7B88119E156}" dt="2018-10-08T04:48:20.325" v="1097" actId="20577"/>
+      <pc:sldChg chg="delSp">
+        <pc:chgData name="Rafael C." userId="ffa83960b425c528" providerId="LiveId" clId="{00A6B14B-4B16-418E-B690-4E9A8AC96F0D}" dt="2019-08-07T21:26:09.551" v="11" actId="478"/>
         <pc:sldMkLst>
           <pc:docMk/>
           <pc:sldMk cId="3784948331" sldId="295"/>
         </pc:sldMkLst>
-        <pc:spChg chg="mod">
-          <ac:chgData name="Rafael C." userId="ffa83960b425c528" providerId="LiveId" clId="{D5A872B8-313C-4215-B87E-B7B88119E156}" dt="2018-10-08T04:48:06.263" v="1094" actId="20577"/>
-          <ac:spMkLst>
+        <pc:picChg chg="del">
+          <ac:chgData name="Rafael C." userId="ffa83960b425c528" providerId="LiveId" clId="{00A6B14B-4B16-418E-B690-4E9A8AC96F0D}" dt="2019-08-07T21:26:09.551" v="11" actId="478"/>
+          <ac:picMkLst>
             <pc:docMk/>
             <pc:sldMk cId="3784948331" sldId="295"/>
-            <ac:spMk id="4" creationId="{47BF13C9-597F-4101-B226-A0C8AB06CB95}"/>
-          </ac:spMkLst>
-        </pc:spChg>
-        <pc:spChg chg="mod">
-          <ac:chgData name="Rafael C." userId="ffa83960b425c528" providerId="LiveId" clId="{D5A872B8-313C-4215-B87E-B7B88119E156}" dt="2018-10-08T04:48:20.325" v="1097" actId="20577"/>
-          <ac:spMkLst>
-            <pc:docMk/>
-            <pc:sldMk cId="3784948331" sldId="295"/>
-            <ac:spMk id="5" creationId="{EC9A45E1-1B10-4959-A23C-8023AD14133C}"/>
-          </ac:spMkLst>
-        </pc:spChg>
+            <ac:picMk id="6" creationId="{00000000-0000-0000-0000-000000000000}"/>
+          </ac:picMkLst>
+        </pc:picChg>
       </pc:sldChg>
-      <pc:sldChg chg="modSp add">
-        <pc:chgData name="Rafael C." userId="ffa83960b425c528" providerId="LiveId" clId="{D5A872B8-313C-4215-B87E-B7B88119E156}" dt="2018-10-08T04:49:29.162" v="1193" actId="20577"/>
+      <pc:sldChg chg="delSp">
+        <pc:chgData name="Rafael C." userId="ffa83960b425c528" providerId="LiveId" clId="{00A6B14B-4B16-418E-B690-4E9A8AC96F0D}" dt="2019-08-07T21:26:12.694" v="12" actId="478"/>
         <pc:sldMkLst>
           <pc:docMk/>
           <pc:sldMk cId="2738665502" sldId="296"/>
         </pc:sldMkLst>
-        <pc:spChg chg="mod">
-          <ac:chgData name="Rafael C." userId="ffa83960b425c528" providerId="LiveId" clId="{D5A872B8-313C-4215-B87E-B7B88119E156}" dt="2018-10-08T04:48:43.411" v="1110" actId="20577"/>
-          <ac:spMkLst>
+        <pc:picChg chg="del">
+          <ac:chgData name="Rafael C." userId="ffa83960b425c528" providerId="LiveId" clId="{00A6B14B-4B16-418E-B690-4E9A8AC96F0D}" dt="2019-08-07T21:26:12.694" v="12" actId="478"/>
+          <ac:picMkLst>
             <pc:docMk/>
             <pc:sldMk cId="2738665502" sldId="296"/>
-            <ac:spMk id="4" creationId="{47BF13C9-597F-4101-B226-A0C8AB06CB95}"/>
-          </ac:spMkLst>
-        </pc:spChg>
-        <pc:spChg chg="mod">
-          <ac:chgData name="Rafael C." userId="ffa83960b425c528" providerId="LiveId" clId="{D5A872B8-313C-4215-B87E-B7B88119E156}" dt="2018-10-08T04:49:29.162" v="1193" actId="20577"/>
-          <ac:spMkLst>
-            <pc:docMk/>
-            <pc:sldMk cId="2738665502" sldId="296"/>
-            <ac:spMk id="5" creationId="{EC9A45E1-1B10-4959-A23C-8023AD14133C}"/>
-          </ac:spMkLst>
-        </pc:spChg>
+            <ac:picMk id="6" creationId="{00000000-0000-0000-0000-000000000000}"/>
+          </ac:picMkLst>
+        </pc:picChg>
       </pc:sldChg>
-      <pc:sldChg chg="addSp modSp add">
-        <pc:chgData name="Rafael C." userId="ffa83960b425c528" providerId="LiveId" clId="{D5A872B8-313C-4215-B87E-B7B88119E156}" dt="2018-10-08T04:49:55.930" v="1201" actId="1076"/>
+      <pc:sldChg chg="delSp">
+        <pc:chgData name="Rafael C." userId="ffa83960b425c528" providerId="LiveId" clId="{00A6B14B-4B16-418E-B690-4E9A8AC96F0D}" dt="2019-08-07T21:26:14.642" v="13" actId="478"/>
         <pc:sldMkLst>
           <pc:docMk/>
           <pc:sldMk cId="3863798184" sldId="297"/>
         </pc:sldMkLst>
-        <pc:spChg chg="mod">
-          <ac:chgData name="Rafael C." userId="ffa83960b425c528" providerId="LiveId" clId="{D5A872B8-313C-4215-B87E-B7B88119E156}" dt="2018-10-08T04:49:46.890" v="1197" actId="14100"/>
-          <ac:spMkLst>
-            <pc:docMk/>
-            <pc:sldMk cId="3863798184" sldId="297"/>
-            <ac:spMk id="5" creationId="{EC9A45E1-1B10-4959-A23C-8023AD14133C}"/>
-          </ac:spMkLst>
-        </pc:spChg>
-        <pc:picChg chg="add mod">
-          <ac:chgData name="Rafael C." userId="ffa83960b425c528" providerId="LiveId" clId="{D5A872B8-313C-4215-B87E-B7B88119E156}" dt="2018-10-08T04:49:55.930" v="1201" actId="1076"/>
+        <pc:picChg chg="del">
+          <ac:chgData name="Rafael C." userId="ffa83960b425c528" providerId="LiveId" clId="{00A6B14B-4B16-418E-B690-4E9A8AC96F0D}" dt="2019-08-07T21:26:14.642" v="13" actId="478"/>
           <ac:picMkLst>
             <pc:docMk/>
             <pc:sldMk cId="3863798184" sldId="297"/>
-            <ac:picMk id="6" creationId="{EDB8733F-C632-4E45-8C91-C43DB1D41BD5}"/>
+            <ac:picMk id="7" creationId="{00000000-0000-0000-0000-000000000000}"/>
           </ac:picMkLst>
         </pc:picChg>
       </pc:sldChg>
-      <pc:sldChg chg="addSp delSp modSp add">
-        <pc:chgData name="Rafael C." userId="ffa83960b425c528" providerId="LiveId" clId="{D5A872B8-313C-4215-B87E-B7B88119E156}" dt="2018-10-08T04:50:19.009" v="1207" actId="1076"/>
+      <pc:sldChg chg="delSp">
+        <pc:chgData name="Rafael C." userId="ffa83960b425c528" providerId="LiveId" clId="{00A6B14B-4B16-418E-B690-4E9A8AC96F0D}" dt="2019-08-07T21:26:18.071" v="14" actId="478"/>
         <pc:sldMkLst>
           <pc:docMk/>
           <pc:sldMk cId="3364085171" sldId="298"/>
         </pc:sldMkLst>
         <pc:picChg chg="del">
-          <ac:chgData name="Rafael C." userId="ffa83960b425c528" providerId="LiveId" clId="{D5A872B8-313C-4215-B87E-B7B88119E156}" dt="2018-10-08T04:50:07.158" v="1203" actId="478"/>
+          <ac:chgData name="Rafael C." userId="ffa83960b425c528" providerId="LiveId" clId="{00A6B14B-4B16-418E-B690-4E9A8AC96F0D}" dt="2019-08-07T21:26:18.071" v="14" actId="478"/>
           <ac:picMkLst>
             <pc:docMk/>
             <pc:sldMk cId="3364085171" sldId="298"/>
-            <ac:picMk id="6" creationId="{EDB8733F-C632-4E45-8C91-C43DB1D41BD5}"/>
-          </ac:picMkLst>
-        </pc:picChg>
-        <pc:picChg chg="add mod">
-          <ac:chgData name="Rafael C." userId="ffa83960b425c528" providerId="LiveId" clId="{D5A872B8-313C-4215-B87E-B7B88119E156}" dt="2018-10-08T04:50:19.009" v="1207" actId="1076"/>
-          <ac:picMkLst>
-            <pc:docMk/>
-            <pc:sldMk cId="3364085171" sldId="298"/>
-            <ac:picMk id="7" creationId="{328AFE9D-C6CA-4723-99A3-0A9D547DFEB6}"/>
+            <ac:picMk id="6" creationId="{00000000-0000-0000-0000-000000000000}"/>
           </ac:picMkLst>
         </pc:picChg>
       </pc:sldChg>
-      <pc:sldChg chg="addSp delSp modSp add">
-        <pc:chgData name="Rafael C." userId="ffa83960b425c528" providerId="LiveId" clId="{D5A872B8-313C-4215-B87E-B7B88119E156}" dt="2018-10-08T04:53:11.495" v="1281" actId="1076"/>
+      <pc:sldChg chg="delSp">
+        <pc:chgData name="Rafael C." userId="ffa83960b425c528" providerId="LiveId" clId="{00A6B14B-4B16-418E-B690-4E9A8AC96F0D}" dt="2019-08-07T21:26:20.323" v="15" actId="478"/>
         <pc:sldMkLst>
           <pc:docMk/>
           <pc:sldMk cId="3421419816" sldId="299"/>
         </pc:sldMkLst>
-        <pc:spChg chg="mod">
-          <ac:chgData name="Rafael C." userId="ffa83960b425c528" providerId="LiveId" clId="{D5A872B8-313C-4215-B87E-B7B88119E156}" dt="2018-10-08T04:50:57.662" v="1250" actId="20577"/>
-          <ac:spMkLst>
-            <pc:docMk/>
-            <pc:sldMk cId="3421419816" sldId="299"/>
-            <ac:spMk id="4" creationId="{47BF13C9-597F-4101-B226-A0C8AB06CB95}"/>
-          </ac:spMkLst>
-        </pc:spChg>
-        <pc:spChg chg="mod">
-          <ac:chgData name="Rafael C." userId="ffa83960b425c528" providerId="LiveId" clId="{D5A872B8-313C-4215-B87E-B7B88119E156}" dt="2018-10-08T04:51:44.079" v="1258" actId="1076"/>
-          <ac:spMkLst>
-            <pc:docMk/>
-            <pc:sldMk cId="3421419816" sldId="299"/>
-            <ac:spMk id="5" creationId="{EC9A45E1-1B10-4959-A23C-8023AD14133C}"/>
-          </ac:spMkLst>
-        </pc:spChg>
-        <pc:spChg chg="add del">
-          <ac:chgData name="Rafael C." userId="ffa83960b425c528" providerId="LiveId" clId="{D5A872B8-313C-4215-B87E-B7B88119E156}" dt="2018-10-08T04:51:19.021" v="1253"/>
-          <ac:spMkLst>
-            <pc:docMk/>
-            <pc:sldMk cId="3421419816" sldId="299"/>
-            <ac:spMk id="6" creationId="{2106193B-E2C1-403F-AF91-54B12A22270A}"/>
-          </ac:spMkLst>
-        </pc:spChg>
-        <pc:spChg chg="add del">
-          <ac:chgData name="Rafael C." userId="ffa83960b425c528" providerId="LiveId" clId="{D5A872B8-313C-4215-B87E-B7B88119E156}" dt="2018-10-08T04:51:19.021" v="1253"/>
-          <ac:spMkLst>
-            <pc:docMk/>
-            <pc:sldMk cId="3421419816" sldId="299"/>
-            <ac:spMk id="8" creationId="{1502AA3B-5346-4F91-AD6C-49E5E80EA683}"/>
-          </ac:spMkLst>
-        </pc:spChg>
-        <pc:spChg chg="add del">
-          <ac:chgData name="Rafael C." userId="ffa83960b425c528" providerId="LiveId" clId="{D5A872B8-313C-4215-B87E-B7B88119E156}" dt="2018-10-08T04:51:19.021" v="1253"/>
-          <ac:spMkLst>
-            <pc:docMk/>
-            <pc:sldMk cId="3421419816" sldId="299"/>
-            <ac:spMk id="9" creationId="{E341D46B-3865-4E0D-AB5D-B1898DACD6C4}"/>
-          </ac:spMkLst>
-        </pc:spChg>
-        <pc:spChg chg="add del">
-          <ac:chgData name="Rafael C." userId="ffa83960b425c528" providerId="LiveId" clId="{D5A872B8-313C-4215-B87E-B7B88119E156}" dt="2018-10-08T04:51:19.021" v="1253"/>
-          <ac:spMkLst>
-            <pc:docMk/>
-            <pc:sldMk cId="3421419816" sldId="299"/>
-            <ac:spMk id="10" creationId="{767D6088-C58C-41B3-B83B-BFC621A5B788}"/>
-          </ac:spMkLst>
-        </pc:spChg>
-        <pc:spChg chg="add del">
-          <ac:chgData name="Rafael C." userId="ffa83960b425c528" providerId="LiveId" clId="{D5A872B8-313C-4215-B87E-B7B88119E156}" dt="2018-10-08T04:51:19.021" v="1253"/>
-          <ac:spMkLst>
-            <pc:docMk/>
-            <pc:sldMk cId="3421419816" sldId="299"/>
-            <ac:spMk id="11" creationId="{3568CA63-A34C-42B7-8011-51BFD970E763}"/>
-          </ac:spMkLst>
-        </pc:spChg>
-        <pc:spChg chg="add del">
-          <ac:chgData name="Rafael C." userId="ffa83960b425c528" providerId="LiveId" clId="{D5A872B8-313C-4215-B87E-B7B88119E156}" dt="2018-10-08T04:51:19.021" v="1253"/>
-          <ac:spMkLst>
-            <pc:docMk/>
-            <pc:sldMk cId="3421419816" sldId="299"/>
-            <ac:spMk id="12" creationId="{CD8615AA-C94B-495F-B1AC-712F40985793}"/>
-          </ac:spMkLst>
-        </pc:spChg>
-        <pc:spChg chg="add del">
-          <ac:chgData name="Rafael C." userId="ffa83960b425c528" providerId="LiveId" clId="{D5A872B8-313C-4215-B87E-B7B88119E156}" dt="2018-10-08T04:51:25.348" v="1255"/>
-          <ac:spMkLst>
-            <pc:docMk/>
-            <pc:sldMk cId="3421419816" sldId="299"/>
-            <ac:spMk id="17" creationId="{254171F0-9007-4C12-9CE7-DB8562B71660}"/>
-          </ac:spMkLst>
-        </pc:spChg>
-        <pc:spChg chg="add del">
-          <ac:chgData name="Rafael C." userId="ffa83960b425c528" providerId="LiveId" clId="{D5A872B8-313C-4215-B87E-B7B88119E156}" dt="2018-10-08T04:51:25.348" v="1255"/>
-          <ac:spMkLst>
-            <pc:docMk/>
-            <pc:sldMk cId="3421419816" sldId="299"/>
-            <ac:spMk id="18" creationId="{665192B6-D669-40BB-AB00-C949E1DD9D0E}"/>
-          </ac:spMkLst>
-        </pc:spChg>
-        <pc:spChg chg="add del">
-          <ac:chgData name="Rafael C." userId="ffa83960b425c528" providerId="LiveId" clId="{D5A872B8-313C-4215-B87E-B7B88119E156}" dt="2018-10-08T04:51:25.348" v="1255"/>
-          <ac:spMkLst>
-            <pc:docMk/>
-            <pc:sldMk cId="3421419816" sldId="299"/>
-            <ac:spMk id="19" creationId="{39795EB8-A06D-444B-BD95-0F29A2864B15}"/>
-          </ac:spMkLst>
-        </pc:spChg>
-        <pc:spChg chg="add del">
-          <ac:chgData name="Rafael C." userId="ffa83960b425c528" providerId="LiveId" clId="{D5A872B8-313C-4215-B87E-B7B88119E156}" dt="2018-10-08T04:51:25.348" v="1255"/>
-          <ac:spMkLst>
-            <pc:docMk/>
-            <pc:sldMk cId="3421419816" sldId="299"/>
-            <ac:spMk id="20" creationId="{FC468D4F-C65F-4F5E-8C9A-365E969B2136}"/>
-          </ac:spMkLst>
-        </pc:spChg>
-        <pc:spChg chg="add del">
-          <ac:chgData name="Rafael C." userId="ffa83960b425c528" providerId="LiveId" clId="{D5A872B8-313C-4215-B87E-B7B88119E156}" dt="2018-10-08T04:51:25.348" v="1255"/>
-          <ac:spMkLst>
-            <pc:docMk/>
-            <pc:sldMk cId="3421419816" sldId="299"/>
-            <ac:spMk id="21" creationId="{EA4BA1FF-0F0C-4595-BD78-F689D5ECFB43}"/>
-          </ac:spMkLst>
-        </pc:spChg>
-        <pc:spChg chg="add del">
-          <ac:chgData name="Rafael C." userId="ffa83960b425c528" providerId="LiveId" clId="{D5A872B8-313C-4215-B87E-B7B88119E156}" dt="2018-10-08T04:51:25.348" v="1255"/>
-          <ac:spMkLst>
-            <pc:docMk/>
-            <pc:sldMk cId="3421419816" sldId="299"/>
-            <ac:spMk id="22" creationId="{B1B005BF-7AC9-43E8-9F67-0AC548712422}"/>
-          </ac:spMkLst>
-        </pc:spChg>
-        <pc:spChg chg="add del mod">
-          <ac:chgData name="Rafael C." userId="ffa83960b425c528" providerId="LiveId" clId="{D5A872B8-313C-4215-B87E-B7B88119E156}" dt="2018-10-08T04:52:45.640" v="1275"/>
-          <ac:spMkLst>
-            <pc:docMk/>
-            <pc:sldMk cId="3421419816" sldId="299"/>
-            <ac:spMk id="27" creationId="{5CDE1A2E-473E-4692-8C3C-5D92237B6857}"/>
-          </ac:spMkLst>
-        </pc:spChg>
-        <pc:spChg chg="add del mod">
-          <ac:chgData name="Rafael C." userId="ffa83960b425c528" providerId="LiveId" clId="{D5A872B8-313C-4215-B87E-B7B88119E156}" dt="2018-10-08T04:52:45.640" v="1275"/>
-          <ac:spMkLst>
-            <pc:docMk/>
-            <pc:sldMk cId="3421419816" sldId="299"/>
-            <ac:spMk id="28" creationId="{FB6EAD83-70DF-4F6F-A2EB-D289492C3EC0}"/>
-          </ac:spMkLst>
-        </pc:spChg>
-        <pc:spChg chg="add del mod">
-          <ac:chgData name="Rafael C." userId="ffa83960b425c528" providerId="LiveId" clId="{D5A872B8-313C-4215-B87E-B7B88119E156}" dt="2018-10-08T04:52:45.640" v="1275"/>
-          <ac:spMkLst>
-            <pc:docMk/>
-            <pc:sldMk cId="3421419816" sldId="299"/>
-            <ac:spMk id="29" creationId="{4A801E64-DF46-4888-A826-0E96E52DD8BA}"/>
-          </ac:spMkLst>
-        </pc:spChg>
-        <pc:spChg chg="add del mod">
-          <ac:chgData name="Rafael C." userId="ffa83960b425c528" providerId="LiveId" clId="{D5A872B8-313C-4215-B87E-B7B88119E156}" dt="2018-10-08T04:52:45.640" v="1275"/>
-          <ac:spMkLst>
-            <pc:docMk/>
-            <pc:sldMk cId="3421419816" sldId="299"/>
-            <ac:spMk id="30" creationId="{A51A9049-D147-4400-813A-C28449A15EA8}"/>
-          </ac:spMkLst>
-        </pc:spChg>
-        <pc:spChg chg="add del mod">
-          <ac:chgData name="Rafael C." userId="ffa83960b425c528" providerId="LiveId" clId="{D5A872B8-313C-4215-B87E-B7B88119E156}" dt="2018-10-08T04:52:45.640" v="1275"/>
-          <ac:spMkLst>
-            <pc:docMk/>
-            <pc:sldMk cId="3421419816" sldId="299"/>
-            <ac:spMk id="31" creationId="{BBABD859-FE77-414F-B2B7-6695975062EE}"/>
-          </ac:spMkLst>
-        </pc:spChg>
-        <pc:spChg chg="add del mod">
-          <ac:chgData name="Rafael C." userId="ffa83960b425c528" providerId="LiveId" clId="{D5A872B8-313C-4215-B87E-B7B88119E156}" dt="2018-10-08T04:52:45.640" v="1275"/>
-          <ac:spMkLst>
-            <pc:docMk/>
-            <pc:sldMk cId="3421419816" sldId="299"/>
-            <ac:spMk id="32" creationId="{9F8CA262-82A0-49DA-A902-7E5D63019E67}"/>
-          </ac:spMkLst>
-        </pc:spChg>
-        <pc:grpChg chg="add mod">
-          <ac:chgData name="Rafael C." userId="ffa83960b425c528" providerId="LiveId" clId="{D5A872B8-313C-4215-B87E-B7B88119E156}" dt="2018-10-08T04:52:45.219" v="1274" actId="164"/>
-          <ac:grpSpMkLst>
-            <pc:docMk/>
-            <pc:sldMk cId="3421419816" sldId="299"/>
-            <ac:grpSpMk id="2" creationId="{D5CCB943-DF8B-4743-9B6D-987325CC21F4}"/>
-          </ac:grpSpMkLst>
-        </pc:grpChg>
-        <pc:grpChg chg="add del">
-          <ac:chgData name="Rafael C." userId="ffa83960b425c528" providerId="LiveId" clId="{D5A872B8-313C-4215-B87E-B7B88119E156}" dt="2018-10-08T04:53:00.650" v="1277"/>
-          <ac:grpSpMkLst>
-            <pc:docMk/>
-            <pc:sldMk cId="3421419816" sldId="299"/>
-            <ac:grpSpMk id="37" creationId="{46A9B579-0D02-499F-BA38-344A3EB7E782}"/>
-          </ac:grpSpMkLst>
-        </pc:grpChg>
-        <pc:picChg chg="add mod">
-          <ac:chgData name="Rafael C." userId="ffa83960b425c528" providerId="LiveId" clId="{D5A872B8-313C-4215-B87E-B7B88119E156}" dt="2018-10-08T04:53:11.495" v="1281" actId="1076"/>
+        <pc:picChg chg="del">
+          <ac:chgData name="Rafael C." userId="ffa83960b425c528" providerId="LiveId" clId="{00A6B14B-4B16-418E-B690-4E9A8AC96F0D}" dt="2019-08-07T21:26:20.323" v="15" actId="478"/>
           <ac:picMkLst>
             <pc:docMk/>
             <pc:sldMk cId="3421419816" sldId="299"/>
-            <ac:picMk id="3" creationId="{D07B4742-FE8F-4AC5-9701-BB4BEF9A2D90}"/>
+            <ac:picMk id="6" creationId="{00000000-0000-0000-0000-000000000000}"/>
           </ac:picMkLst>
         </pc:picChg>
-        <pc:picChg chg="add del">
-          <ac:chgData name="Rafael C." userId="ffa83960b425c528" providerId="LiveId" clId="{D5A872B8-313C-4215-B87E-B7B88119E156}" dt="2018-10-08T04:51:45.937" v="1261" actId="478"/>
-          <ac:picMkLst>
-            <pc:docMk/>
-            <pc:sldMk cId="3421419816" sldId="299"/>
-            <ac:picMk id="7" creationId="{328AFE9D-C6CA-4723-99A3-0A9D547DFEB6}"/>
-          </ac:picMkLst>
-        </pc:picChg>
-        <pc:cxnChg chg="add del">
-          <ac:chgData name="Rafael C." userId="ffa83960b425c528" providerId="LiveId" clId="{D5A872B8-313C-4215-B87E-B7B88119E156}" dt="2018-10-08T04:51:19.021" v="1253"/>
-          <ac:cxnSpMkLst>
-            <pc:docMk/>
-            <pc:sldMk cId="3421419816" sldId="299"/>
-            <ac:cxnSpMk id="13" creationId="{B2386CBD-3B7A-410D-93FF-B26A887CAEC3}"/>
-          </ac:cxnSpMkLst>
-        </pc:cxnChg>
-        <pc:cxnChg chg="add del">
-          <ac:chgData name="Rafael C." userId="ffa83960b425c528" providerId="LiveId" clId="{D5A872B8-313C-4215-B87E-B7B88119E156}" dt="2018-10-08T04:51:19.021" v="1253"/>
-          <ac:cxnSpMkLst>
-            <pc:docMk/>
-            <pc:sldMk cId="3421419816" sldId="299"/>
-            <ac:cxnSpMk id="14" creationId="{19579AAA-44B3-4FD4-81DF-2754BE419DA2}"/>
-          </ac:cxnSpMkLst>
-        </pc:cxnChg>
-        <pc:cxnChg chg="add del">
-          <ac:chgData name="Rafael C." userId="ffa83960b425c528" providerId="LiveId" clId="{D5A872B8-313C-4215-B87E-B7B88119E156}" dt="2018-10-08T04:51:19.021" v="1253"/>
-          <ac:cxnSpMkLst>
-            <pc:docMk/>
-            <pc:sldMk cId="3421419816" sldId="299"/>
-            <ac:cxnSpMk id="15" creationId="{F14500DB-FAF1-453F-A293-7C391358BBE0}"/>
-          </ac:cxnSpMkLst>
-        </pc:cxnChg>
-        <pc:cxnChg chg="add del">
-          <ac:chgData name="Rafael C." userId="ffa83960b425c528" providerId="LiveId" clId="{D5A872B8-313C-4215-B87E-B7B88119E156}" dt="2018-10-08T04:51:19.021" v="1253"/>
-          <ac:cxnSpMkLst>
-            <pc:docMk/>
-            <pc:sldMk cId="3421419816" sldId="299"/>
-            <ac:cxnSpMk id="16" creationId="{0617D1B4-387E-4BC1-BC06-645879C6E19C}"/>
-          </ac:cxnSpMkLst>
-        </pc:cxnChg>
-        <pc:cxnChg chg="add del">
-          <ac:chgData name="Rafael C." userId="ffa83960b425c528" providerId="LiveId" clId="{D5A872B8-313C-4215-B87E-B7B88119E156}" dt="2018-10-08T04:51:25.348" v="1255"/>
-          <ac:cxnSpMkLst>
-            <pc:docMk/>
-            <pc:sldMk cId="3421419816" sldId="299"/>
-            <ac:cxnSpMk id="23" creationId="{05392CE8-774E-45DE-BFA5-AE0060D1A69A}"/>
-          </ac:cxnSpMkLst>
-        </pc:cxnChg>
-        <pc:cxnChg chg="add del">
-          <ac:chgData name="Rafael C." userId="ffa83960b425c528" providerId="LiveId" clId="{D5A872B8-313C-4215-B87E-B7B88119E156}" dt="2018-10-08T04:51:25.348" v="1255"/>
-          <ac:cxnSpMkLst>
-            <pc:docMk/>
-            <pc:sldMk cId="3421419816" sldId="299"/>
-            <ac:cxnSpMk id="24" creationId="{5CA4FE2A-6E0B-4A65-BB2D-20959E6103D7}"/>
-          </ac:cxnSpMkLst>
-        </pc:cxnChg>
-        <pc:cxnChg chg="add del">
-          <ac:chgData name="Rafael C." userId="ffa83960b425c528" providerId="LiveId" clId="{D5A872B8-313C-4215-B87E-B7B88119E156}" dt="2018-10-08T04:51:25.348" v="1255"/>
-          <ac:cxnSpMkLst>
-            <pc:docMk/>
-            <pc:sldMk cId="3421419816" sldId="299"/>
-            <ac:cxnSpMk id="25" creationId="{B363DB94-1572-4F28-B007-D8C134603947}"/>
-          </ac:cxnSpMkLst>
-        </pc:cxnChg>
-        <pc:cxnChg chg="add del">
-          <ac:chgData name="Rafael C." userId="ffa83960b425c528" providerId="LiveId" clId="{D5A872B8-313C-4215-B87E-B7B88119E156}" dt="2018-10-08T04:51:25.348" v="1255"/>
-          <ac:cxnSpMkLst>
-            <pc:docMk/>
-            <pc:sldMk cId="3421419816" sldId="299"/>
-            <ac:cxnSpMk id="26" creationId="{F09FBDD9-406F-44A8-A852-6CA959599B67}"/>
-          </ac:cxnSpMkLst>
-        </pc:cxnChg>
-        <pc:cxnChg chg="add del mod">
-          <ac:chgData name="Rafael C." userId="ffa83960b425c528" providerId="LiveId" clId="{D5A872B8-313C-4215-B87E-B7B88119E156}" dt="2018-10-08T04:52:45.640" v="1275"/>
-          <ac:cxnSpMkLst>
-            <pc:docMk/>
-            <pc:sldMk cId="3421419816" sldId="299"/>
-            <ac:cxnSpMk id="33" creationId="{CEA815C4-7E48-4C8A-88CD-97D2F58B1130}"/>
-          </ac:cxnSpMkLst>
-        </pc:cxnChg>
-        <pc:cxnChg chg="add del mod">
-          <ac:chgData name="Rafael C." userId="ffa83960b425c528" providerId="LiveId" clId="{D5A872B8-313C-4215-B87E-B7B88119E156}" dt="2018-10-08T04:52:45.640" v="1275"/>
-          <ac:cxnSpMkLst>
-            <pc:docMk/>
-            <pc:sldMk cId="3421419816" sldId="299"/>
-            <ac:cxnSpMk id="34" creationId="{468DE65E-50E0-4540-A25C-2FBFA33F05F4}"/>
-          </ac:cxnSpMkLst>
-        </pc:cxnChg>
-        <pc:cxnChg chg="add del mod">
-          <ac:chgData name="Rafael C." userId="ffa83960b425c528" providerId="LiveId" clId="{D5A872B8-313C-4215-B87E-B7B88119E156}" dt="2018-10-08T04:52:45.640" v="1275"/>
-          <ac:cxnSpMkLst>
-            <pc:docMk/>
-            <pc:sldMk cId="3421419816" sldId="299"/>
-            <ac:cxnSpMk id="35" creationId="{EC739CA5-99BC-4580-AA70-528B574735AD}"/>
-          </ac:cxnSpMkLst>
-        </pc:cxnChg>
-        <pc:cxnChg chg="add del mod">
-          <ac:chgData name="Rafael C." userId="ffa83960b425c528" providerId="LiveId" clId="{D5A872B8-313C-4215-B87E-B7B88119E156}" dt="2018-10-08T04:52:45.640" v="1275"/>
-          <ac:cxnSpMkLst>
-            <pc:docMk/>
-            <pc:sldMk cId="3421419816" sldId="299"/>
-            <ac:cxnSpMk id="36" creationId="{0446BBC8-89B4-4AFF-B9F1-E98E0D04A9C9}"/>
-          </ac:cxnSpMkLst>
-        </pc:cxnChg>
       </pc:sldChg>
-      <pc:sldChg chg="addSp delSp modSp add">
-        <pc:chgData name="Rafael C." userId="ffa83960b425c528" providerId="LiveId" clId="{D5A872B8-313C-4215-B87E-B7B88119E156}" dt="2018-10-08T04:54:02.146" v="1290" actId="1076"/>
+      <pc:sldChg chg="delSp">
+        <pc:chgData name="Rafael C." userId="ffa83960b425c528" providerId="LiveId" clId="{00A6B14B-4B16-418E-B690-4E9A8AC96F0D}" dt="2019-08-07T21:26:22.314" v="16" actId="478"/>
         <pc:sldMkLst>
           <pc:docMk/>
           <pc:sldMk cId="1503025589" sldId="300"/>
         </pc:sldMkLst>
-        <pc:picChg chg="add mod">
-          <ac:chgData name="Rafael C." userId="ffa83960b425c528" providerId="LiveId" clId="{D5A872B8-313C-4215-B87E-B7B88119E156}" dt="2018-10-08T04:54:02.146" v="1290" actId="1076"/>
+        <pc:picChg chg="del">
+          <ac:chgData name="Rafael C." userId="ffa83960b425c528" providerId="LiveId" clId="{00A6B14B-4B16-418E-B690-4E9A8AC96F0D}" dt="2019-08-07T21:26:22.314" v="16" actId="478"/>
           <ac:picMkLst>
             <pc:docMk/>
             <pc:sldMk cId="1503025589" sldId="300"/>
-            <ac:picMk id="2" creationId="{AAA1297C-D062-4562-9E48-FA7F548C5DB2}"/>
-          </ac:picMkLst>
-        </pc:picChg>
-        <pc:picChg chg="del">
-          <ac:chgData name="Rafael C." userId="ffa83960b425c528" providerId="LiveId" clId="{D5A872B8-313C-4215-B87E-B7B88119E156}" dt="2018-10-08T04:53:36.977" v="1283" actId="478"/>
-          <ac:picMkLst>
-            <pc:docMk/>
-            <pc:sldMk cId="1503025589" sldId="300"/>
-            <ac:picMk id="3" creationId="{D07B4742-FE8F-4AC5-9701-BB4BEF9A2D90}"/>
+            <ac:picMk id="6" creationId="{00000000-0000-0000-0000-000000000000}"/>
           </ac:picMkLst>
         </pc:picChg>
       </pc:sldChg>
-      <pc:sldChg chg="modSp add ord">
-        <pc:chgData name="Rafael C." userId="ffa83960b425c528" providerId="LiveId" clId="{D5A872B8-313C-4215-B87E-B7B88119E156}" dt="2018-10-08T05:00:02.716" v="1324" actId="14100"/>
+      <pc:sldChg chg="delSp">
+        <pc:chgData name="Rafael C." userId="ffa83960b425c528" providerId="LiveId" clId="{00A6B14B-4B16-418E-B690-4E9A8AC96F0D}" dt="2019-08-07T21:26:24.939" v="17" actId="478"/>
         <pc:sldMkLst>
           <pc:docMk/>
           <pc:sldMk cId="1137226403" sldId="301"/>
         </pc:sldMkLst>
-        <pc:spChg chg="mod">
-          <ac:chgData name="Rafael C." userId="ffa83960b425c528" providerId="LiveId" clId="{D5A872B8-313C-4215-B87E-B7B88119E156}" dt="2018-10-08T04:59:40.042" v="1322" actId="20577"/>
-          <ac:spMkLst>
+        <pc:picChg chg="del">
+          <ac:chgData name="Rafael C." userId="ffa83960b425c528" providerId="LiveId" clId="{00A6B14B-4B16-418E-B690-4E9A8AC96F0D}" dt="2019-08-07T21:26:24.939" v="17" actId="478"/>
+          <ac:picMkLst>
             <pc:docMk/>
             <pc:sldMk cId="1137226403" sldId="301"/>
-            <ac:spMk id="4" creationId="{47BF13C9-597F-4101-B226-A0C8AB06CB95}"/>
-          </ac:spMkLst>
-        </pc:spChg>
-        <pc:spChg chg="mod">
-          <ac:chgData name="Rafael C." userId="ffa83960b425c528" providerId="LiveId" clId="{D5A872B8-313C-4215-B87E-B7B88119E156}" dt="2018-10-08T05:00:02.716" v="1324" actId="14100"/>
-          <ac:spMkLst>
-            <pc:docMk/>
-            <pc:sldMk cId="1137226403" sldId="301"/>
-            <ac:spMk id="5" creationId="{EC9A45E1-1B10-4959-A23C-8023AD14133C}"/>
-          </ac:spMkLst>
-        </pc:spChg>
+            <ac:picMk id="6" creationId="{00000000-0000-0000-0000-000000000000}"/>
+          </ac:picMkLst>
+        </pc:picChg>
       </pc:sldChg>
-      <pc:sldChg chg="addSp delSp modSp add ord">
-        <pc:chgData name="Rafael C." userId="ffa83960b425c528" providerId="LiveId" clId="{D5A872B8-313C-4215-B87E-B7B88119E156}" dt="2018-10-08T05:00:46.596" v="1332" actId="1076"/>
+      <pc:sldChg chg="delSp">
+        <pc:chgData name="Rafael C." userId="ffa83960b425c528" providerId="LiveId" clId="{00A6B14B-4B16-418E-B690-4E9A8AC96F0D}" dt="2019-08-07T21:26:27.087" v="18" actId="478"/>
         <pc:sldMkLst>
           <pc:docMk/>
           <pc:sldMk cId="3216410200" sldId="302"/>
         </pc:sldMkLst>
-        <pc:spChg chg="mod">
-          <ac:chgData name="Rafael C." userId="ffa83960b425c528" providerId="LiveId" clId="{D5A872B8-313C-4215-B87E-B7B88119E156}" dt="2018-10-08T05:00:34.420" v="1327"/>
-          <ac:spMkLst>
-            <pc:docMk/>
-            <pc:sldMk cId="3216410200" sldId="302"/>
-            <ac:spMk id="4" creationId="{47BF13C9-597F-4101-B226-A0C8AB06CB95}"/>
-          </ac:spMkLst>
-        </pc:spChg>
         <pc:picChg chg="del">
-          <ac:chgData name="Rafael C." userId="ffa83960b425c528" providerId="LiveId" clId="{D5A872B8-313C-4215-B87E-B7B88119E156}" dt="2018-10-08T05:00:37.994" v="1328" actId="478"/>
+          <ac:chgData name="Rafael C." userId="ffa83960b425c528" providerId="LiveId" clId="{00A6B14B-4B16-418E-B690-4E9A8AC96F0D}" dt="2019-08-07T21:26:27.087" v="18" actId="478"/>
           <ac:picMkLst>
             <pc:docMk/>
             <pc:sldMk cId="3216410200" sldId="302"/>
-            <ac:picMk id="2" creationId="{AAA1297C-D062-4562-9E48-FA7F548C5DB2}"/>
-          </ac:picMkLst>
-        </pc:picChg>
-        <pc:picChg chg="add mod">
-          <ac:chgData name="Rafael C." userId="ffa83960b425c528" providerId="LiveId" clId="{D5A872B8-313C-4215-B87E-B7B88119E156}" dt="2018-10-08T05:00:46.596" v="1332" actId="1076"/>
-          <ac:picMkLst>
-            <pc:docMk/>
-            <pc:sldMk cId="3216410200" sldId="302"/>
-            <ac:picMk id="6" creationId="{8B12B1D1-CA95-4E3A-BCA5-2588F062412A}"/>
+            <ac:picMk id="7" creationId="{00000000-0000-0000-0000-000000000000}"/>
           </ac:picMkLst>
         </pc:picChg>
       </pc:sldChg>
-      <pc:sldChg chg="addSp delSp modSp add">
-        <pc:chgData name="Rafael C." userId="ffa83960b425c528" providerId="LiveId" clId="{D5A872B8-313C-4215-B87E-B7B88119E156}" dt="2018-10-08T05:01:28.523" v="1365" actId="20577"/>
+      <pc:sldChg chg="delSp">
+        <pc:chgData name="Rafael C." userId="ffa83960b425c528" providerId="LiveId" clId="{00A6B14B-4B16-418E-B690-4E9A8AC96F0D}" dt="2019-08-07T21:26:29.102" v="19" actId="478"/>
         <pc:sldMkLst>
           <pc:docMk/>
           <pc:sldMk cId="1397235496" sldId="303"/>
         </pc:sldMkLst>
-        <pc:spChg chg="mod">
-          <ac:chgData name="Rafael C." userId="ffa83960b425c528" providerId="LiveId" clId="{D5A872B8-313C-4215-B87E-B7B88119E156}" dt="2018-10-08T05:01:28.523" v="1365" actId="20577"/>
-          <ac:spMkLst>
-            <pc:docMk/>
-            <pc:sldMk cId="1397235496" sldId="303"/>
-            <ac:spMk id="4" creationId="{47BF13C9-597F-4101-B226-A0C8AB06CB95}"/>
-          </ac:spMkLst>
-        </pc:spChg>
         <pc:picChg chg="del">
-          <ac:chgData name="Rafael C." userId="ffa83960b425c528" providerId="LiveId" clId="{D5A872B8-313C-4215-B87E-B7B88119E156}" dt="2018-10-08T05:00:55.511" v="1334" actId="478"/>
+          <ac:chgData name="Rafael C." userId="ffa83960b425c528" providerId="LiveId" clId="{00A6B14B-4B16-418E-B690-4E9A8AC96F0D}" dt="2019-08-07T21:26:29.102" v="19" actId="478"/>
           <ac:picMkLst>
             <pc:docMk/>
             <pc:sldMk cId="1397235496" sldId="303"/>
-            <ac:picMk id="6" creationId="{8B12B1D1-CA95-4E3A-BCA5-2588F062412A}"/>
-          </ac:picMkLst>
-        </pc:picChg>
-        <pc:picChg chg="add mod">
-          <ac:chgData name="Rafael C." userId="ffa83960b425c528" providerId="LiveId" clId="{D5A872B8-313C-4215-B87E-B7B88119E156}" dt="2018-10-08T05:01:04.826" v="1338" actId="1076"/>
-          <ac:picMkLst>
-            <pc:docMk/>
-            <pc:sldMk cId="1397235496" sldId="303"/>
-            <ac:picMk id="7" creationId="{5E5D44BD-CB4C-4755-8D90-ECB43E74E680}"/>
+            <ac:picMk id="6" creationId="{00000000-0000-0000-0000-000000000000}"/>
           </ac:picMkLst>
         </pc:picChg>
       </pc:sldChg>
-      <pc:sldChg chg="addSp delSp modSp add">
-        <pc:chgData name="Rafael C." userId="ffa83960b425c528" providerId="LiveId" clId="{D5A872B8-313C-4215-B87E-B7B88119E156}" dt="2018-10-08T05:01:43.991" v="1395" actId="1076"/>
+      <pc:sldChg chg="delSp">
+        <pc:chgData name="Rafael C." userId="ffa83960b425c528" providerId="LiveId" clId="{00A6B14B-4B16-418E-B690-4E9A8AC96F0D}" dt="2019-08-07T21:26:31.783" v="20" actId="478"/>
         <pc:sldMkLst>
           <pc:docMk/>
           <pc:sldMk cId="2406555272" sldId="304"/>
         </pc:sldMkLst>
-        <pc:spChg chg="mod">
-          <ac:chgData name="Rafael C." userId="ffa83960b425c528" providerId="LiveId" clId="{D5A872B8-313C-4215-B87E-B7B88119E156}" dt="2018-10-08T05:01:37.410" v="1393" actId="20577"/>
-          <ac:spMkLst>
-            <pc:docMk/>
-            <pc:sldMk cId="2406555272" sldId="304"/>
-            <ac:spMk id="4" creationId="{47BF13C9-597F-4101-B226-A0C8AB06CB95}"/>
-          </ac:spMkLst>
-        </pc:spChg>
-        <pc:picChg chg="add mod">
-          <ac:chgData name="Rafael C." userId="ffa83960b425c528" providerId="LiveId" clId="{D5A872B8-313C-4215-B87E-B7B88119E156}" dt="2018-10-08T05:01:43.991" v="1395" actId="1076"/>
+        <pc:picChg chg="del">
+          <ac:chgData name="Rafael C." userId="ffa83960b425c528" providerId="LiveId" clId="{00A6B14B-4B16-418E-B690-4E9A8AC96F0D}" dt="2019-08-07T21:26:31.783" v="20" actId="478"/>
           <ac:picMkLst>
             <pc:docMk/>
             <pc:sldMk cId="2406555272" sldId="304"/>
-            <ac:picMk id="6" creationId="{DE9A3BEF-42CD-4C36-A236-39278E8A4048}"/>
-          </ac:picMkLst>
-        </pc:picChg>
-        <pc:picChg chg="del">
-          <ac:chgData name="Rafael C." userId="ffa83960b425c528" providerId="LiveId" clId="{D5A872B8-313C-4215-B87E-B7B88119E156}" dt="2018-10-08T05:01:15.158" v="1340" actId="478"/>
-          <ac:picMkLst>
-            <pc:docMk/>
-            <pc:sldMk cId="2406555272" sldId="304"/>
-            <ac:picMk id="7" creationId="{5E5D44BD-CB4C-4755-8D90-ECB43E74E680}"/>
+            <ac:picMk id="7" creationId="{00000000-0000-0000-0000-000000000000}"/>
           </ac:picMkLst>
         </pc:picChg>
       </pc:sldChg>
-      <pc:sldChg chg="modSp add ord">
-        <pc:chgData name="Rafael C." userId="ffa83960b425c528" providerId="LiveId" clId="{D5A872B8-313C-4215-B87E-B7B88119E156}" dt="2018-10-08T05:04:12.546" v="1532" actId="20577"/>
-        <pc:sldMkLst>
-          <pc:docMk/>
-          <pc:sldMk cId="1166867367" sldId="305"/>
-        </pc:sldMkLst>
-        <pc:spChg chg="mod">
-          <ac:chgData name="Rafael C." userId="ffa83960b425c528" providerId="LiveId" clId="{D5A872B8-313C-4215-B87E-B7B88119E156}" dt="2018-10-08T05:03:06.093" v="1404" actId="20577"/>
-          <ac:spMkLst>
-            <pc:docMk/>
-            <pc:sldMk cId="1166867367" sldId="305"/>
-            <ac:spMk id="4" creationId="{47BF13C9-597F-4101-B226-A0C8AB06CB95}"/>
-          </ac:spMkLst>
-        </pc:spChg>
-        <pc:spChg chg="mod">
-          <ac:chgData name="Rafael C." userId="ffa83960b425c528" providerId="LiveId" clId="{D5A872B8-313C-4215-B87E-B7B88119E156}" dt="2018-10-08T05:04:12.546" v="1532" actId="20577"/>
-          <ac:spMkLst>
-            <pc:docMk/>
-            <pc:sldMk cId="1166867367" sldId="305"/>
-            <ac:spMk id="5" creationId="{EC9A45E1-1B10-4959-A23C-8023AD14133C}"/>
-          </ac:spMkLst>
-        </pc:spChg>
-      </pc:sldChg>
-      <pc:sldChg chg="modSp add">
-        <pc:chgData name="Rafael C." userId="ffa83960b425c528" providerId="LiveId" clId="{D5A872B8-313C-4215-B87E-B7B88119E156}" dt="2018-10-08T05:11:32.035" v="1811" actId="313"/>
-        <pc:sldMkLst>
-          <pc:docMk/>
-          <pc:sldMk cId="1858461300" sldId="306"/>
-        </pc:sldMkLst>
-        <pc:spChg chg="mod">
-          <ac:chgData name="Rafael C." userId="ffa83960b425c528" providerId="LiveId" clId="{D5A872B8-313C-4215-B87E-B7B88119E156}" dt="2018-10-08T05:11:32.035" v="1811" actId="313"/>
-          <ac:spMkLst>
-            <pc:docMk/>
-            <pc:sldMk cId="1858461300" sldId="306"/>
-            <ac:spMk id="5" creationId="{EC9A45E1-1B10-4959-A23C-8023AD14133C}"/>
-          </ac:spMkLst>
-        </pc:spChg>
-      </pc:sldChg>
-      <pc:sldChg chg="modSp add del">
-        <pc:chgData name="Rafael C." userId="ffa83960b425c528" providerId="LiveId" clId="{D5A872B8-313C-4215-B87E-B7B88119E156}" dt="2018-10-08T05:37:36.025" v="2047" actId="20577"/>
-        <pc:sldMkLst>
-          <pc:docMk/>
-          <pc:sldMk cId="30732809" sldId="307"/>
-        </pc:sldMkLst>
-        <pc:spChg chg="mod">
-          <ac:chgData name="Rafael C." userId="ffa83960b425c528" providerId="LiveId" clId="{D5A872B8-313C-4215-B87E-B7B88119E156}" dt="2018-10-08T05:37:36.025" v="2047" actId="20577"/>
-          <ac:spMkLst>
-            <pc:docMk/>
-            <pc:sldMk cId="30732809" sldId="307"/>
-            <ac:spMk id="5" creationId="{EC9A45E1-1B10-4959-A23C-8023AD14133C}"/>
-          </ac:spMkLst>
-        </pc:spChg>
-      </pc:sldChg>
-      <pc:sldChg chg="addSp modSp add">
-        <pc:chgData name="Rafael C." userId="ffa83960b425c528" providerId="LiveId" clId="{D5A872B8-313C-4215-B87E-B7B88119E156}" dt="2018-10-08T05:08:30.942" v="1810" actId="20577"/>
-        <pc:sldMkLst>
-          <pc:docMk/>
-          <pc:sldMk cId="1257397652" sldId="308"/>
-        </pc:sldMkLst>
-        <pc:spChg chg="mod">
-          <ac:chgData name="Rafael C." userId="ffa83960b425c528" providerId="LiveId" clId="{D5A872B8-313C-4215-B87E-B7B88119E156}" dt="2018-10-08T05:08:30.942" v="1810" actId="20577"/>
-          <ac:spMkLst>
-            <pc:docMk/>
-            <pc:sldMk cId="1257397652" sldId="308"/>
-            <ac:spMk id="4" creationId="{47BF13C9-597F-4101-B226-A0C8AB06CB95}"/>
-          </ac:spMkLst>
-        </pc:spChg>
-        <pc:spChg chg="mod">
-          <ac:chgData name="Rafael C." userId="ffa83960b425c528" providerId="LiveId" clId="{D5A872B8-313C-4215-B87E-B7B88119E156}" dt="2018-10-08T05:08:13.560" v="1791" actId="403"/>
-          <ac:spMkLst>
-            <pc:docMk/>
-            <pc:sldMk cId="1257397652" sldId="308"/>
-            <ac:spMk id="5" creationId="{EC9A45E1-1B10-4959-A23C-8023AD14133C}"/>
-          </ac:spMkLst>
-        </pc:spChg>
-        <pc:graphicFrameChg chg="add mod">
-          <ac:chgData name="Rafael C." userId="ffa83960b425c528" providerId="LiveId" clId="{D5A872B8-313C-4215-B87E-B7B88119E156}" dt="2018-10-08T05:08:25.898" v="1809" actId="403"/>
-          <ac:graphicFrameMkLst>
-            <pc:docMk/>
-            <pc:sldMk cId="1257397652" sldId="308"/>
-            <ac:graphicFrameMk id="6" creationId="{088E6C20-3120-4522-9C4B-8078F5844BFE}"/>
-          </ac:graphicFrameMkLst>
-        </pc:graphicFrameChg>
-      </pc:sldChg>
-      <pc:sldChg chg="addSp modSp add ord">
-        <pc:chgData name="Rafael C." userId="ffa83960b425c528" providerId="LiveId" clId="{D5A872B8-313C-4215-B87E-B7B88119E156}" dt="2018-10-08T05:12:32.850" v="1829" actId="1076"/>
-        <pc:sldMkLst>
-          <pc:docMk/>
-          <pc:sldMk cId="921822746" sldId="309"/>
-        </pc:sldMkLst>
-        <pc:spChg chg="mod">
-          <ac:chgData name="Rafael C." userId="ffa83960b425c528" providerId="LiveId" clId="{D5A872B8-313C-4215-B87E-B7B88119E156}" dt="2018-10-08T05:11:54.016" v="1824" actId="20577"/>
-          <ac:spMkLst>
-            <pc:docMk/>
-            <pc:sldMk cId="921822746" sldId="309"/>
-            <ac:spMk id="4" creationId="{47BF13C9-597F-4101-B226-A0C8AB06CB95}"/>
-          </ac:spMkLst>
-        </pc:spChg>
-        <pc:spChg chg="mod">
-          <ac:chgData name="Rafael C." userId="ffa83960b425c528" providerId="LiveId" clId="{D5A872B8-313C-4215-B87E-B7B88119E156}" dt="2018-10-08T05:12:27.994" v="1827" actId="242"/>
-          <ac:spMkLst>
-            <pc:docMk/>
-            <pc:sldMk cId="921822746" sldId="309"/>
-            <ac:spMk id="5" creationId="{EC9A45E1-1B10-4959-A23C-8023AD14133C}"/>
-          </ac:spMkLst>
-        </pc:spChg>
-        <pc:picChg chg="add mod">
-          <ac:chgData name="Rafael C." userId="ffa83960b425c528" providerId="LiveId" clId="{D5A872B8-313C-4215-B87E-B7B88119E156}" dt="2018-10-08T05:12:32.850" v="1829" actId="1076"/>
-          <ac:picMkLst>
-            <pc:docMk/>
-            <pc:sldMk cId="921822746" sldId="309"/>
-            <ac:picMk id="6" creationId="{3A5DF90B-15EE-4D27-B86F-D2C4C7A43F79}"/>
-          </ac:picMkLst>
-        </pc:picChg>
-      </pc:sldChg>
-      <pc:sldChg chg="addSp delSp modSp add">
-        <pc:chgData name="Rafael C." userId="ffa83960b425c528" providerId="LiveId" clId="{D5A872B8-313C-4215-B87E-B7B88119E156}" dt="2018-10-08T05:13:06.525" v="1837" actId="1076"/>
-        <pc:sldMkLst>
-          <pc:docMk/>
-          <pc:sldMk cId="769063281" sldId="310"/>
-        </pc:sldMkLst>
-        <pc:spChg chg="mod">
-          <ac:chgData name="Rafael C." userId="ffa83960b425c528" providerId="LiveId" clId="{D5A872B8-313C-4215-B87E-B7B88119E156}" dt="2018-10-08T05:13:01.043" v="1835" actId="14100"/>
-          <ac:spMkLst>
-            <pc:docMk/>
-            <pc:sldMk cId="769063281" sldId="310"/>
-            <ac:spMk id="5" creationId="{EC9A45E1-1B10-4959-A23C-8023AD14133C}"/>
-          </ac:spMkLst>
-        </pc:spChg>
-        <pc:picChg chg="del">
-          <ac:chgData name="Rafael C." userId="ffa83960b425c528" providerId="LiveId" clId="{D5A872B8-313C-4215-B87E-B7B88119E156}" dt="2018-10-08T05:12:53.503" v="1832" actId="478"/>
-          <ac:picMkLst>
-            <pc:docMk/>
-            <pc:sldMk cId="769063281" sldId="310"/>
-            <ac:picMk id="6" creationId="{3A5DF90B-15EE-4D27-B86F-D2C4C7A43F79}"/>
-          </ac:picMkLst>
-        </pc:picChg>
-        <pc:picChg chg="add mod">
-          <ac:chgData name="Rafael C." userId="ffa83960b425c528" providerId="LiveId" clId="{D5A872B8-313C-4215-B87E-B7B88119E156}" dt="2018-10-08T05:13:06.525" v="1837" actId="1076"/>
-          <ac:picMkLst>
-            <pc:docMk/>
-            <pc:sldMk cId="769063281" sldId="310"/>
-            <ac:picMk id="7" creationId="{18C98634-8C86-4D23-9D4C-15C541221D46}"/>
-          </ac:picMkLst>
-        </pc:picChg>
-      </pc:sldChg>
-      <pc:sldChg chg="addSp delSp modSp add">
-        <pc:chgData name="Rafael C." userId="ffa83960b425c528" providerId="LiveId" clId="{D5A872B8-313C-4215-B87E-B7B88119E156}" dt="2018-10-08T05:13:21.826" v="1843" actId="1076"/>
-        <pc:sldMkLst>
-          <pc:docMk/>
-          <pc:sldMk cId="968916950" sldId="311"/>
-        </pc:sldMkLst>
-        <pc:picChg chg="add mod">
-          <ac:chgData name="Rafael C." userId="ffa83960b425c528" providerId="LiveId" clId="{D5A872B8-313C-4215-B87E-B7B88119E156}" dt="2018-10-08T05:13:21.826" v="1843" actId="1076"/>
-          <ac:picMkLst>
-            <pc:docMk/>
-            <pc:sldMk cId="968916950" sldId="311"/>
-            <ac:picMk id="6" creationId="{CC9EA084-A061-44C5-A80A-2FFF7389D07E}"/>
-          </ac:picMkLst>
-        </pc:picChg>
-        <pc:picChg chg="del">
-          <ac:chgData name="Rafael C." userId="ffa83960b425c528" providerId="LiveId" clId="{D5A872B8-313C-4215-B87E-B7B88119E156}" dt="2018-10-08T05:13:14.175" v="1839" actId="478"/>
-          <ac:picMkLst>
-            <pc:docMk/>
-            <pc:sldMk cId="968916950" sldId="311"/>
-            <ac:picMk id="7" creationId="{18C98634-8C86-4D23-9D4C-15C541221D46}"/>
-          </ac:picMkLst>
-        </pc:picChg>
-      </pc:sldChg>
-      <pc:sldChg chg="addSp delSp modSp add del">
-        <pc:chgData name="Rafael C." userId="ffa83960b425c528" providerId="LiveId" clId="{D5A872B8-313C-4215-B87E-B7B88119E156}" dt="2018-10-08T05:13:40.228" v="1851" actId="2696"/>
-        <pc:sldMkLst>
-          <pc:docMk/>
-          <pc:sldMk cId="2380109637" sldId="312"/>
-        </pc:sldMkLst>
-        <pc:picChg chg="del">
-          <ac:chgData name="Rafael C." userId="ffa83960b425c528" providerId="LiveId" clId="{D5A872B8-313C-4215-B87E-B7B88119E156}" dt="2018-10-08T05:13:30.153" v="1845" actId="478"/>
-          <ac:picMkLst>
-            <pc:docMk/>
-            <pc:sldMk cId="2380109637" sldId="312"/>
-            <ac:picMk id="6" creationId="{CC9EA084-A061-44C5-A80A-2FFF7389D07E}"/>
-          </ac:picMkLst>
-        </pc:picChg>
-        <pc:picChg chg="add mod">
-          <ac:chgData name="Rafael C." userId="ffa83960b425c528" providerId="LiveId" clId="{D5A872B8-313C-4215-B87E-B7B88119E156}" dt="2018-10-08T05:13:36.521" v="1849" actId="1076"/>
-          <ac:picMkLst>
-            <pc:docMk/>
-            <pc:sldMk cId="2380109637" sldId="312"/>
-            <ac:picMk id="7" creationId="{C8B3C82A-341D-470C-8EF6-655ED9E9C4CC}"/>
-          </ac:picMkLst>
-        </pc:picChg>
-      </pc:sldChg>
-      <pc:sldChg chg="addSp delSp modSp add">
-        <pc:chgData name="Rafael C." userId="ffa83960b425c528" providerId="LiveId" clId="{D5A872B8-313C-4215-B87E-B7B88119E156}" dt="2018-10-08T05:15:43.214" v="1855" actId="1076"/>
-        <pc:sldMkLst>
-          <pc:docMk/>
-          <pc:sldMk cId="2544402906" sldId="313"/>
-        </pc:sldMkLst>
-        <pc:picChg chg="del">
-          <ac:chgData name="Rafael C." userId="ffa83960b425c528" providerId="LiveId" clId="{D5A872B8-313C-4215-B87E-B7B88119E156}" dt="2018-10-08T05:15:38.802" v="1853" actId="478"/>
-          <ac:picMkLst>
-            <pc:docMk/>
-            <pc:sldMk cId="2544402906" sldId="313"/>
-            <ac:picMk id="7" creationId="{C8B3C82A-341D-470C-8EF6-655ED9E9C4CC}"/>
-          </ac:picMkLst>
-        </pc:picChg>
-        <pc:picChg chg="add mod">
-          <ac:chgData name="Rafael C." userId="ffa83960b425c528" providerId="LiveId" clId="{D5A872B8-313C-4215-B87E-B7B88119E156}" dt="2018-10-08T05:15:43.214" v="1855" actId="1076"/>
-          <ac:picMkLst>
-            <pc:docMk/>
-            <pc:sldMk cId="2544402906" sldId="313"/>
-            <ac:picMk id="1026" creationId="{A475DFDC-F727-485B-8D5D-DDF2E6D76549}"/>
-          </ac:picMkLst>
-        </pc:picChg>
-      </pc:sldChg>
-      <pc:sldChg chg="modSp add ord">
-        <pc:chgData name="Rafael C." userId="ffa83960b425c528" providerId="LiveId" clId="{D5A872B8-313C-4215-B87E-B7B88119E156}" dt="2018-10-08T05:27:50.450" v="1980"/>
-        <pc:sldMkLst>
-          <pc:docMk/>
-          <pc:sldMk cId="525719570" sldId="314"/>
-        </pc:sldMkLst>
-        <pc:spChg chg="mod">
-          <ac:chgData name="Rafael C." userId="ffa83960b425c528" providerId="LiveId" clId="{D5A872B8-313C-4215-B87E-B7B88119E156}" dt="2018-10-08T05:24:49.196" v="1922" actId="20577"/>
-          <ac:spMkLst>
-            <pc:docMk/>
-            <pc:sldMk cId="525719570" sldId="314"/>
-            <ac:spMk id="4" creationId="{47BF13C9-597F-4101-B226-A0C8AB06CB95}"/>
-          </ac:spMkLst>
-        </pc:spChg>
-        <pc:spChg chg="mod">
-          <ac:chgData name="Rafael C." userId="ffa83960b425c528" providerId="LiveId" clId="{D5A872B8-313C-4215-B87E-B7B88119E156}" dt="2018-10-08T05:25:21.308" v="1926" actId="14"/>
-          <ac:spMkLst>
-            <pc:docMk/>
-            <pc:sldMk cId="525719570" sldId="314"/>
-            <ac:spMk id="5" creationId="{EC9A45E1-1B10-4959-A23C-8023AD14133C}"/>
-          </ac:spMkLst>
-        </pc:spChg>
-      </pc:sldChg>
-      <pc:sldChg chg="addSp delSp modSp add ord">
-        <pc:chgData name="Rafael C." userId="ffa83960b425c528" providerId="LiveId" clId="{D5A872B8-313C-4215-B87E-B7B88119E156}" dt="2018-10-08T05:27:50.450" v="1980"/>
-        <pc:sldMkLst>
-          <pc:docMk/>
-          <pc:sldMk cId="1437203535" sldId="315"/>
-        </pc:sldMkLst>
-        <pc:spChg chg="mod">
-          <ac:chgData name="Rafael C." userId="ffa83960b425c528" providerId="LiveId" clId="{D5A872B8-313C-4215-B87E-B7B88119E156}" dt="2018-10-08T05:26:05.651" v="1959" actId="20577"/>
-          <ac:spMkLst>
-            <pc:docMk/>
-            <pc:sldMk cId="1437203535" sldId="315"/>
-            <ac:spMk id="4" creationId="{47BF13C9-597F-4101-B226-A0C8AB06CB95}"/>
-          </ac:spMkLst>
-        </pc:spChg>
-        <pc:picChg chg="del">
-          <ac:chgData name="Rafael C." userId="ffa83960b425c528" providerId="LiveId" clId="{D5A872B8-313C-4215-B87E-B7B88119E156}" dt="2018-10-08T05:26:31.886" v="1960" actId="478"/>
-          <ac:picMkLst>
-            <pc:docMk/>
-            <pc:sldMk cId="1437203535" sldId="315"/>
-            <ac:picMk id="1026" creationId="{A475DFDC-F727-485B-8D5D-DDF2E6D76549}"/>
-          </ac:picMkLst>
-        </pc:picChg>
-        <pc:picChg chg="add mod">
-          <ac:chgData name="Rafael C." userId="ffa83960b425c528" providerId="LiveId" clId="{D5A872B8-313C-4215-B87E-B7B88119E156}" dt="2018-10-08T05:26:35.764" v="1962" actId="1076"/>
-          <ac:picMkLst>
-            <pc:docMk/>
-            <pc:sldMk cId="1437203535" sldId="315"/>
-            <ac:picMk id="6146" creationId="{E4A2DB2F-6E84-487E-B5B7-DDF72E4B1309}"/>
-          </ac:picMkLst>
-        </pc:picChg>
-      </pc:sldChg>
-      <pc:sldChg chg="addSp delSp modSp add ord">
-        <pc:chgData name="Rafael C." userId="ffa83960b425c528" providerId="LiveId" clId="{D5A872B8-313C-4215-B87E-B7B88119E156}" dt="2018-10-08T05:27:50.450" v="1980"/>
-        <pc:sldMkLst>
-          <pc:docMk/>
-          <pc:sldMk cId="2688304759" sldId="316"/>
-        </pc:sldMkLst>
-        <pc:spChg chg="mod">
-          <ac:chgData name="Rafael C." userId="ffa83960b425c528" providerId="LiveId" clId="{D5A872B8-313C-4215-B87E-B7B88119E156}" dt="2018-10-08T05:26:48.292" v="1972" actId="20577"/>
-          <ac:spMkLst>
-            <pc:docMk/>
-            <pc:sldMk cId="2688304759" sldId="316"/>
-            <ac:spMk id="4" creationId="{47BF13C9-597F-4101-B226-A0C8AB06CB95}"/>
-          </ac:spMkLst>
-        </pc:spChg>
-        <pc:spChg chg="mod">
-          <ac:chgData name="Rafael C." userId="ffa83960b425c528" providerId="LiveId" clId="{D5A872B8-313C-4215-B87E-B7B88119E156}" dt="2018-10-08T05:27:12.350" v="1976" actId="1076"/>
-          <ac:spMkLst>
-            <pc:docMk/>
-            <pc:sldMk cId="2688304759" sldId="316"/>
-            <ac:spMk id="5" creationId="{EC9A45E1-1B10-4959-A23C-8023AD14133C}"/>
-          </ac:spMkLst>
-        </pc:spChg>
-        <pc:picChg chg="del">
-          <ac:chgData name="Rafael C." userId="ffa83960b425c528" providerId="LiveId" clId="{D5A872B8-313C-4215-B87E-B7B88119E156}" dt="2018-10-08T05:26:50.149" v="1973" actId="478"/>
-          <ac:picMkLst>
-            <pc:docMk/>
-            <pc:sldMk cId="2688304759" sldId="316"/>
-            <ac:picMk id="6146" creationId="{E4A2DB2F-6E84-487E-B5B7-DDF72E4B1309}"/>
-          </ac:picMkLst>
-        </pc:picChg>
-        <pc:picChg chg="add mod">
-          <ac:chgData name="Rafael C." userId="ffa83960b425c528" providerId="LiveId" clId="{D5A872B8-313C-4215-B87E-B7B88119E156}" dt="2018-10-08T05:27:27.056" v="1979" actId="1076"/>
-          <ac:picMkLst>
-            <pc:docMk/>
-            <pc:sldMk cId="2688304759" sldId="316"/>
-            <ac:picMk id="7170" creationId="{D48D36DF-D50B-44FA-8A17-951AAB179756}"/>
-          </ac:picMkLst>
-        </pc:picChg>
-      </pc:sldChg>
-      <pc:sldChg chg="addSp delSp modSp add ord">
-        <pc:chgData name="Rafael C." userId="ffa83960b425c528" providerId="LiveId" clId="{D5A872B8-313C-4215-B87E-B7B88119E156}" dt="2018-10-08T05:32:20.428" v="1999" actId="1076"/>
-        <pc:sldMkLst>
-          <pc:docMk/>
-          <pc:sldMk cId="450082940" sldId="317"/>
-        </pc:sldMkLst>
-        <pc:spChg chg="mod">
-          <ac:chgData name="Rafael C." userId="ffa83960b425c528" providerId="LiveId" clId="{D5A872B8-313C-4215-B87E-B7B88119E156}" dt="2018-10-08T05:31:53.553" v="1994" actId="20577"/>
-          <ac:spMkLst>
-            <pc:docMk/>
-            <pc:sldMk cId="450082940" sldId="317"/>
-            <ac:spMk id="4" creationId="{47BF13C9-597F-4101-B226-A0C8AB06CB95}"/>
-          </ac:spMkLst>
-        </pc:spChg>
-        <pc:picChg chg="del">
-          <ac:chgData name="Rafael C." userId="ffa83960b425c528" providerId="LiveId" clId="{D5A872B8-313C-4215-B87E-B7B88119E156}" dt="2018-10-08T05:31:55.477" v="1995" actId="478"/>
-          <ac:picMkLst>
-            <pc:docMk/>
-            <pc:sldMk cId="450082940" sldId="317"/>
-            <ac:picMk id="6" creationId="{DE9A3BEF-42CD-4C36-A236-39278E8A4048}"/>
-          </ac:picMkLst>
-        </pc:picChg>
-        <pc:picChg chg="add mod">
-          <ac:chgData name="Rafael C." userId="ffa83960b425c528" providerId="LiveId" clId="{D5A872B8-313C-4215-B87E-B7B88119E156}" dt="2018-10-08T05:32:20.428" v="1999" actId="1076"/>
-          <ac:picMkLst>
-            <pc:docMk/>
-            <pc:sldMk cId="450082940" sldId="317"/>
-            <ac:picMk id="1026" creationId="{FE72D1CE-930B-45E8-B08A-2D94A3D8680F}"/>
-          </ac:picMkLst>
-        </pc:picChg>
-      </pc:sldChg>
-      <pc:sldChg chg="addSp delSp modSp add">
-        <pc:chgData name="Rafael C." userId="ffa83960b425c528" providerId="LiveId" clId="{D5A872B8-313C-4215-B87E-B7B88119E156}" dt="2018-10-08T05:36:45.110" v="2029" actId="1076"/>
-        <pc:sldMkLst>
-          <pc:docMk/>
-          <pc:sldMk cId="3513541520" sldId="318"/>
-        </pc:sldMkLst>
-        <pc:spChg chg="mod">
-          <ac:chgData name="Rafael C." userId="ffa83960b425c528" providerId="LiveId" clId="{D5A872B8-313C-4215-B87E-B7B88119E156}" dt="2018-10-08T05:32:32.396" v="2014" actId="20577"/>
-          <ac:spMkLst>
-            <pc:docMk/>
-            <pc:sldMk cId="3513541520" sldId="318"/>
-            <ac:spMk id="4" creationId="{47BF13C9-597F-4101-B226-A0C8AB06CB95}"/>
-          </ac:spMkLst>
-        </pc:spChg>
-        <pc:spChg chg="add del mod">
-          <ac:chgData name="Rafael C." userId="ffa83960b425c528" providerId="LiveId" clId="{D5A872B8-313C-4215-B87E-B7B88119E156}" dt="2018-10-08T05:36:13.887" v="2023" actId="1076"/>
-          <ac:spMkLst>
-            <pc:docMk/>
-            <pc:sldMk cId="3513541520" sldId="318"/>
-            <ac:spMk id="5" creationId="{EC9A45E1-1B10-4959-A23C-8023AD14133C}"/>
-          </ac:spMkLst>
-        </pc:spChg>
-        <pc:picChg chg="del">
-          <ac:chgData name="Rafael C." userId="ffa83960b425c528" providerId="LiveId" clId="{D5A872B8-313C-4215-B87E-B7B88119E156}" dt="2018-10-08T05:32:25.887" v="2001" actId="478"/>
-          <ac:picMkLst>
-            <pc:docMk/>
-            <pc:sldMk cId="3513541520" sldId="318"/>
-            <ac:picMk id="1026" creationId="{FE72D1CE-930B-45E8-B08A-2D94A3D8680F}"/>
-          </ac:picMkLst>
-        </pc:picChg>
-        <pc:picChg chg="add del mod">
-          <ac:chgData name="Rafael C." userId="ffa83960b425c528" providerId="LiveId" clId="{D5A872B8-313C-4215-B87E-B7B88119E156}" dt="2018-10-08T05:36:02.315" v="2020"/>
-          <ac:picMkLst>
-            <pc:docMk/>
-            <pc:sldMk cId="3513541520" sldId="318"/>
-            <ac:picMk id="2050" creationId="{805E7187-4557-4EC2-B80F-643ADA6DE3F8}"/>
-          </ac:picMkLst>
-        </pc:picChg>
-        <pc:picChg chg="add del mod">
-          <ac:chgData name="Rafael C." userId="ffa83960b425c528" providerId="LiveId" clId="{D5A872B8-313C-4215-B87E-B7B88119E156}" dt="2018-10-08T05:36:21.790" v="2026"/>
-          <ac:picMkLst>
-            <pc:docMk/>
-            <pc:sldMk cId="3513541520" sldId="318"/>
-            <ac:picMk id="2052" creationId="{6A560CE2-C7AD-497F-913B-7509841B01F3}"/>
-          </ac:picMkLst>
-        </pc:picChg>
-        <pc:picChg chg="add mod">
-          <ac:chgData name="Rafael C." userId="ffa83960b425c528" providerId="LiveId" clId="{D5A872B8-313C-4215-B87E-B7B88119E156}" dt="2018-10-08T05:36:45.110" v="2029" actId="1076"/>
-          <ac:picMkLst>
-            <pc:docMk/>
-            <pc:sldMk cId="3513541520" sldId="318"/>
-            <ac:picMk id="2054" creationId="{86E23C54-0407-4217-AFA7-300907EDA9A8}"/>
-          </ac:picMkLst>
-        </pc:picChg>
-      </pc:sldChg>
-      <pc:sldChg chg="add del ord setBg">
-        <pc:chgData name="Rafael C." userId="ffa83960b425c528" providerId="LiveId" clId="{D5A872B8-313C-4215-B87E-B7B88119E156}" dt="2018-10-18T04:03:22.087" v="2059" actId="2696"/>
-        <pc:sldMkLst>
-          <pc:docMk/>
-          <pc:sldMk cId="3692097646" sldId="335"/>
-        </pc:sldMkLst>
-      </pc:sldChg>
-      <pc:sldChg chg="add">
-        <pc:chgData name="Rafael C." userId="ffa83960b425c528" providerId="LiveId" clId="{D5A872B8-313C-4215-B87E-B7B88119E156}" dt="2018-10-18T04:03:03.829" v="2055"/>
-        <pc:sldMkLst>
-          <pc:docMk/>
-          <pc:sldMk cId="3080379292" sldId="336"/>
-        </pc:sldMkLst>
-      </pc:sldChg>
     </pc:docChg>
+  </pc:docChgLst>
+  <pc:docChgLst>
+    <pc:chgData name="Rafael C." userId="ffa83960b425c528" providerId="LiveId" clId="{7A0BB685-D947-45C5-86DA-A78E0743E074}"/>
+  </pc:docChgLst>
+  <pc:docChgLst>
+    <pc:chgData name="Rafael C." userId="ffa83960b425c528" providerId="LiveId" clId="{D5A872B8-313C-4215-B87E-B7B88119E156}"/>
   </pc:docChgLst>
 </pc:chgInfo>
 </file>
@@ -2393,7 +590,7 @@
           <a:p>
             <a:fld id="{1B690E39-F30C-4A14-BE95-FF764D57248C}" type="datetimeFigureOut">
               <a:rPr lang="es-AR" smtClean="0"/>
-              <a:t>08/11/2018</a:t>
+              <a:t>7/8/2019</a:t>
             </a:fld>
             <a:endParaRPr lang="es-AR"/>
           </a:p>
@@ -15828,7 +14025,7 @@
           <p:cNvPr id="4" name="2 CuadroTexto">
             <a:extLst>
               <a:ext uri="{FF2B5EF4-FFF2-40B4-BE49-F238E27FC236}">
-                <a16:creationId xmlns="" xmlns:a16="http://schemas.microsoft.com/office/drawing/2014/main" id="{79AD52D0-06D4-4493-91EA-6C4E014DE8E7}"/>
+                <a16:creationId xmlns:a16="http://schemas.microsoft.com/office/drawing/2014/main" id="{79AD52D0-06D4-4493-91EA-6C4E014DE8E7}"/>
               </a:ext>
             </a:extLst>
           </p:cNvPr>
@@ -15853,7 +14050,6 @@
           <a:ln>
             <a:noFill/>
           </a:ln>
-          <a:extLst/>
         </p:spPr>
         <p:txBody>
           <a:bodyPr wrap="square" anchor="ctr">
@@ -15871,7 +14067,7 @@
               <a:defRPr/>
             </a:pPr>
             <a:r>
-              <a:rPr lang="es-AR" sz="6000" noProof="0" dirty="0" smtClean="0">
+              <a:rPr lang="es-AR" sz="6000" noProof="0" dirty="0">
                 <a:latin typeface="Calibri" panose="020F0502020204030204" pitchFamily="34" charset="0"/>
                 <a:cs typeface="Calibri" panose="020F0502020204030204" pitchFamily="34" charset="0"/>
               </a:rPr>
@@ -15884,47 +14080,6 @@
           </a:p>
         </p:txBody>
       </p:sp>
-      <p:pic>
-        <p:nvPicPr>
-          <p:cNvPr id="5" name="Picture 4" descr="C:\Users\rcrescenzi\OneDrive\docencia\UCEMA\ucema_logo.png"/>
-          <p:cNvPicPr>
-            <a:picLocks noChangeAspect="1" noChangeArrowheads="1"/>
-          </p:cNvPicPr>
-          <p:nvPr/>
-        </p:nvPicPr>
-        <p:blipFill>
-          <a:blip r:embed="rId4" cstate="print">
-            <a:extLst>
-              <a:ext uri="{28A0092B-C50C-407E-A947-70E740481C1C}">
-                <a14:useLocalDpi xmlns:a14="http://schemas.microsoft.com/office/drawing/2010/main" val="0"/>
-              </a:ext>
-            </a:extLst>
-          </a:blip>
-          <a:srcRect/>
-          <a:stretch>
-            <a:fillRect/>
-          </a:stretch>
-        </p:blipFill>
-        <p:spPr bwMode="auto">
-          <a:xfrm>
-            <a:off x="2783114" y="0"/>
-            <a:ext cx="6625772" cy="2425831"/>
-          </a:xfrm>
-          <a:prstGeom prst="rect">
-            <a:avLst/>
-          </a:prstGeom>
-          <a:noFill/>
-          <a:extLst>
-            <a:ext uri="{909E8E84-426E-40DD-AFC4-6F175D3DCCD1}">
-              <a14:hiddenFill xmlns:a14="http://schemas.microsoft.com/office/drawing/2010/main">
-                <a:solidFill>
-                  <a:srgbClr val="FFFFFF"/>
-                </a:solidFill>
-              </a14:hiddenFill>
-            </a:ext>
-          </a:extLst>
-        </p:spPr>
-      </p:pic>
     </p:spTree>
     <p:extLst>
       <p:ext uri="{BB962C8B-B14F-4D97-AF65-F5344CB8AC3E}">
@@ -16000,7 +14155,7 @@
           <p:cNvPr id="4" name="1 Rectángulo">
             <a:extLst>
               <a:ext uri="{FF2B5EF4-FFF2-40B4-BE49-F238E27FC236}">
-                <a16:creationId xmlns="" xmlns:a16="http://schemas.microsoft.com/office/drawing/2014/main" id="{47BF13C9-597F-4101-B226-A0C8AB06CB95}"/>
+                <a16:creationId xmlns:a16="http://schemas.microsoft.com/office/drawing/2014/main" id="{47BF13C9-597F-4101-B226-A0C8AB06CB95}"/>
               </a:ext>
             </a:extLst>
           </p:cNvPr>
@@ -16025,7 +14180,6 @@
           <a:ln>
             <a:noFill/>
           </a:ln>
-          <a:extLst/>
         </p:spPr>
         <p:txBody>
           <a:bodyPr anchor="ctr"/>
@@ -16051,20 +14205,6 @@
               <a:defRPr/>
             </a:pPr>
             <a:r>
-              <a:rPr kumimoji="0" lang="es-AR" altLang="es-AR" sz="3600" b="1" i="0" u="none" strike="noStrike" kern="1200" cap="none" spc="0" normalizeH="0" baseline="0" noProof="0" dirty="0" smtClean="0">
-                <a:ln>
-                  <a:noFill/>
-                </a:ln>
-                <a:effectLst/>
-                <a:uLnTx/>
-                <a:uFillTx/>
-                <a:latin typeface="Arial" panose="020B0604020202020204" pitchFamily="34" charset="0"/>
-                <a:ea typeface="Microsoft YaHei" panose="020B0503020204020204" pitchFamily="34" charset="-122"/>
-                <a:cs typeface="Arial"/>
-              </a:rPr>
-              <a:t>Reglas </a:t>
-            </a:r>
-            <a:r>
               <a:rPr kumimoji="0" lang="es-AR" altLang="es-AR" sz="3600" b="1" i="0" u="none" strike="noStrike" kern="1200" cap="none" spc="0" normalizeH="0" baseline="0" noProof="0" dirty="0">
                 <a:ln>
                   <a:noFill/>
@@ -16076,7 +14216,7 @@
                 <a:ea typeface="Microsoft YaHei" panose="020B0503020204020204" pitchFamily="34" charset="-122"/>
                 <a:cs typeface="Arial"/>
               </a:rPr>
-              <a:t>de Asociación</a:t>
+              <a:t>Reglas de Asociación</a:t>
             </a:r>
             <a:endParaRPr lang="es-AR" altLang="es-AR" sz="3600" b="1" dirty="0">
               <a:latin typeface="Arial" panose="020B0604020202020204" pitchFamily="34" charset="0"/>
@@ -16091,7 +14231,7 @@
           <p:cNvPr id="5" name="1 Rectángulo">
             <a:extLst>
               <a:ext uri="{FF2B5EF4-FFF2-40B4-BE49-F238E27FC236}">
-                <a16:creationId xmlns="" xmlns:a16="http://schemas.microsoft.com/office/drawing/2014/main" id="{EC9A45E1-1B10-4959-A23C-8023AD14133C}"/>
+                <a16:creationId xmlns:a16="http://schemas.microsoft.com/office/drawing/2014/main" id="{EC9A45E1-1B10-4959-A23C-8023AD14133C}"/>
               </a:ext>
             </a:extLst>
           </p:cNvPr>
@@ -16116,7 +14256,6 @@
           <a:ln>
             <a:noFill/>
           </a:ln>
-          <a:extLst/>
         </p:spPr>
         <p:txBody>
           <a:bodyPr anchor="ctr"/>
@@ -16276,47 +14415,6 @@
           </a:p>
         </p:txBody>
       </p:sp>
-      <p:pic>
-        <p:nvPicPr>
-          <p:cNvPr id="6" name="Picture 4" descr="C:\Users\rcrescenzi\OneDrive\docencia\UCEMA\ucema_logo.png"/>
-          <p:cNvPicPr>
-            <a:picLocks noChangeAspect="1" noChangeArrowheads="1"/>
-          </p:cNvPicPr>
-          <p:nvPr/>
-        </p:nvPicPr>
-        <p:blipFill>
-          <a:blip r:embed="rId4" cstate="print">
-            <a:extLst>
-              <a:ext uri="{28A0092B-C50C-407E-A947-70E740481C1C}">
-                <a14:useLocalDpi xmlns:a14="http://schemas.microsoft.com/office/drawing/2010/main" val="0"/>
-              </a:ext>
-            </a:extLst>
-          </a:blip>
-          <a:srcRect/>
-          <a:stretch>
-            <a:fillRect/>
-          </a:stretch>
-        </p:blipFill>
-        <p:spPr bwMode="auto">
-          <a:xfrm>
-            <a:off x="8461829" y="-149930"/>
-            <a:ext cx="3672116" cy="1344437"/>
-          </a:xfrm>
-          <a:prstGeom prst="rect">
-            <a:avLst/>
-          </a:prstGeom>
-          <a:noFill/>
-          <a:extLst>
-            <a:ext uri="{909E8E84-426E-40DD-AFC4-6F175D3DCCD1}">
-              <a14:hiddenFill xmlns:a14="http://schemas.microsoft.com/office/drawing/2010/main">
-                <a:solidFill>
-                  <a:srgbClr val="FFFFFF"/>
-                </a:solidFill>
-              </a14:hiddenFill>
-            </a:ext>
-          </a:extLst>
-        </p:spPr>
-      </p:pic>
     </p:spTree>
     <p:extLst>
       <p:ext uri="{BB962C8B-B14F-4D97-AF65-F5344CB8AC3E}">
@@ -16392,7 +14490,7 @@
           <p:cNvPr id="4" name="1 Rectángulo">
             <a:extLst>
               <a:ext uri="{FF2B5EF4-FFF2-40B4-BE49-F238E27FC236}">
-                <a16:creationId xmlns="" xmlns:a16="http://schemas.microsoft.com/office/drawing/2014/main" id="{47BF13C9-597F-4101-B226-A0C8AB06CB95}"/>
+                <a16:creationId xmlns:a16="http://schemas.microsoft.com/office/drawing/2014/main" id="{47BF13C9-597F-4101-B226-A0C8AB06CB95}"/>
               </a:ext>
             </a:extLst>
           </p:cNvPr>
@@ -16417,7 +14515,6 @@
           <a:ln>
             <a:noFill/>
           </a:ln>
-          <a:extLst/>
         </p:spPr>
         <p:txBody>
           <a:bodyPr anchor="ctr"/>
@@ -16443,7 +14540,7 @@
               <a:defRPr/>
             </a:pPr>
             <a:r>
-              <a:rPr kumimoji="0" lang="es-AR" altLang="es-AR" sz="3600" b="1" i="0" u="none" strike="noStrike" kern="1200" cap="none" spc="0" normalizeH="0" baseline="0" noProof="0" dirty="0" smtClean="0">
+              <a:rPr kumimoji="0" lang="es-AR" altLang="es-AR" sz="3600" b="1" i="0" u="none" strike="noStrike" kern="1200" cap="none" spc="0" normalizeH="0" baseline="0" noProof="0" dirty="0">
                 <a:ln>
                   <a:noFill/>
                 </a:ln>
@@ -16469,7 +14566,7 @@
           <p:cNvPr id="5" name="1 Rectángulo">
             <a:extLst>
               <a:ext uri="{FF2B5EF4-FFF2-40B4-BE49-F238E27FC236}">
-                <a16:creationId xmlns="" xmlns:a16="http://schemas.microsoft.com/office/drawing/2014/main" id="{EC9A45E1-1B10-4959-A23C-8023AD14133C}"/>
+                <a16:creationId xmlns:a16="http://schemas.microsoft.com/office/drawing/2014/main" id="{EC9A45E1-1B10-4959-A23C-8023AD14133C}"/>
               </a:ext>
             </a:extLst>
           </p:cNvPr>
@@ -16494,7 +14591,6 @@
           <a:ln>
             <a:noFill/>
           </a:ln>
-          <a:extLst/>
         </p:spPr>
         <p:txBody>
           <a:bodyPr anchor="ctr"/>
@@ -16582,47 +14678,6 @@
           </a:p>
         </p:txBody>
       </p:sp>
-      <p:pic>
-        <p:nvPicPr>
-          <p:cNvPr id="6" name="Picture 4" descr="C:\Users\rcrescenzi\OneDrive\docencia\UCEMA\ucema_logo.png"/>
-          <p:cNvPicPr>
-            <a:picLocks noChangeAspect="1" noChangeArrowheads="1"/>
-          </p:cNvPicPr>
-          <p:nvPr/>
-        </p:nvPicPr>
-        <p:blipFill>
-          <a:blip r:embed="rId4" cstate="print">
-            <a:extLst>
-              <a:ext uri="{28A0092B-C50C-407E-A947-70E740481C1C}">
-                <a14:useLocalDpi xmlns:a14="http://schemas.microsoft.com/office/drawing/2010/main" val="0"/>
-              </a:ext>
-            </a:extLst>
-          </a:blip>
-          <a:srcRect/>
-          <a:stretch>
-            <a:fillRect/>
-          </a:stretch>
-        </p:blipFill>
-        <p:spPr bwMode="auto">
-          <a:xfrm>
-            <a:off x="8461829" y="-149930"/>
-            <a:ext cx="3672116" cy="1344437"/>
-          </a:xfrm>
-          <a:prstGeom prst="rect">
-            <a:avLst/>
-          </a:prstGeom>
-          <a:noFill/>
-          <a:extLst>
-            <a:ext uri="{909E8E84-426E-40DD-AFC4-6F175D3DCCD1}">
-              <a14:hiddenFill xmlns:a14="http://schemas.microsoft.com/office/drawing/2010/main">
-                <a:solidFill>
-                  <a:srgbClr val="FFFFFF"/>
-                </a:solidFill>
-              </a14:hiddenFill>
-            </a:ext>
-          </a:extLst>
-        </p:spPr>
-      </p:pic>
     </p:spTree>
     <p:extLst>
       <p:ext uri="{BB962C8B-B14F-4D97-AF65-F5344CB8AC3E}">
@@ -16698,7 +14753,7 @@
           <p:cNvPr id="4" name="1 Rectángulo">
             <a:extLst>
               <a:ext uri="{FF2B5EF4-FFF2-40B4-BE49-F238E27FC236}">
-                <a16:creationId xmlns="" xmlns:a16="http://schemas.microsoft.com/office/drawing/2014/main" id="{47BF13C9-597F-4101-B226-A0C8AB06CB95}"/>
+                <a16:creationId xmlns:a16="http://schemas.microsoft.com/office/drawing/2014/main" id="{47BF13C9-597F-4101-B226-A0C8AB06CB95}"/>
               </a:ext>
             </a:extLst>
           </p:cNvPr>
@@ -16723,7 +14778,6 @@
           <a:ln>
             <a:noFill/>
           </a:ln>
-          <a:extLst/>
         </p:spPr>
         <p:txBody>
           <a:bodyPr anchor="ctr"/>
@@ -16749,7 +14803,7 @@
               <a:defRPr/>
             </a:pPr>
             <a:r>
-              <a:rPr kumimoji="0" lang="es-AR" altLang="es-AR" sz="3600" b="1" i="0" u="none" strike="noStrike" kern="1200" cap="none" spc="0" normalizeH="0" baseline="0" noProof="0" dirty="0" err="1" smtClean="0">
+              <a:rPr kumimoji="0" lang="es-AR" altLang="es-AR" sz="3600" b="1" i="0" u="none" strike="noStrike" kern="1200" cap="none" spc="0" normalizeH="0" baseline="0" noProof="0" dirty="0" err="1">
                 <a:ln>
                   <a:noFill/>
                 </a:ln>
@@ -16775,7 +14829,7 @@
           <p:cNvPr id="5" name="1 Rectángulo">
             <a:extLst>
               <a:ext uri="{FF2B5EF4-FFF2-40B4-BE49-F238E27FC236}">
-                <a16:creationId xmlns="" xmlns:a16="http://schemas.microsoft.com/office/drawing/2014/main" id="{EC9A45E1-1B10-4959-A23C-8023AD14133C}"/>
+                <a16:creationId xmlns:a16="http://schemas.microsoft.com/office/drawing/2014/main" id="{EC9A45E1-1B10-4959-A23C-8023AD14133C}"/>
               </a:ext>
             </a:extLst>
           </p:cNvPr>
@@ -16800,7 +14854,6 @@
           <a:ln>
             <a:noFill/>
           </a:ln>
-          <a:extLst/>
         </p:spPr>
         <p:txBody>
           <a:bodyPr anchor="ctr"/>
@@ -16862,47 +14915,6 @@
           </a:p>
         </p:txBody>
       </p:sp>
-      <p:pic>
-        <p:nvPicPr>
-          <p:cNvPr id="6" name="Picture 4" descr="C:\Users\rcrescenzi\OneDrive\docencia\UCEMA\ucema_logo.png"/>
-          <p:cNvPicPr>
-            <a:picLocks noChangeAspect="1" noChangeArrowheads="1"/>
-          </p:cNvPicPr>
-          <p:nvPr/>
-        </p:nvPicPr>
-        <p:blipFill>
-          <a:blip r:embed="rId4" cstate="print">
-            <a:extLst>
-              <a:ext uri="{28A0092B-C50C-407E-A947-70E740481C1C}">
-                <a14:useLocalDpi xmlns:a14="http://schemas.microsoft.com/office/drawing/2010/main" val="0"/>
-              </a:ext>
-            </a:extLst>
-          </a:blip>
-          <a:srcRect/>
-          <a:stretch>
-            <a:fillRect/>
-          </a:stretch>
-        </p:blipFill>
-        <p:spPr bwMode="auto">
-          <a:xfrm>
-            <a:off x="8461829" y="-149930"/>
-            <a:ext cx="3672116" cy="1344437"/>
-          </a:xfrm>
-          <a:prstGeom prst="rect">
-            <a:avLst/>
-          </a:prstGeom>
-          <a:noFill/>
-          <a:extLst>
-            <a:ext uri="{909E8E84-426E-40DD-AFC4-6F175D3DCCD1}">
-              <a14:hiddenFill xmlns:a14="http://schemas.microsoft.com/office/drawing/2010/main">
-                <a:solidFill>
-                  <a:srgbClr val="FFFFFF"/>
-                </a:solidFill>
-              </a14:hiddenFill>
-            </a:ext>
-          </a:extLst>
-        </p:spPr>
-      </p:pic>
     </p:spTree>
     <p:extLst>
       <p:ext uri="{BB962C8B-B14F-4D97-AF65-F5344CB8AC3E}">
@@ -16978,7 +14990,7 @@
           <p:cNvPr id="4" name="1 Rectángulo">
             <a:extLst>
               <a:ext uri="{FF2B5EF4-FFF2-40B4-BE49-F238E27FC236}">
-                <a16:creationId xmlns="" xmlns:a16="http://schemas.microsoft.com/office/drawing/2014/main" id="{47BF13C9-597F-4101-B226-A0C8AB06CB95}"/>
+                <a16:creationId xmlns:a16="http://schemas.microsoft.com/office/drawing/2014/main" id="{47BF13C9-597F-4101-B226-A0C8AB06CB95}"/>
               </a:ext>
             </a:extLst>
           </p:cNvPr>
@@ -17003,7 +15015,6 @@
           <a:ln>
             <a:noFill/>
           </a:ln>
-          <a:extLst/>
         </p:spPr>
         <p:txBody>
           <a:bodyPr anchor="ctr"/>
@@ -17029,7 +15040,7 @@
               <a:defRPr/>
             </a:pPr>
             <a:r>
-              <a:rPr kumimoji="0" lang="es-AR" altLang="es-AR" sz="3600" b="1" i="0" u="none" strike="noStrike" kern="1200" cap="none" spc="0" normalizeH="0" baseline="0" noProof="0" dirty="0" err="1" smtClean="0">
+              <a:rPr kumimoji="0" lang="es-AR" altLang="es-AR" sz="3600" b="1" i="0" u="none" strike="noStrike" kern="1200" cap="none" spc="0" normalizeH="0" baseline="0" noProof="0" dirty="0" err="1">
                 <a:ln>
                   <a:noFill/>
                 </a:ln>
@@ -17055,7 +15066,7 @@
           <p:cNvPr id="5" name="1 Rectángulo">
             <a:extLst>
               <a:ext uri="{FF2B5EF4-FFF2-40B4-BE49-F238E27FC236}">
-                <a16:creationId xmlns="" xmlns:a16="http://schemas.microsoft.com/office/drawing/2014/main" id="{EC9A45E1-1B10-4959-A23C-8023AD14133C}"/>
+                <a16:creationId xmlns:a16="http://schemas.microsoft.com/office/drawing/2014/main" id="{EC9A45E1-1B10-4959-A23C-8023AD14133C}"/>
               </a:ext>
             </a:extLst>
           </p:cNvPr>
@@ -17080,7 +15091,6 @@
           <a:ln>
             <a:noFill/>
           </a:ln>
-          <a:extLst/>
         </p:spPr>
         <p:txBody>
           <a:bodyPr anchor="ctr"/>
@@ -17134,47 +15144,6 @@
           </a:p>
         </p:txBody>
       </p:sp>
-      <p:pic>
-        <p:nvPicPr>
-          <p:cNvPr id="6" name="Picture 4" descr="C:\Users\rcrescenzi\OneDrive\docencia\UCEMA\ucema_logo.png"/>
-          <p:cNvPicPr>
-            <a:picLocks noChangeAspect="1" noChangeArrowheads="1"/>
-          </p:cNvPicPr>
-          <p:nvPr/>
-        </p:nvPicPr>
-        <p:blipFill>
-          <a:blip r:embed="rId4" cstate="print">
-            <a:extLst>
-              <a:ext uri="{28A0092B-C50C-407E-A947-70E740481C1C}">
-                <a14:useLocalDpi xmlns:a14="http://schemas.microsoft.com/office/drawing/2010/main" val="0"/>
-              </a:ext>
-            </a:extLst>
-          </a:blip>
-          <a:srcRect/>
-          <a:stretch>
-            <a:fillRect/>
-          </a:stretch>
-        </p:blipFill>
-        <p:spPr bwMode="auto">
-          <a:xfrm>
-            <a:off x="8461829" y="-149930"/>
-            <a:ext cx="3672116" cy="1344437"/>
-          </a:xfrm>
-          <a:prstGeom prst="rect">
-            <a:avLst/>
-          </a:prstGeom>
-          <a:noFill/>
-          <a:extLst>
-            <a:ext uri="{909E8E84-426E-40DD-AFC4-6F175D3DCCD1}">
-              <a14:hiddenFill xmlns:a14="http://schemas.microsoft.com/office/drawing/2010/main">
-                <a:solidFill>
-                  <a:srgbClr val="FFFFFF"/>
-                </a:solidFill>
-              </a14:hiddenFill>
-            </a:ext>
-          </a:extLst>
-        </p:spPr>
-      </p:pic>
     </p:spTree>
     <p:extLst>
       <p:ext uri="{BB962C8B-B14F-4D97-AF65-F5344CB8AC3E}">
@@ -17250,7 +15219,7 @@
           <p:cNvPr id="4" name="1 Rectángulo">
             <a:extLst>
               <a:ext uri="{FF2B5EF4-FFF2-40B4-BE49-F238E27FC236}">
-                <a16:creationId xmlns="" xmlns:a16="http://schemas.microsoft.com/office/drawing/2014/main" id="{47BF13C9-597F-4101-B226-A0C8AB06CB95}"/>
+                <a16:creationId xmlns:a16="http://schemas.microsoft.com/office/drawing/2014/main" id="{47BF13C9-597F-4101-B226-A0C8AB06CB95}"/>
               </a:ext>
             </a:extLst>
           </p:cNvPr>
@@ -17275,7 +15244,6 @@
           <a:ln>
             <a:noFill/>
           </a:ln>
-          <a:extLst/>
         </p:spPr>
         <p:txBody>
           <a:bodyPr anchor="ctr"/>
@@ -17301,7 +15269,7 @@
               <a:defRPr/>
             </a:pPr>
             <a:r>
-              <a:rPr kumimoji="0" lang="es-AR" altLang="es-AR" sz="3600" b="1" i="0" u="none" strike="noStrike" kern="1200" cap="none" spc="0" normalizeH="0" baseline="0" noProof="0" dirty="0" err="1" smtClean="0">
+              <a:rPr kumimoji="0" lang="es-AR" altLang="es-AR" sz="3600" b="1" i="0" u="none" strike="noStrike" kern="1200" cap="none" spc="0" normalizeH="0" baseline="0" noProof="0" dirty="0" err="1">
                 <a:ln>
                   <a:noFill/>
                 </a:ln>
@@ -17327,7 +15295,7 @@
           <p:cNvPr id="5" name="1 Rectángulo">
             <a:extLst>
               <a:ext uri="{FF2B5EF4-FFF2-40B4-BE49-F238E27FC236}">
-                <a16:creationId xmlns="" xmlns:a16="http://schemas.microsoft.com/office/drawing/2014/main" id="{EC9A45E1-1B10-4959-A23C-8023AD14133C}"/>
+                <a16:creationId xmlns:a16="http://schemas.microsoft.com/office/drawing/2014/main" id="{EC9A45E1-1B10-4959-A23C-8023AD14133C}"/>
               </a:ext>
             </a:extLst>
           </p:cNvPr>
@@ -17352,7 +15320,6 @@
           <a:ln>
             <a:noFill/>
           </a:ln>
-          <a:extLst/>
         </p:spPr>
         <p:txBody>
           <a:bodyPr anchor="ctr"/>
@@ -17384,7 +15351,7 @@
           <p:cNvPr id="6" name="Picture 4">
             <a:extLst>
               <a:ext uri="{FF2B5EF4-FFF2-40B4-BE49-F238E27FC236}">
-                <a16:creationId xmlns="" xmlns:a16="http://schemas.microsoft.com/office/drawing/2014/main" id="{EDB8733F-C632-4E45-8C91-C43DB1D41BD5}"/>
+                <a16:creationId xmlns:a16="http://schemas.microsoft.com/office/drawing/2014/main" id="{EDB8733F-C632-4E45-8C91-C43DB1D41BD5}"/>
               </a:ext>
             </a:extLst>
           </p:cNvPr>
@@ -17406,47 +15373,6 @@
           <a:prstGeom prst="rect">
             <a:avLst/>
           </a:prstGeom>
-        </p:spPr>
-      </p:pic>
-      <p:pic>
-        <p:nvPicPr>
-          <p:cNvPr id="7" name="Picture 4" descr="C:\Users\rcrescenzi\OneDrive\docencia\UCEMA\ucema_logo.png"/>
-          <p:cNvPicPr>
-            <a:picLocks noChangeAspect="1" noChangeArrowheads="1"/>
-          </p:cNvPicPr>
-          <p:nvPr/>
-        </p:nvPicPr>
-        <p:blipFill>
-          <a:blip r:embed="rId5" cstate="print">
-            <a:extLst>
-              <a:ext uri="{28A0092B-C50C-407E-A947-70E740481C1C}">
-                <a14:useLocalDpi xmlns:a14="http://schemas.microsoft.com/office/drawing/2010/main" val="0"/>
-              </a:ext>
-            </a:extLst>
-          </a:blip>
-          <a:srcRect/>
-          <a:stretch>
-            <a:fillRect/>
-          </a:stretch>
-        </p:blipFill>
-        <p:spPr bwMode="auto">
-          <a:xfrm>
-            <a:off x="8461829" y="-149930"/>
-            <a:ext cx="3672116" cy="1344437"/>
-          </a:xfrm>
-          <a:prstGeom prst="rect">
-            <a:avLst/>
-          </a:prstGeom>
-          <a:noFill/>
-          <a:extLst>
-            <a:ext uri="{909E8E84-426E-40DD-AFC4-6F175D3DCCD1}">
-              <a14:hiddenFill xmlns:a14="http://schemas.microsoft.com/office/drawing/2010/main">
-                <a:solidFill>
-                  <a:srgbClr val="FFFFFF"/>
-                </a:solidFill>
-              </a14:hiddenFill>
-            </a:ext>
-          </a:extLst>
         </p:spPr>
       </p:pic>
     </p:spTree>
@@ -17524,7 +15450,7 @@
           <p:cNvPr id="4" name="1 Rectángulo">
             <a:extLst>
               <a:ext uri="{FF2B5EF4-FFF2-40B4-BE49-F238E27FC236}">
-                <a16:creationId xmlns="" xmlns:a16="http://schemas.microsoft.com/office/drawing/2014/main" id="{47BF13C9-597F-4101-B226-A0C8AB06CB95}"/>
+                <a16:creationId xmlns:a16="http://schemas.microsoft.com/office/drawing/2014/main" id="{47BF13C9-597F-4101-B226-A0C8AB06CB95}"/>
               </a:ext>
             </a:extLst>
           </p:cNvPr>
@@ -17549,7 +15475,6 @@
           <a:ln>
             <a:noFill/>
           </a:ln>
-          <a:extLst/>
         </p:spPr>
         <p:txBody>
           <a:bodyPr anchor="ctr"/>
@@ -17575,7 +15500,7 @@
               <a:defRPr/>
             </a:pPr>
             <a:r>
-              <a:rPr kumimoji="0" lang="es-AR" altLang="es-AR" sz="3600" b="1" i="0" u="none" strike="noStrike" kern="1200" cap="none" spc="0" normalizeH="0" baseline="0" noProof="0" dirty="0" err="1" smtClean="0">
+              <a:rPr kumimoji="0" lang="es-AR" altLang="es-AR" sz="3600" b="1" i="0" u="none" strike="noStrike" kern="1200" cap="none" spc="0" normalizeH="0" baseline="0" noProof="0" dirty="0" err="1">
                 <a:ln>
                   <a:noFill/>
                 </a:ln>
@@ -17601,7 +15526,7 @@
           <p:cNvPr id="5" name="1 Rectángulo">
             <a:extLst>
               <a:ext uri="{FF2B5EF4-FFF2-40B4-BE49-F238E27FC236}">
-                <a16:creationId xmlns="" xmlns:a16="http://schemas.microsoft.com/office/drawing/2014/main" id="{EC9A45E1-1B10-4959-A23C-8023AD14133C}"/>
+                <a16:creationId xmlns:a16="http://schemas.microsoft.com/office/drawing/2014/main" id="{EC9A45E1-1B10-4959-A23C-8023AD14133C}"/>
               </a:ext>
             </a:extLst>
           </p:cNvPr>
@@ -17626,7 +15551,6 @@
           <a:ln>
             <a:noFill/>
           </a:ln>
-          <a:extLst/>
         </p:spPr>
         <p:txBody>
           <a:bodyPr anchor="ctr"/>
@@ -17658,7 +15582,7 @@
           <p:cNvPr id="7" name="Picture 2" descr="Resultado de imagen para word2vec">
             <a:extLst>
               <a:ext uri="{FF2B5EF4-FFF2-40B4-BE49-F238E27FC236}">
-                <a16:creationId xmlns="" xmlns:a16="http://schemas.microsoft.com/office/drawing/2014/main" id="{328AFE9D-C6CA-4723-99A3-0A9D547DFEB6}"/>
+                <a16:creationId xmlns:a16="http://schemas.microsoft.com/office/drawing/2014/main" id="{328AFE9D-C6CA-4723-99A3-0A9D547DFEB6}"/>
               </a:ext>
             </a:extLst>
           </p:cNvPr>
@@ -17684,47 +15608,6 @@
           <a:xfrm>
             <a:off x="2688575" y="2104873"/>
             <a:ext cx="6814847" cy="4753127"/>
-          </a:xfrm>
-          <a:prstGeom prst="rect">
-            <a:avLst/>
-          </a:prstGeom>
-          <a:noFill/>
-          <a:extLst>
-            <a:ext uri="{909E8E84-426E-40DD-AFC4-6F175D3DCCD1}">
-              <a14:hiddenFill xmlns:a14="http://schemas.microsoft.com/office/drawing/2010/main">
-                <a:solidFill>
-                  <a:srgbClr val="FFFFFF"/>
-                </a:solidFill>
-              </a14:hiddenFill>
-            </a:ext>
-          </a:extLst>
-        </p:spPr>
-      </p:pic>
-      <p:pic>
-        <p:nvPicPr>
-          <p:cNvPr id="6" name="Picture 4" descr="C:\Users\rcrescenzi\OneDrive\docencia\UCEMA\ucema_logo.png"/>
-          <p:cNvPicPr>
-            <a:picLocks noChangeAspect="1" noChangeArrowheads="1"/>
-          </p:cNvPicPr>
-          <p:nvPr/>
-        </p:nvPicPr>
-        <p:blipFill>
-          <a:blip r:embed="rId5" cstate="print">
-            <a:extLst>
-              <a:ext uri="{28A0092B-C50C-407E-A947-70E740481C1C}">
-                <a14:useLocalDpi xmlns:a14="http://schemas.microsoft.com/office/drawing/2010/main" val="0"/>
-              </a:ext>
-            </a:extLst>
-          </a:blip>
-          <a:srcRect/>
-          <a:stretch>
-            <a:fillRect/>
-          </a:stretch>
-        </p:blipFill>
-        <p:spPr bwMode="auto">
-          <a:xfrm>
-            <a:off x="8461829" y="-149930"/>
-            <a:ext cx="3672116" cy="1344437"/>
           </a:xfrm>
           <a:prstGeom prst="rect">
             <a:avLst/>
@@ -17816,7 +15699,7 @@
           <p:cNvPr id="4" name="1 Rectángulo">
             <a:extLst>
               <a:ext uri="{FF2B5EF4-FFF2-40B4-BE49-F238E27FC236}">
-                <a16:creationId xmlns="" xmlns:a16="http://schemas.microsoft.com/office/drawing/2014/main" id="{47BF13C9-597F-4101-B226-A0C8AB06CB95}"/>
+                <a16:creationId xmlns:a16="http://schemas.microsoft.com/office/drawing/2014/main" id="{47BF13C9-597F-4101-B226-A0C8AB06CB95}"/>
               </a:ext>
             </a:extLst>
           </p:cNvPr>
@@ -17841,7 +15724,6 @@
           <a:ln>
             <a:noFill/>
           </a:ln>
-          <a:extLst/>
         </p:spPr>
         <p:txBody>
           <a:bodyPr anchor="ctr"/>
@@ -17867,7 +15749,7 @@
               <a:defRPr/>
             </a:pPr>
             <a:r>
-              <a:rPr kumimoji="0" lang="es-AR" altLang="es-AR" sz="3600" b="1" i="0" u="none" strike="noStrike" kern="1200" cap="none" spc="0" normalizeH="0" baseline="0" noProof="0" dirty="0" err="1" smtClean="0">
+              <a:rPr kumimoji="0" lang="es-AR" altLang="es-AR" sz="3600" b="1" i="0" u="none" strike="noStrike" kern="1200" cap="none" spc="0" normalizeH="0" baseline="0" noProof="0" dirty="0" err="1">
                 <a:ln>
                   <a:noFill/>
                 </a:ln>
@@ -17893,7 +15775,7 @@
           <p:cNvPr id="5" name="1 Rectángulo">
             <a:extLst>
               <a:ext uri="{FF2B5EF4-FFF2-40B4-BE49-F238E27FC236}">
-                <a16:creationId xmlns="" xmlns:a16="http://schemas.microsoft.com/office/drawing/2014/main" id="{EC9A45E1-1B10-4959-A23C-8023AD14133C}"/>
+                <a16:creationId xmlns:a16="http://schemas.microsoft.com/office/drawing/2014/main" id="{EC9A45E1-1B10-4959-A23C-8023AD14133C}"/>
               </a:ext>
             </a:extLst>
           </p:cNvPr>
@@ -17918,7 +15800,6 @@
           <a:ln>
             <a:noFill/>
           </a:ln>
-          <a:extLst/>
         </p:spPr>
         <p:txBody>
           <a:bodyPr anchor="ctr"/>
@@ -17950,7 +15831,7 @@
           <p:cNvPr id="3" name="Imagen 2">
             <a:extLst>
               <a:ext uri="{FF2B5EF4-FFF2-40B4-BE49-F238E27FC236}">
-                <a16:creationId xmlns="" xmlns:a16="http://schemas.microsoft.com/office/drawing/2014/main" id="{D07B4742-FE8F-4AC5-9701-BB4BEF9A2D90}"/>
+                <a16:creationId xmlns:a16="http://schemas.microsoft.com/office/drawing/2014/main" id="{D07B4742-FE8F-4AC5-9701-BB4BEF9A2D90}"/>
               </a:ext>
             </a:extLst>
           </p:cNvPr>
@@ -17973,47 +15854,6 @@
           <a:prstGeom prst="rect">
             <a:avLst/>
           </a:prstGeom>
-        </p:spPr>
-      </p:pic>
-      <p:pic>
-        <p:nvPicPr>
-          <p:cNvPr id="6" name="Picture 4" descr="C:\Users\rcrescenzi\OneDrive\docencia\UCEMA\ucema_logo.png"/>
-          <p:cNvPicPr>
-            <a:picLocks noChangeAspect="1" noChangeArrowheads="1"/>
-          </p:cNvPicPr>
-          <p:nvPr/>
-        </p:nvPicPr>
-        <p:blipFill>
-          <a:blip r:embed="rId5" cstate="print">
-            <a:extLst>
-              <a:ext uri="{28A0092B-C50C-407E-A947-70E740481C1C}">
-                <a14:useLocalDpi xmlns:a14="http://schemas.microsoft.com/office/drawing/2010/main" val="0"/>
-              </a:ext>
-            </a:extLst>
-          </a:blip>
-          <a:srcRect/>
-          <a:stretch>
-            <a:fillRect/>
-          </a:stretch>
-        </p:blipFill>
-        <p:spPr bwMode="auto">
-          <a:xfrm>
-            <a:off x="8461829" y="-149930"/>
-            <a:ext cx="3672116" cy="1344437"/>
-          </a:xfrm>
-          <a:prstGeom prst="rect">
-            <a:avLst/>
-          </a:prstGeom>
-          <a:noFill/>
-          <a:extLst>
-            <a:ext uri="{909E8E84-426E-40DD-AFC4-6F175D3DCCD1}">
-              <a14:hiddenFill xmlns:a14="http://schemas.microsoft.com/office/drawing/2010/main">
-                <a:solidFill>
-                  <a:srgbClr val="FFFFFF"/>
-                </a:solidFill>
-              </a14:hiddenFill>
-            </a:ext>
-          </a:extLst>
         </p:spPr>
       </p:pic>
     </p:spTree>
@@ -18091,7 +15931,7 @@
           <p:cNvPr id="4" name="1 Rectángulo">
             <a:extLst>
               <a:ext uri="{FF2B5EF4-FFF2-40B4-BE49-F238E27FC236}">
-                <a16:creationId xmlns="" xmlns:a16="http://schemas.microsoft.com/office/drawing/2014/main" id="{47BF13C9-597F-4101-B226-A0C8AB06CB95}"/>
+                <a16:creationId xmlns:a16="http://schemas.microsoft.com/office/drawing/2014/main" id="{47BF13C9-597F-4101-B226-A0C8AB06CB95}"/>
               </a:ext>
             </a:extLst>
           </p:cNvPr>
@@ -18116,7 +15956,6 @@
           <a:ln>
             <a:noFill/>
           </a:ln>
-          <a:extLst/>
         </p:spPr>
         <p:txBody>
           <a:bodyPr anchor="ctr"/>
@@ -18142,7 +15981,7 @@
               <a:defRPr/>
             </a:pPr>
             <a:r>
-              <a:rPr kumimoji="0" lang="es-AR" altLang="es-AR" sz="3600" b="1" i="0" u="none" strike="noStrike" kern="1200" cap="none" spc="0" normalizeH="0" baseline="0" noProof="0" dirty="0" err="1" smtClean="0">
+              <a:rPr kumimoji="0" lang="es-AR" altLang="es-AR" sz="3600" b="1" i="0" u="none" strike="noStrike" kern="1200" cap="none" spc="0" normalizeH="0" baseline="0" noProof="0" dirty="0" err="1">
                 <a:ln>
                   <a:noFill/>
                 </a:ln>
@@ -18168,7 +16007,7 @@
           <p:cNvPr id="5" name="1 Rectángulo">
             <a:extLst>
               <a:ext uri="{FF2B5EF4-FFF2-40B4-BE49-F238E27FC236}">
-                <a16:creationId xmlns="" xmlns:a16="http://schemas.microsoft.com/office/drawing/2014/main" id="{EC9A45E1-1B10-4959-A23C-8023AD14133C}"/>
+                <a16:creationId xmlns:a16="http://schemas.microsoft.com/office/drawing/2014/main" id="{EC9A45E1-1B10-4959-A23C-8023AD14133C}"/>
               </a:ext>
             </a:extLst>
           </p:cNvPr>
@@ -18193,7 +16032,6 @@
           <a:ln>
             <a:noFill/>
           </a:ln>
-          <a:extLst/>
         </p:spPr>
         <p:txBody>
           <a:bodyPr anchor="ctr"/>
@@ -18225,7 +16063,7 @@
           <p:cNvPr id="2" name="Imagen 1">
             <a:extLst>
               <a:ext uri="{FF2B5EF4-FFF2-40B4-BE49-F238E27FC236}">
-                <a16:creationId xmlns="" xmlns:a16="http://schemas.microsoft.com/office/drawing/2014/main" id="{AAA1297C-D062-4562-9E48-FA7F548C5DB2}"/>
+                <a16:creationId xmlns:a16="http://schemas.microsoft.com/office/drawing/2014/main" id="{AAA1297C-D062-4562-9E48-FA7F548C5DB2}"/>
               </a:ext>
             </a:extLst>
           </p:cNvPr>
@@ -18248,47 +16086,6 @@
           <a:prstGeom prst="rect">
             <a:avLst/>
           </a:prstGeom>
-        </p:spPr>
-      </p:pic>
-      <p:pic>
-        <p:nvPicPr>
-          <p:cNvPr id="6" name="Picture 4" descr="C:\Users\rcrescenzi\OneDrive\docencia\UCEMA\ucema_logo.png"/>
-          <p:cNvPicPr>
-            <a:picLocks noChangeAspect="1" noChangeArrowheads="1"/>
-          </p:cNvPicPr>
-          <p:nvPr/>
-        </p:nvPicPr>
-        <p:blipFill>
-          <a:blip r:embed="rId5" cstate="print">
-            <a:extLst>
-              <a:ext uri="{28A0092B-C50C-407E-A947-70E740481C1C}">
-                <a14:useLocalDpi xmlns:a14="http://schemas.microsoft.com/office/drawing/2010/main" val="0"/>
-              </a:ext>
-            </a:extLst>
-          </a:blip>
-          <a:srcRect/>
-          <a:stretch>
-            <a:fillRect/>
-          </a:stretch>
-        </p:blipFill>
-        <p:spPr bwMode="auto">
-          <a:xfrm>
-            <a:off x="8461829" y="-149930"/>
-            <a:ext cx="3672116" cy="1344437"/>
-          </a:xfrm>
-          <a:prstGeom prst="rect">
-            <a:avLst/>
-          </a:prstGeom>
-          <a:noFill/>
-          <a:extLst>
-            <a:ext uri="{909E8E84-426E-40DD-AFC4-6F175D3DCCD1}">
-              <a14:hiddenFill xmlns:a14="http://schemas.microsoft.com/office/drawing/2010/main">
-                <a:solidFill>
-                  <a:srgbClr val="FFFFFF"/>
-                </a:solidFill>
-              </a14:hiddenFill>
-            </a:ext>
-          </a:extLst>
         </p:spPr>
       </p:pic>
     </p:spTree>
@@ -18366,7 +16163,7 @@
           <p:cNvPr id="4" name="1 Rectángulo">
             <a:extLst>
               <a:ext uri="{FF2B5EF4-FFF2-40B4-BE49-F238E27FC236}">
-                <a16:creationId xmlns="" xmlns:a16="http://schemas.microsoft.com/office/drawing/2014/main" id="{47BF13C9-597F-4101-B226-A0C8AB06CB95}"/>
+                <a16:creationId xmlns:a16="http://schemas.microsoft.com/office/drawing/2014/main" id="{47BF13C9-597F-4101-B226-A0C8AB06CB95}"/>
               </a:ext>
             </a:extLst>
           </p:cNvPr>
@@ -18391,7 +16188,6 @@
           <a:ln>
             <a:noFill/>
           </a:ln>
-          <a:extLst/>
         </p:spPr>
         <p:txBody>
           <a:bodyPr anchor="ctr"/>
@@ -18417,20 +16213,6 @@
               <a:defRPr/>
             </a:pPr>
             <a:r>
-              <a:rPr kumimoji="0" lang="es-AR" altLang="es-AR" sz="3600" b="1" i="0" u="none" strike="noStrike" kern="1200" cap="none" spc="0" normalizeH="0" baseline="0" noProof="0" dirty="0" smtClean="0">
-                <a:ln>
-                  <a:noFill/>
-                </a:ln>
-                <a:effectLst/>
-                <a:uLnTx/>
-                <a:uFillTx/>
-                <a:latin typeface="Arial" panose="020B0604020202020204" pitchFamily="34" charset="0"/>
-                <a:ea typeface="Microsoft YaHei" panose="020B0503020204020204" pitchFamily="34" charset="-122"/>
-                <a:cs typeface="Arial"/>
-              </a:rPr>
-              <a:t>Modelos </a:t>
-            </a:r>
-            <a:r>
               <a:rPr kumimoji="0" lang="es-AR" altLang="es-AR" sz="3600" b="1" i="0" u="none" strike="noStrike" kern="1200" cap="none" spc="0" normalizeH="0" baseline="0" noProof="0" dirty="0">
                 <a:ln>
                   <a:noFill/>
@@ -18442,7 +16224,7 @@
                 <a:ea typeface="Microsoft YaHei" panose="020B0503020204020204" pitchFamily="34" charset="-122"/>
                 <a:cs typeface="Arial"/>
               </a:rPr>
-              <a:t>Generativos</a:t>
+              <a:t>Modelos Generativos</a:t>
             </a:r>
             <a:endParaRPr lang="es-AR" altLang="es-AR" sz="3600" b="1" dirty="0">
               <a:latin typeface="Arial" panose="020B0604020202020204" pitchFamily="34" charset="0"/>
@@ -18457,7 +16239,7 @@
           <p:cNvPr id="5" name="1 Rectángulo">
             <a:extLst>
               <a:ext uri="{FF2B5EF4-FFF2-40B4-BE49-F238E27FC236}">
-                <a16:creationId xmlns="" xmlns:a16="http://schemas.microsoft.com/office/drawing/2014/main" id="{EC9A45E1-1B10-4959-A23C-8023AD14133C}"/>
+                <a16:creationId xmlns:a16="http://schemas.microsoft.com/office/drawing/2014/main" id="{EC9A45E1-1B10-4959-A23C-8023AD14133C}"/>
               </a:ext>
             </a:extLst>
           </p:cNvPr>
@@ -18482,7 +16264,6 @@
           <a:ln>
             <a:noFill/>
           </a:ln>
-          <a:extLst/>
         </p:spPr>
         <p:txBody>
           <a:bodyPr anchor="ctr"/>
@@ -18579,47 +16360,6 @@
           </a:p>
         </p:txBody>
       </p:sp>
-      <p:pic>
-        <p:nvPicPr>
-          <p:cNvPr id="6" name="Picture 4" descr="C:\Users\rcrescenzi\OneDrive\docencia\UCEMA\ucema_logo.png"/>
-          <p:cNvPicPr>
-            <a:picLocks noChangeAspect="1" noChangeArrowheads="1"/>
-          </p:cNvPicPr>
-          <p:nvPr/>
-        </p:nvPicPr>
-        <p:blipFill>
-          <a:blip r:embed="rId4" cstate="print">
-            <a:extLst>
-              <a:ext uri="{28A0092B-C50C-407E-A947-70E740481C1C}">
-                <a14:useLocalDpi xmlns:a14="http://schemas.microsoft.com/office/drawing/2010/main" val="0"/>
-              </a:ext>
-            </a:extLst>
-          </a:blip>
-          <a:srcRect/>
-          <a:stretch>
-            <a:fillRect/>
-          </a:stretch>
-        </p:blipFill>
-        <p:spPr bwMode="auto">
-          <a:xfrm>
-            <a:off x="8461829" y="-149930"/>
-            <a:ext cx="3672116" cy="1344437"/>
-          </a:xfrm>
-          <a:prstGeom prst="rect">
-            <a:avLst/>
-          </a:prstGeom>
-          <a:noFill/>
-          <a:extLst>
-            <a:ext uri="{909E8E84-426E-40DD-AFC4-6F175D3DCCD1}">
-              <a14:hiddenFill xmlns:a14="http://schemas.microsoft.com/office/drawing/2010/main">
-                <a:solidFill>
-                  <a:srgbClr val="FFFFFF"/>
-                </a:solidFill>
-              </a14:hiddenFill>
-            </a:ext>
-          </a:extLst>
-        </p:spPr>
-      </p:pic>
     </p:spTree>
     <p:extLst>
       <p:ext uri="{BB962C8B-B14F-4D97-AF65-F5344CB8AC3E}">
@@ -18695,7 +16435,7 @@
           <p:cNvPr id="4" name="1 Rectángulo">
             <a:extLst>
               <a:ext uri="{FF2B5EF4-FFF2-40B4-BE49-F238E27FC236}">
-                <a16:creationId xmlns="" xmlns:a16="http://schemas.microsoft.com/office/drawing/2014/main" id="{47BF13C9-597F-4101-B226-A0C8AB06CB95}"/>
+                <a16:creationId xmlns:a16="http://schemas.microsoft.com/office/drawing/2014/main" id="{47BF13C9-597F-4101-B226-A0C8AB06CB95}"/>
               </a:ext>
             </a:extLst>
           </p:cNvPr>
@@ -18720,7 +16460,6 @@
           <a:ln>
             <a:noFill/>
           </a:ln>
-          <a:extLst/>
         </p:spPr>
         <p:txBody>
           <a:bodyPr anchor="ctr"/>
@@ -18743,18 +16482,11 @@
               <a:defRPr/>
             </a:pPr>
             <a:r>
-              <a:rPr lang="es-AR" altLang="es-AR" sz="3600" b="1" dirty="0" smtClean="0">
-                <a:latin typeface="Arial" panose="020B0604020202020204" pitchFamily="34" charset="0"/>
-                <a:ea typeface="Microsoft YaHei" panose="020B0503020204020204" pitchFamily="34" charset="-122"/>
-              </a:rPr>
-              <a:t>Modelos </a:t>
-            </a:r>
-            <a:r>
               <a:rPr lang="es-AR" altLang="es-AR" sz="3600" b="1" dirty="0">
                 <a:latin typeface="Arial" panose="020B0604020202020204" pitchFamily="34" charset="0"/>
                 <a:ea typeface="Microsoft YaHei" panose="020B0503020204020204" pitchFamily="34" charset="-122"/>
               </a:rPr>
-              <a:t>Generativos</a:t>
+              <a:t>Modelos Generativos</a:t>
             </a:r>
             <a:endParaRPr lang="es-AR" altLang="es-AR" sz="3600" b="1" dirty="0">
               <a:latin typeface="Arial" panose="020B0604020202020204" pitchFamily="34" charset="0"/>
@@ -18769,7 +16501,7 @@
           <p:cNvPr id="5" name="1 Rectángulo">
             <a:extLst>
               <a:ext uri="{FF2B5EF4-FFF2-40B4-BE49-F238E27FC236}">
-                <a16:creationId xmlns="" xmlns:a16="http://schemas.microsoft.com/office/drawing/2014/main" id="{EC9A45E1-1B10-4959-A23C-8023AD14133C}"/>
+                <a16:creationId xmlns:a16="http://schemas.microsoft.com/office/drawing/2014/main" id="{EC9A45E1-1B10-4959-A23C-8023AD14133C}"/>
               </a:ext>
             </a:extLst>
           </p:cNvPr>
@@ -18794,7 +16526,6 @@
           <a:ln>
             <a:noFill/>
           </a:ln>
-          <a:extLst/>
         </p:spPr>
         <p:txBody>
           <a:bodyPr anchor="ctr"/>
@@ -18826,7 +16557,7 @@
           <p:cNvPr id="6" name="Picture 6" descr="Imagen relacionada">
             <a:extLst>
               <a:ext uri="{FF2B5EF4-FFF2-40B4-BE49-F238E27FC236}">
-                <a16:creationId xmlns="" xmlns:a16="http://schemas.microsoft.com/office/drawing/2014/main" id="{8B12B1D1-CA95-4E3A-BCA5-2588F062412A}"/>
+                <a16:creationId xmlns:a16="http://schemas.microsoft.com/office/drawing/2014/main" id="{8B12B1D1-CA95-4E3A-BCA5-2588F062412A}"/>
               </a:ext>
             </a:extLst>
           </p:cNvPr>
@@ -18852,47 +16583,6 @@
           <a:xfrm>
             <a:off x="2011333" y="2108779"/>
             <a:ext cx="8169333" cy="4596851"/>
-          </a:xfrm>
-          <a:prstGeom prst="rect">
-            <a:avLst/>
-          </a:prstGeom>
-          <a:noFill/>
-          <a:extLst>
-            <a:ext uri="{909E8E84-426E-40DD-AFC4-6F175D3DCCD1}">
-              <a14:hiddenFill xmlns:a14="http://schemas.microsoft.com/office/drawing/2010/main">
-                <a:solidFill>
-                  <a:srgbClr val="FFFFFF"/>
-                </a:solidFill>
-              </a14:hiddenFill>
-            </a:ext>
-          </a:extLst>
-        </p:spPr>
-      </p:pic>
-      <p:pic>
-        <p:nvPicPr>
-          <p:cNvPr id="7" name="Picture 4" descr="C:\Users\rcrescenzi\OneDrive\docencia\UCEMA\ucema_logo.png"/>
-          <p:cNvPicPr>
-            <a:picLocks noChangeAspect="1" noChangeArrowheads="1"/>
-          </p:cNvPicPr>
-          <p:nvPr/>
-        </p:nvPicPr>
-        <p:blipFill>
-          <a:blip r:embed="rId5" cstate="print">
-            <a:extLst>
-              <a:ext uri="{28A0092B-C50C-407E-A947-70E740481C1C}">
-                <a14:useLocalDpi xmlns:a14="http://schemas.microsoft.com/office/drawing/2010/main" val="0"/>
-              </a:ext>
-            </a:extLst>
-          </a:blip>
-          <a:srcRect/>
-          <a:stretch>
-            <a:fillRect/>
-          </a:stretch>
-        </p:blipFill>
-        <p:spPr bwMode="auto">
-          <a:xfrm>
-            <a:off x="8461829" y="-149930"/>
-            <a:ext cx="3672116" cy="1344437"/>
           </a:xfrm>
           <a:prstGeom prst="rect">
             <a:avLst/>
@@ -18984,7 +16674,7 @@
           <p:cNvPr id="6" name="1 Rectángulo">
             <a:extLst>
               <a:ext uri="{FF2B5EF4-FFF2-40B4-BE49-F238E27FC236}">
-                <a16:creationId xmlns="" xmlns:a16="http://schemas.microsoft.com/office/drawing/2014/main" id="{44BD0C14-E986-4E36-83C4-EA36A6334937}"/>
+                <a16:creationId xmlns:a16="http://schemas.microsoft.com/office/drawing/2014/main" id="{44BD0C14-E986-4E36-83C4-EA36A6334937}"/>
               </a:ext>
             </a:extLst>
           </p:cNvPr>
@@ -19009,7 +16699,6 @@
           <a:ln>
             <a:noFill/>
           </a:ln>
-          <a:extLst/>
         </p:spPr>
         <p:txBody>
           <a:bodyPr anchor="ctr"/>
@@ -19175,7 +16864,7 @@
                 <a:hlinkClick r:id="rId4">
                   <a:extLst>
                     <a:ext uri="{A12FA001-AC4F-418D-AE19-62706E023703}">
-                      <ahyp:hlinkClr xmlns="" xmlns:ahyp="http://schemas.microsoft.com/office/drawing/2018/hyperlinkcolor" val="tx"/>
+                      <ahyp:hlinkClr xmlns:ahyp="http://schemas.microsoft.com/office/drawing/2018/hyperlinkcolor" val="tx"/>
                     </a:ext>
                   </a:extLst>
                 </a:hlinkClick>
@@ -19211,7 +16900,7 @@
                 <a:hlinkClick r:id="rId5">
                   <a:extLst>
                     <a:ext uri="{A12FA001-AC4F-418D-AE19-62706E023703}">
-                      <ahyp:hlinkClr xmlns="" xmlns:ahyp="http://schemas.microsoft.com/office/drawing/2018/hyperlinkcolor" val="tx"/>
+                      <ahyp:hlinkClr xmlns:ahyp="http://schemas.microsoft.com/office/drawing/2018/hyperlinkcolor" val="tx"/>
                     </a:ext>
                   </a:extLst>
                 </a:hlinkClick>
@@ -19247,7 +16936,7 @@
                 <a:hlinkClick r:id="rId6">
                   <a:extLst>
                     <a:ext uri="{A12FA001-AC4F-418D-AE19-62706E023703}">
-                      <ahyp:hlinkClr xmlns="" xmlns:ahyp="http://schemas.microsoft.com/office/drawing/2018/hyperlinkcolor" val="tx"/>
+                      <ahyp:hlinkClr xmlns:ahyp="http://schemas.microsoft.com/office/drawing/2018/hyperlinkcolor" val="tx"/>
                     </a:ext>
                   </a:extLst>
                 </a:hlinkClick>
@@ -19282,7 +16971,7 @@
                 <a:hlinkClick r:id="rId7">
                   <a:extLst>
                     <a:ext uri="{A12FA001-AC4F-418D-AE19-62706E023703}">
-                      <ahyp:hlinkClr xmlns="" xmlns:ahyp="http://schemas.microsoft.com/office/drawing/2018/hyperlinkcolor" val="tx"/>
+                      <ahyp:hlinkClr xmlns:ahyp="http://schemas.microsoft.com/office/drawing/2018/hyperlinkcolor" val="tx"/>
                     </a:ext>
                   </a:extLst>
                 </a:hlinkClick>
@@ -19296,47 +16985,6 @@
           </a:p>
         </p:txBody>
       </p:sp>
-      <p:pic>
-        <p:nvPicPr>
-          <p:cNvPr id="4" name="Picture 4" descr="C:\Users\rcrescenzi\OneDrive\docencia\UCEMA\ucema_logo.png"/>
-          <p:cNvPicPr>
-            <a:picLocks noChangeAspect="1" noChangeArrowheads="1"/>
-          </p:cNvPicPr>
-          <p:nvPr/>
-        </p:nvPicPr>
-        <p:blipFill>
-          <a:blip r:embed="rId8" cstate="print">
-            <a:extLst>
-              <a:ext uri="{28A0092B-C50C-407E-A947-70E740481C1C}">
-                <a14:useLocalDpi xmlns:a14="http://schemas.microsoft.com/office/drawing/2010/main" val="0"/>
-              </a:ext>
-            </a:extLst>
-          </a:blip>
-          <a:srcRect/>
-          <a:stretch>
-            <a:fillRect/>
-          </a:stretch>
-        </p:blipFill>
-        <p:spPr bwMode="auto">
-          <a:xfrm>
-            <a:off x="8461829" y="-149930"/>
-            <a:ext cx="3672116" cy="1344437"/>
-          </a:xfrm>
-          <a:prstGeom prst="rect">
-            <a:avLst/>
-          </a:prstGeom>
-          <a:noFill/>
-          <a:extLst>
-            <a:ext uri="{909E8E84-426E-40DD-AFC4-6F175D3DCCD1}">
-              <a14:hiddenFill xmlns:a14="http://schemas.microsoft.com/office/drawing/2010/main">
-                <a:solidFill>
-                  <a:srgbClr val="FFFFFF"/>
-                </a:solidFill>
-              </a14:hiddenFill>
-            </a:ext>
-          </a:extLst>
-        </p:spPr>
-      </p:pic>
     </p:spTree>
     <p:extLst>
       <p:ext uri="{BB962C8B-B14F-4D97-AF65-F5344CB8AC3E}">
@@ -19412,7 +17060,7 @@
           <p:cNvPr id="4" name="1 Rectángulo">
             <a:extLst>
               <a:ext uri="{FF2B5EF4-FFF2-40B4-BE49-F238E27FC236}">
-                <a16:creationId xmlns="" xmlns:a16="http://schemas.microsoft.com/office/drawing/2014/main" id="{47BF13C9-597F-4101-B226-A0C8AB06CB95}"/>
+                <a16:creationId xmlns:a16="http://schemas.microsoft.com/office/drawing/2014/main" id="{47BF13C9-597F-4101-B226-A0C8AB06CB95}"/>
               </a:ext>
             </a:extLst>
           </p:cNvPr>
@@ -19437,7 +17085,6 @@
           <a:ln>
             <a:noFill/>
           </a:ln>
-          <a:extLst/>
         </p:spPr>
         <p:txBody>
           <a:bodyPr anchor="ctr"/>
@@ -19460,18 +17107,11 @@
               <a:defRPr/>
             </a:pPr>
             <a:r>
-              <a:rPr lang="es-AR" altLang="es-AR" sz="3600" b="1" dirty="0" smtClean="0">
-                <a:latin typeface="Arial" panose="020B0604020202020204" pitchFamily="34" charset="0"/>
-                <a:ea typeface="Microsoft YaHei" panose="020B0503020204020204" pitchFamily="34" charset="-122"/>
-              </a:rPr>
-              <a:t>Operaciones </a:t>
-            </a:r>
-            <a:r>
               <a:rPr lang="es-AR" altLang="es-AR" sz="3600" b="1" dirty="0">
                 <a:latin typeface="Arial" panose="020B0604020202020204" pitchFamily="34" charset="0"/>
                 <a:ea typeface="Microsoft YaHei" panose="020B0503020204020204" pitchFamily="34" charset="-122"/>
               </a:rPr>
-              <a:t>Con Caras</a:t>
+              <a:t>Operaciones Con Caras</a:t>
             </a:r>
             <a:endParaRPr lang="es-AR" altLang="es-AR" sz="3600" b="1" dirty="0">
               <a:latin typeface="Arial" panose="020B0604020202020204" pitchFamily="34" charset="0"/>
@@ -19486,7 +17126,7 @@
           <p:cNvPr id="5" name="1 Rectángulo">
             <a:extLst>
               <a:ext uri="{FF2B5EF4-FFF2-40B4-BE49-F238E27FC236}">
-                <a16:creationId xmlns="" xmlns:a16="http://schemas.microsoft.com/office/drawing/2014/main" id="{EC9A45E1-1B10-4959-A23C-8023AD14133C}"/>
+                <a16:creationId xmlns:a16="http://schemas.microsoft.com/office/drawing/2014/main" id="{EC9A45E1-1B10-4959-A23C-8023AD14133C}"/>
               </a:ext>
             </a:extLst>
           </p:cNvPr>
@@ -19511,7 +17151,6 @@
           <a:ln>
             <a:noFill/>
           </a:ln>
-          <a:extLst/>
         </p:spPr>
         <p:txBody>
           <a:bodyPr anchor="ctr"/>
@@ -19543,7 +17182,7 @@
           <p:cNvPr id="7" name="Picture 4" descr="Resultado de imagen para deep learning generative models">
             <a:extLst>
               <a:ext uri="{FF2B5EF4-FFF2-40B4-BE49-F238E27FC236}">
-                <a16:creationId xmlns="" xmlns:a16="http://schemas.microsoft.com/office/drawing/2014/main" id="{5E5D44BD-CB4C-4755-8D90-ECB43E74E680}"/>
+                <a16:creationId xmlns:a16="http://schemas.microsoft.com/office/drawing/2014/main" id="{5E5D44BD-CB4C-4755-8D90-ECB43E74E680}"/>
               </a:ext>
             </a:extLst>
           </p:cNvPr>
@@ -19567,47 +17206,6 @@
           <a:xfrm>
             <a:off x="1413255" y="2196039"/>
             <a:ext cx="9365489" cy="4536831"/>
-          </a:xfrm>
-          <a:prstGeom prst="rect">
-            <a:avLst/>
-          </a:prstGeom>
-          <a:noFill/>
-          <a:extLst>
-            <a:ext uri="{909E8E84-426E-40DD-AFC4-6F175D3DCCD1}">
-              <a14:hiddenFill xmlns:a14="http://schemas.microsoft.com/office/drawing/2010/main">
-                <a:solidFill>
-                  <a:srgbClr val="FFFFFF"/>
-                </a:solidFill>
-              </a14:hiddenFill>
-            </a:ext>
-          </a:extLst>
-        </p:spPr>
-      </p:pic>
-      <p:pic>
-        <p:nvPicPr>
-          <p:cNvPr id="6" name="Picture 4" descr="C:\Users\rcrescenzi\OneDrive\docencia\UCEMA\ucema_logo.png"/>
-          <p:cNvPicPr>
-            <a:picLocks noChangeAspect="1" noChangeArrowheads="1"/>
-          </p:cNvPicPr>
-          <p:nvPr/>
-        </p:nvPicPr>
-        <p:blipFill>
-          <a:blip r:embed="rId5" cstate="print">
-            <a:extLst>
-              <a:ext uri="{28A0092B-C50C-407E-A947-70E740481C1C}">
-                <a14:useLocalDpi xmlns:a14="http://schemas.microsoft.com/office/drawing/2010/main" val="0"/>
-              </a:ext>
-            </a:extLst>
-          </a:blip>
-          <a:srcRect/>
-          <a:stretch>
-            <a:fillRect/>
-          </a:stretch>
-        </p:blipFill>
-        <p:spPr bwMode="auto">
-          <a:xfrm>
-            <a:off x="8461829" y="-149930"/>
-            <a:ext cx="3672116" cy="1344437"/>
           </a:xfrm>
           <a:prstGeom prst="rect">
             <a:avLst/>
@@ -19699,7 +17297,7 @@
           <p:cNvPr id="4" name="1 Rectángulo">
             <a:extLst>
               <a:ext uri="{FF2B5EF4-FFF2-40B4-BE49-F238E27FC236}">
-                <a16:creationId xmlns="" xmlns:a16="http://schemas.microsoft.com/office/drawing/2014/main" id="{47BF13C9-597F-4101-B226-A0C8AB06CB95}"/>
+                <a16:creationId xmlns:a16="http://schemas.microsoft.com/office/drawing/2014/main" id="{47BF13C9-597F-4101-B226-A0C8AB06CB95}"/>
               </a:ext>
             </a:extLst>
           </p:cNvPr>
@@ -19724,7 +17322,6 @@
           <a:ln>
             <a:noFill/>
           </a:ln>
-          <a:extLst/>
         </p:spPr>
         <p:txBody>
           <a:bodyPr anchor="ctr"/>
@@ -19747,18 +17344,11 @@
               <a:defRPr/>
             </a:pPr>
             <a:r>
-              <a:rPr lang="es-AR" altLang="es-AR" sz="3600" b="1" dirty="0" smtClean="0">
-                <a:latin typeface="Arial" panose="020B0604020202020204" pitchFamily="34" charset="0"/>
-                <a:ea typeface="Microsoft YaHei" panose="020B0503020204020204" pitchFamily="34" charset="-122"/>
-              </a:rPr>
-              <a:t>Transferencia </a:t>
-            </a:r>
-            <a:r>
               <a:rPr lang="es-AR" altLang="es-AR" sz="3600" b="1" dirty="0">
                 <a:latin typeface="Arial" panose="020B0604020202020204" pitchFamily="34" charset="0"/>
                 <a:ea typeface="Microsoft YaHei" panose="020B0503020204020204" pitchFamily="34" charset="-122"/>
               </a:rPr>
-              <a:t>de Estilo</a:t>
+              <a:t>Transferencia de Estilo</a:t>
             </a:r>
             <a:endParaRPr lang="es-AR" altLang="es-AR" sz="3600" b="1" dirty="0">
               <a:latin typeface="Arial" panose="020B0604020202020204" pitchFamily="34" charset="0"/>
@@ -19773,7 +17363,7 @@
           <p:cNvPr id="5" name="1 Rectángulo">
             <a:extLst>
               <a:ext uri="{FF2B5EF4-FFF2-40B4-BE49-F238E27FC236}">
-                <a16:creationId xmlns="" xmlns:a16="http://schemas.microsoft.com/office/drawing/2014/main" id="{EC9A45E1-1B10-4959-A23C-8023AD14133C}"/>
+                <a16:creationId xmlns:a16="http://schemas.microsoft.com/office/drawing/2014/main" id="{EC9A45E1-1B10-4959-A23C-8023AD14133C}"/>
               </a:ext>
             </a:extLst>
           </p:cNvPr>
@@ -19798,7 +17388,6 @@
           <a:ln>
             <a:noFill/>
           </a:ln>
-          <a:extLst/>
         </p:spPr>
         <p:txBody>
           <a:bodyPr anchor="ctr"/>
@@ -19830,7 +17419,7 @@
           <p:cNvPr id="6" name="Picture 2" descr="http://www.kdnuggets.com/wp-content/uploads/computer-deep-learning-algorithm-painting-masters-fb__700.jpg">
             <a:extLst>
               <a:ext uri="{FF2B5EF4-FFF2-40B4-BE49-F238E27FC236}">
-                <a16:creationId xmlns="" xmlns:a16="http://schemas.microsoft.com/office/drawing/2014/main" id="{DE9A3BEF-42CD-4C36-A236-39278E8A4048}"/>
+                <a16:creationId xmlns:a16="http://schemas.microsoft.com/office/drawing/2014/main" id="{DE9A3BEF-42CD-4C36-A236-39278E8A4048}"/>
               </a:ext>
             </a:extLst>
           </p:cNvPr>
@@ -19856,47 +17445,6 @@
           <a:xfrm>
             <a:off x="1639213" y="2187288"/>
             <a:ext cx="8913572" cy="4670711"/>
-          </a:xfrm>
-          <a:prstGeom prst="rect">
-            <a:avLst/>
-          </a:prstGeom>
-          <a:noFill/>
-          <a:extLst>
-            <a:ext uri="{909E8E84-426E-40DD-AFC4-6F175D3DCCD1}">
-              <a14:hiddenFill xmlns:a14="http://schemas.microsoft.com/office/drawing/2010/main">
-                <a:solidFill>
-                  <a:srgbClr val="FFFFFF"/>
-                </a:solidFill>
-              </a14:hiddenFill>
-            </a:ext>
-          </a:extLst>
-        </p:spPr>
-      </p:pic>
-      <p:pic>
-        <p:nvPicPr>
-          <p:cNvPr id="7" name="Picture 4" descr="C:\Users\rcrescenzi\OneDrive\docencia\UCEMA\ucema_logo.png"/>
-          <p:cNvPicPr>
-            <a:picLocks noChangeAspect="1" noChangeArrowheads="1"/>
-          </p:cNvPicPr>
-          <p:nvPr/>
-        </p:nvPicPr>
-        <p:blipFill>
-          <a:blip r:embed="rId5" cstate="print">
-            <a:extLst>
-              <a:ext uri="{28A0092B-C50C-407E-A947-70E740481C1C}">
-                <a14:useLocalDpi xmlns:a14="http://schemas.microsoft.com/office/drawing/2010/main" val="0"/>
-              </a:ext>
-            </a:extLst>
-          </a:blip>
-          <a:srcRect/>
-          <a:stretch>
-            <a:fillRect/>
-          </a:stretch>
-        </p:blipFill>
-        <p:spPr bwMode="auto">
-          <a:xfrm>
-            <a:off x="8461829" y="-149930"/>
-            <a:ext cx="3672116" cy="1344437"/>
           </a:xfrm>
           <a:prstGeom prst="rect">
             <a:avLst/>
@@ -20091,60 +17639,6 @@
           </a:p>
         </p:txBody>
       </p:sp>
-      <p:pic>
-        <p:nvPicPr>
-          <p:cNvPr id="9220" name="Picture 5" descr="C:\Users\Ale\Desktop\Andre\Austral\2017-12-27\Logo-Ingenieria-H-01.png"/>
-          <p:cNvPicPr>
-            <a:picLocks noChangeAspect="1" noChangeArrowheads="1"/>
-          </p:cNvPicPr>
-          <p:nvPr/>
-        </p:nvPicPr>
-        <p:blipFill>
-          <a:blip r:embed="rId4">
-            <a:extLst>
-              <a:ext uri="{28A0092B-C50C-407E-A947-70E740481C1C}">
-                <a14:useLocalDpi xmlns:a14="http://schemas.microsoft.com/office/drawing/2010/main" val="0"/>
-              </a:ext>
-            </a:extLst>
-          </a:blip>
-          <a:srcRect/>
-          <a:stretch>
-            <a:fillRect/>
-          </a:stretch>
-        </p:blipFill>
-        <p:spPr bwMode="auto">
-          <a:xfrm>
-            <a:off x="8401051" y="260351"/>
-            <a:ext cx="3507316" cy="670983"/>
-          </a:xfrm>
-          <a:prstGeom prst="rect">
-            <a:avLst/>
-          </a:prstGeom>
-          <a:noFill/>
-          <a:ln>
-            <a:noFill/>
-          </a:ln>
-          <a:extLst>
-            <a:ext uri="{909E8E84-426E-40DD-AFC4-6F175D3DCCD1}">
-              <a14:hiddenFill xmlns:a14="http://schemas.microsoft.com/office/drawing/2010/main">
-                <a:solidFill>
-                  <a:srgbClr val="FFFFFF"/>
-                </a:solidFill>
-              </a14:hiddenFill>
-            </a:ext>
-            <a:ext uri="{91240B29-F687-4F45-9708-019B960494DF}">
-              <a14:hiddenLine xmlns:a14="http://schemas.microsoft.com/office/drawing/2010/main" w="9525">
-                <a:solidFill>
-                  <a:srgbClr val="000000"/>
-                </a:solidFill>
-                <a:miter lim="800000"/>
-                <a:headEnd/>
-                <a:tailEnd/>
-              </a14:hiddenLine>
-            </a:ext>
-          </a:extLst>
-        </p:spPr>
-      </p:pic>
     </p:spTree>
     <p:extLst>
       <p:ext uri="{BB962C8B-B14F-4D97-AF65-F5344CB8AC3E}">
@@ -20220,7 +17714,7 @@
           <p:cNvPr id="4" name="1 Rectángulo">
             <a:extLst>
               <a:ext uri="{FF2B5EF4-FFF2-40B4-BE49-F238E27FC236}">
-                <a16:creationId xmlns="" xmlns:a16="http://schemas.microsoft.com/office/drawing/2014/main" id="{47BF13C9-597F-4101-B226-A0C8AB06CB95}"/>
+                <a16:creationId xmlns:a16="http://schemas.microsoft.com/office/drawing/2014/main" id="{47BF13C9-597F-4101-B226-A0C8AB06CB95}"/>
               </a:ext>
             </a:extLst>
           </p:cNvPr>
@@ -20245,7 +17739,6 @@
           <a:ln>
             <a:noFill/>
           </a:ln>
-          <a:extLst/>
         </p:spPr>
         <p:txBody>
           <a:bodyPr anchor="ctr"/>
@@ -20297,7 +17790,7 @@
           <p:cNvPr id="5" name="1 Rectángulo">
             <a:extLst>
               <a:ext uri="{FF2B5EF4-FFF2-40B4-BE49-F238E27FC236}">
-                <a16:creationId xmlns="" xmlns:a16="http://schemas.microsoft.com/office/drawing/2014/main" id="{EC9A45E1-1B10-4959-A23C-8023AD14133C}"/>
+                <a16:creationId xmlns:a16="http://schemas.microsoft.com/office/drawing/2014/main" id="{EC9A45E1-1B10-4959-A23C-8023AD14133C}"/>
               </a:ext>
             </a:extLst>
           </p:cNvPr>
@@ -20322,7 +17815,6 @@
           <a:ln>
             <a:noFill/>
           </a:ln>
-          <a:extLst/>
         </p:spPr>
         <p:txBody>
           <a:bodyPr anchor="ctr"/>
@@ -20352,47 +17844,6 @@
           </a:p>
         </p:txBody>
       </p:sp>
-      <p:pic>
-        <p:nvPicPr>
-          <p:cNvPr id="6" name="Picture 4" descr="C:\Users\rcrescenzi\OneDrive\docencia\UCEMA\ucema_logo.png"/>
-          <p:cNvPicPr>
-            <a:picLocks noChangeAspect="1" noChangeArrowheads="1"/>
-          </p:cNvPicPr>
-          <p:nvPr/>
-        </p:nvPicPr>
-        <p:blipFill>
-          <a:blip r:embed="rId4" cstate="print">
-            <a:extLst>
-              <a:ext uri="{28A0092B-C50C-407E-A947-70E740481C1C}">
-                <a14:useLocalDpi xmlns:a14="http://schemas.microsoft.com/office/drawing/2010/main" val="0"/>
-              </a:ext>
-            </a:extLst>
-          </a:blip>
-          <a:srcRect/>
-          <a:stretch>
-            <a:fillRect/>
-          </a:stretch>
-        </p:blipFill>
-        <p:spPr bwMode="auto">
-          <a:xfrm>
-            <a:off x="8461829" y="-149930"/>
-            <a:ext cx="3672116" cy="1344437"/>
-          </a:xfrm>
-          <a:prstGeom prst="rect">
-            <a:avLst/>
-          </a:prstGeom>
-          <a:noFill/>
-          <a:extLst>
-            <a:ext uri="{909E8E84-426E-40DD-AFC4-6F175D3DCCD1}">
-              <a14:hiddenFill xmlns:a14="http://schemas.microsoft.com/office/drawing/2010/main">
-                <a:solidFill>
-                  <a:srgbClr val="FFFFFF"/>
-                </a:solidFill>
-              </a14:hiddenFill>
-            </a:ext>
-          </a:extLst>
-        </p:spPr>
-      </p:pic>
     </p:spTree>
     <p:extLst>
       <p:ext uri="{BB962C8B-B14F-4D97-AF65-F5344CB8AC3E}">
@@ -20468,7 +17919,7 @@
           <p:cNvPr id="4" name="1 Rectángulo">
             <a:extLst>
               <a:ext uri="{FF2B5EF4-FFF2-40B4-BE49-F238E27FC236}">
-                <a16:creationId xmlns="" xmlns:a16="http://schemas.microsoft.com/office/drawing/2014/main" id="{47BF13C9-597F-4101-B226-A0C8AB06CB95}"/>
+                <a16:creationId xmlns:a16="http://schemas.microsoft.com/office/drawing/2014/main" id="{47BF13C9-597F-4101-B226-A0C8AB06CB95}"/>
               </a:ext>
             </a:extLst>
           </p:cNvPr>
@@ -20493,7 +17944,6 @@
           <a:ln>
             <a:noFill/>
           </a:ln>
-          <a:extLst/>
         </p:spPr>
         <p:txBody>
           <a:bodyPr anchor="ctr"/>
@@ -20519,7 +17969,7 @@
               <a:defRPr/>
             </a:pPr>
             <a:r>
-              <a:rPr kumimoji="0" lang="es-AR" altLang="es-AR" sz="3600" b="1" i="0" u="none" strike="noStrike" kern="1200" cap="none" spc="0" normalizeH="0" baseline="0" noProof="0" dirty="0" err="1" smtClean="0">
+              <a:rPr kumimoji="0" lang="es-AR" altLang="es-AR" sz="3600" b="1" i="0" u="none" strike="noStrike" kern="1200" cap="none" spc="0" normalizeH="0" baseline="0" noProof="0" dirty="0" err="1">
                 <a:ln>
                   <a:noFill/>
                 </a:ln>
@@ -20545,7 +17995,7 @@
           <p:cNvPr id="5" name="1 Rectángulo">
             <a:extLst>
               <a:ext uri="{FF2B5EF4-FFF2-40B4-BE49-F238E27FC236}">
-                <a16:creationId xmlns="" xmlns:a16="http://schemas.microsoft.com/office/drawing/2014/main" id="{EC9A45E1-1B10-4959-A23C-8023AD14133C}"/>
+                <a16:creationId xmlns:a16="http://schemas.microsoft.com/office/drawing/2014/main" id="{EC9A45E1-1B10-4959-A23C-8023AD14133C}"/>
               </a:ext>
             </a:extLst>
           </p:cNvPr>
@@ -20570,7 +18020,6 @@
           <a:ln>
             <a:noFill/>
           </a:ln>
-          <a:extLst/>
         </p:spPr>
         <p:txBody>
           <a:bodyPr anchor="ctr"/>
@@ -20583,62 +18032,16 @@
               <a:buSzPct val="130000"/>
             </a:pPr>
             <a:r>
-              <a:rPr lang="es-ES" altLang="es-AR" sz="3200" dirty="0" smtClean="0">
+              <a:rPr lang="es-ES" altLang="es-AR" sz="3200" dirty="0">
                 <a:latin typeface="Arial" panose="020B0604020202020204" pitchFamily="34" charset="0"/>
                 <a:ea typeface="Microsoft YaHei" panose="020B0503020204020204" pitchFamily="34" charset="-122"/>
                 <a:cs typeface="Arial"/>
               </a:rPr>
               <a:t>Hallar grupos de objetos tal que los objetos en un grupo sean similares entre si (o relacionados) y diferentes (o no relacionados) a los objetos en otros grupos.</a:t>
             </a:r>
-            <a:endParaRPr lang="es-ES" altLang="es-AR" sz="3200" dirty="0">
-              <a:latin typeface="Arial" panose="020B0604020202020204" pitchFamily="34" charset="0"/>
-              <a:ea typeface="Microsoft YaHei" panose="020B0503020204020204" pitchFamily="34" charset="-122"/>
-              <a:cs typeface="Arial"/>
-            </a:endParaRPr>
           </a:p>
         </p:txBody>
       </p:sp>
-      <p:pic>
-        <p:nvPicPr>
-          <p:cNvPr id="6" name="Picture 4" descr="C:\Users\rcrescenzi\OneDrive\docencia\UCEMA\ucema_logo.png"/>
-          <p:cNvPicPr>
-            <a:picLocks noChangeAspect="1" noChangeArrowheads="1"/>
-          </p:cNvPicPr>
-          <p:nvPr/>
-        </p:nvPicPr>
-        <p:blipFill>
-          <a:blip r:embed="rId4" cstate="print">
-            <a:extLst>
-              <a:ext uri="{28A0092B-C50C-407E-A947-70E740481C1C}">
-                <a14:useLocalDpi xmlns:a14="http://schemas.microsoft.com/office/drawing/2010/main" val="0"/>
-              </a:ext>
-            </a:extLst>
-          </a:blip>
-          <a:srcRect/>
-          <a:stretch>
-            <a:fillRect/>
-          </a:stretch>
-        </p:blipFill>
-        <p:spPr bwMode="auto">
-          <a:xfrm>
-            <a:off x="8461829" y="-149930"/>
-            <a:ext cx="3672116" cy="1344437"/>
-          </a:xfrm>
-          <a:prstGeom prst="rect">
-            <a:avLst/>
-          </a:prstGeom>
-          <a:noFill/>
-          <a:extLst>
-            <a:ext uri="{909E8E84-426E-40DD-AFC4-6F175D3DCCD1}">
-              <a14:hiddenFill xmlns:a14="http://schemas.microsoft.com/office/drawing/2010/main">
-                <a:solidFill>
-                  <a:srgbClr val="FFFFFF"/>
-                </a:solidFill>
-              </a14:hiddenFill>
-            </a:ext>
-          </a:extLst>
-        </p:spPr>
-      </p:pic>
     </p:spTree>
     <p:extLst>
       <p:ext uri="{BB962C8B-B14F-4D97-AF65-F5344CB8AC3E}">
@@ -20714,7 +18117,7 @@
           <p:cNvPr id="4" name="1 Rectángulo">
             <a:extLst>
               <a:ext uri="{FF2B5EF4-FFF2-40B4-BE49-F238E27FC236}">
-                <a16:creationId xmlns="" xmlns:a16="http://schemas.microsoft.com/office/drawing/2014/main" id="{47BF13C9-597F-4101-B226-A0C8AB06CB95}"/>
+                <a16:creationId xmlns:a16="http://schemas.microsoft.com/office/drawing/2014/main" id="{47BF13C9-597F-4101-B226-A0C8AB06CB95}"/>
               </a:ext>
             </a:extLst>
           </p:cNvPr>
@@ -20739,7 +18142,6 @@
           <a:ln>
             <a:noFill/>
           </a:ln>
-          <a:extLst/>
         </p:spPr>
         <p:txBody>
           <a:bodyPr anchor="ctr"/>
@@ -20765,7 +18167,7 @@
               <a:defRPr/>
             </a:pPr>
             <a:r>
-              <a:rPr kumimoji="0" lang="es-AR" altLang="es-AR" sz="3600" b="1" i="0" u="none" strike="noStrike" kern="1200" cap="none" spc="0" normalizeH="0" baseline="0" noProof="0" dirty="0" err="1" smtClean="0">
+              <a:rPr kumimoji="0" lang="es-AR" altLang="es-AR" sz="3600" b="1" i="0" u="none" strike="noStrike" kern="1200" cap="none" spc="0" normalizeH="0" baseline="0" noProof="0" dirty="0" err="1">
                 <a:ln>
                   <a:noFill/>
                 </a:ln>
@@ -20791,7 +18193,7 @@
           <p:cNvPr id="5" name="1 Rectángulo">
             <a:extLst>
               <a:ext uri="{FF2B5EF4-FFF2-40B4-BE49-F238E27FC236}">
-                <a16:creationId xmlns="" xmlns:a16="http://schemas.microsoft.com/office/drawing/2014/main" id="{EC9A45E1-1B10-4959-A23C-8023AD14133C}"/>
+                <a16:creationId xmlns:a16="http://schemas.microsoft.com/office/drawing/2014/main" id="{EC9A45E1-1B10-4959-A23C-8023AD14133C}"/>
               </a:ext>
             </a:extLst>
           </p:cNvPr>
@@ -20816,7 +18218,6 @@
           <a:ln>
             <a:noFill/>
           </a:ln>
-          <a:extLst/>
         </p:spPr>
         <p:txBody>
           <a:bodyPr anchor="ctr"/>
@@ -20841,7 +18242,7 @@
           <p:cNvPr id="6" name="Group 4">
             <a:extLst>
               <a:ext uri="{FF2B5EF4-FFF2-40B4-BE49-F238E27FC236}">
-                <a16:creationId xmlns="" xmlns:a16="http://schemas.microsoft.com/office/drawing/2014/main" id="{BC644404-43C7-464C-99B4-4DCDE5024343}"/>
+                <a16:creationId xmlns:a16="http://schemas.microsoft.com/office/drawing/2014/main" id="{BC644404-43C7-464C-99B4-4DCDE5024343}"/>
               </a:ext>
             </a:extLst>
           </p:cNvPr>
@@ -20863,7 +18264,7 @@
             <p:cNvPr id="7" name="Line 5">
               <a:extLst>
                 <a:ext uri="{FF2B5EF4-FFF2-40B4-BE49-F238E27FC236}">
-                  <a16:creationId xmlns="" xmlns:a16="http://schemas.microsoft.com/office/drawing/2014/main" id="{8904127B-0A53-4ED4-9361-64391EE45C28}"/>
+                  <a16:creationId xmlns:a16="http://schemas.microsoft.com/office/drawing/2014/main" id="{8904127B-0A53-4ED4-9361-64391EE45C28}"/>
                 </a:ext>
               </a:extLst>
             </p:cNvPr>
@@ -20910,7 +18311,7 @@
             <p:cNvPr id="8" name="Line 6">
               <a:extLst>
                 <a:ext uri="{FF2B5EF4-FFF2-40B4-BE49-F238E27FC236}">
-                  <a16:creationId xmlns="" xmlns:a16="http://schemas.microsoft.com/office/drawing/2014/main" id="{5AA5B337-DD9E-4EFE-813D-60F763B57BA9}"/>
+                  <a16:creationId xmlns:a16="http://schemas.microsoft.com/office/drawing/2014/main" id="{5AA5B337-DD9E-4EFE-813D-60F763B57BA9}"/>
                 </a:ext>
               </a:extLst>
             </p:cNvPr>
@@ -20957,7 +18358,7 @@
             <p:cNvPr id="9" name="Freeform 7">
               <a:extLst>
                 <a:ext uri="{FF2B5EF4-FFF2-40B4-BE49-F238E27FC236}">
-                  <a16:creationId xmlns="" xmlns:a16="http://schemas.microsoft.com/office/drawing/2014/main" id="{82684009-66DA-4990-BEDA-53A20834704C}"/>
+                  <a16:creationId xmlns:a16="http://schemas.microsoft.com/office/drawing/2014/main" id="{82684009-66DA-4990-BEDA-53A20834704C}"/>
                 </a:ext>
               </a:extLst>
             </p:cNvPr>
@@ -21038,7 +18439,7 @@
             <p:cNvPr id="10" name="AutoShape 8">
               <a:extLst>
                 <a:ext uri="{FF2B5EF4-FFF2-40B4-BE49-F238E27FC236}">
-                  <a16:creationId xmlns="" xmlns:a16="http://schemas.microsoft.com/office/drawing/2014/main" id="{49A612C5-F0E5-4B45-8E25-796F468C6AC6}"/>
+                  <a16:creationId xmlns:a16="http://schemas.microsoft.com/office/drawing/2014/main" id="{49A612C5-F0E5-4B45-8E25-796F468C6AC6}"/>
                 </a:ext>
               </a:extLst>
             </p:cNvPr>
@@ -21180,7 +18581,7 @@
             <p:cNvPr id="11" name="AutoShape 9">
               <a:extLst>
                 <a:ext uri="{FF2B5EF4-FFF2-40B4-BE49-F238E27FC236}">
-                  <a16:creationId xmlns="" xmlns:a16="http://schemas.microsoft.com/office/drawing/2014/main" id="{38A335F0-8716-46AB-A609-CFAAEEAB19F6}"/>
+                  <a16:creationId xmlns:a16="http://schemas.microsoft.com/office/drawing/2014/main" id="{38A335F0-8716-46AB-A609-CFAAEEAB19F6}"/>
                 </a:ext>
               </a:extLst>
             </p:cNvPr>
@@ -21322,7 +18723,7 @@
             <p:cNvPr id="12" name="AutoShape 10">
               <a:extLst>
                 <a:ext uri="{FF2B5EF4-FFF2-40B4-BE49-F238E27FC236}">
-                  <a16:creationId xmlns="" xmlns:a16="http://schemas.microsoft.com/office/drawing/2014/main" id="{20B8C520-02AA-468D-937A-42FB5E58C734}"/>
+                  <a16:creationId xmlns:a16="http://schemas.microsoft.com/office/drawing/2014/main" id="{20B8C520-02AA-468D-937A-42FB5E58C734}"/>
                 </a:ext>
               </a:extLst>
             </p:cNvPr>
@@ -21464,7 +18865,7 @@
             <p:cNvPr id="13" name="AutoShape 11">
               <a:extLst>
                 <a:ext uri="{FF2B5EF4-FFF2-40B4-BE49-F238E27FC236}">
-                  <a16:creationId xmlns="" xmlns:a16="http://schemas.microsoft.com/office/drawing/2014/main" id="{C91C1FEA-15D3-4819-A613-AC9F48F52D02}"/>
+                  <a16:creationId xmlns:a16="http://schemas.microsoft.com/office/drawing/2014/main" id="{C91C1FEA-15D3-4819-A613-AC9F48F52D02}"/>
                 </a:ext>
               </a:extLst>
             </p:cNvPr>
@@ -21606,7 +19007,7 @@
             <p:cNvPr id="14" name="AutoShape 12">
               <a:extLst>
                 <a:ext uri="{FF2B5EF4-FFF2-40B4-BE49-F238E27FC236}">
-                  <a16:creationId xmlns="" xmlns:a16="http://schemas.microsoft.com/office/drawing/2014/main" id="{D5B93E83-1C8F-441E-8A44-C73D11E24D9A}"/>
+                  <a16:creationId xmlns:a16="http://schemas.microsoft.com/office/drawing/2014/main" id="{D5B93E83-1C8F-441E-8A44-C73D11E24D9A}"/>
                 </a:ext>
               </a:extLst>
             </p:cNvPr>
@@ -21748,7 +19149,7 @@
             <p:cNvPr id="15" name="AutoShape 13">
               <a:extLst>
                 <a:ext uri="{FF2B5EF4-FFF2-40B4-BE49-F238E27FC236}">
-                  <a16:creationId xmlns="" xmlns:a16="http://schemas.microsoft.com/office/drawing/2014/main" id="{C5193AF6-F720-48F0-A52F-4A30F36CEBDF}"/>
+                  <a16:creationId xmlns:a16="http://schemas.microsoft.com/office/drawing/2014/main" id="{C5193AF6-F720-48F0-A52F-4A30F36CEBDF}"/>
                 </a:ext>
               </a:extLst>
             </p:cNvPr>
@@ -21890,7 +19291,7 @@
             <p:cNvPr id="16" name="AutoShape 14">
               <a:extLst>
                 <a:ext uri="{FF2B5EF4-FFF2-40B4-BE49-F238E27FC236}">
-                  <a16:creationId xmlns="" xmlns:a16="http://schemas.microsoft.com/office/drawing/2014/main" id="{FBDD083A-6EE0-40EB-B286-FD9841F08E7F}"/>
+                  <a16:creationId xmlns:a16="http://schemas.microsoft.com/office/drawing/2014/main" id="{FBDD083A-6EE0-40EB-B286-FD9841F08E7F}"/>
                 </a:ext>
               </a:extLst>
             </p:cNvPr>
@@ -22032,7 +19433,7 @@
             <p:cNvPr id="17" name="AutoShape 15">
               <a:extLst>
                 <a:ext uri="{FF2B5EF4-FFF2-40B4-BE49-F238E27FC236}">
-                  <a16:creationId xmlns="" xmlns:a16="http://schemas.microsoft.com/office/drawing/2014/main" id="{960F98B6-B6F9-422D-8C9F-65290F0C1BE2}"/>
+                  <a16:creationId xmlns:a16="http://schemas.microsoft.com/office/drawing/2014/main" id="{960F98B6-B6F9-422D-8C9F-65290F0C1BE2}"/>
                 </a:ext>
               </a:extLst>
             </p:cNvPr>
@@ -22174,7 +19575,7 @@
             <p:cNvPr id="18" name="AutoShape 16">
               <a:extLst>
                 <a:ext uri="{FF2B5EF4-FFF2-40B4-BE49-F238E27FC236}">
-                  <a16:creationId xmlns="" xmlns:a16="http://schemas.microsoft.com/office/drawing/2014/main" id="{C276A93F-81F1-4084-9AAE-5425FDA70F06}"/>
+                  <a16:creationId xmlns:a16="http://schemas.microsoft.com/office/drawing/2014/main" id="{C276A93F-81F1-4084-9AAE-5425FDA70F06}"/>
                 </a:ext>
               </a:extLst>
             </p:cNvPr>
@@ -22316,7 +19717,7 @@
             <p:cNvPr id="19" name="AutoShape 17">
               <a:extLst>
                 <a:ext uri="{FF2B5EF4-FFF2-40B4-BE49-F238E27FC236}">
-                  <a16:creationId xmlns="" xmlns:a16="http://schemas.microsoft.com/office/drawing/2014/main" id="{6CC1F617-231C-4771-8C36-A875061A71F7}"/>
+                  <a16:creationId xmlns:a16="http://schemas.microsoft.com/office/drawing/2014/main" id="{6CC1F617-231C-4771-8C36-A875061A71F7}"/>
                 </a:ext>
               </a:extLst>
             </p:cNvPr>
@@ -22458,7 +19859,7 @@
             <p:cNvPr id="20" name="AutoShape 18">
               <a:extLst>
                 <a:ext uri="{FF2B5EF4-FFF2-40B4-BE49-F238E27FC236}">
-                  <a16:creationId xmlns="" xmlns:a16="http://schemas.microsoft.com/office/drawing/2014/main" id="{3819E418-E731-40C9-82F9-0AACB5349CBC}"/>
+                  <a16:creationId xmlns:a16="http://schemas.microsoft.com/office/drawing/2014/main" id="{3819E418-E731-40C9-82F9-0AACB5349CBC}"/>
                 </a:ext>
               </a:extLst>
             </p:cNvPr>
@@ -22600,7 +20001,7 @@
             <p:cNvPr id="21" name="AutoShape 19">
               <a:extLst>
                 <a:ext uri="{FF2B5EF4-FFF2-40B4-BE49-F238E27FC236}">
-                  <a16:creationId xmlns="" xmlns:a16="http://schemas.microsoft.com/office/drawing/2014/main" id="{8CF7D095-FD41-4A14-BE5D-89F4C36359D3}"/>
+                  <a16:creationId xmlns:a16="http://schemas.microsoft.com/office/drawing/2014/main" id="{8CF7D095-FD41-4A14-BE5D-89F4C36359D3}"/>
                 </a:ext>
               </a:extLst>
             </p:cNvPr>
@@ -22742,7 +20143,7 @@
             <p:cNvPr id="22" name="AutoShape 20">
               <a:extLst>
                 <a:ext uri="{FF2B5EF4-FFF2-40B4-BE49-F238E27FC236}">
-                  <a16:creationId xmlns="" xmlns:a16="http://schemas.microsoft.com/office/drawing/2014/main" id="{6DDD7AA9-66CB-4454-B60B-9D67BDB2A727}"/>
+                  <a16:creationId xmlns:a16="http://schemas.microsoft.com/office/drawing/2014/main" id="{6DDD7AA9-66CB-4454-B60B-9D67BDB2A727}"/>
                 </a:ext>
               </a:extLst>
             </p:cNvPr>
@@ -22884,7 +20285,7 @@
             <p:cNvPr id="23" name="AutoShape 21">
               <a:extLst>
                 <a:ext uri="{FF2B5EF4-FFF2-40B4-BE49-F238E27FC236}">
-                  <a16:creationId xmlns="" xmlns:a16="http://schemas.microsoft.com/office/drawing/2014/main" id="{E50AE2F7-D29F-47B2-AFD8-D58E88680088}"/>
+                  <a16:creationId xmlns:a16="http://schemas.microsoft.com/office/drawing/2014/main" id="{E50AE2F7-D29F-47B2-AFD8-D58E88680088}"/>
                 </a:ext>
               </a:extLst>
             </p:cNvPr>
@@ -23026,7 +20427,7 @@
             <p:cNvPr id="24" name="AutoShape 22">
               <a:extLst>
                 <a:ext uri="{FF2B5EF4-FFF2-40B4-BE49-F238E27FC236}">
-                  <a16:creationId xmlns="" xmlns:a16="http://schemas.microsoft.com/office/drawing/2014/main" id="{12CE00FC-13E3-4F09-8CFD-A78809AB5F82}"/>
+                  <a16:creationId xmlns:a16="http://schemas.microsoft.com/office/drawing/2014/main" id="{12CE00FC-13E3-4F09-8CFD-A78809AB5F82}"/>
                 </a:ext>
               </a:extLst>
             </p:cNvPr>
@@ -23168,7 +20569,7 @@
             <p:cNvPr id="25" name="AutoShape 23">
               <a:extLst>
                 <a:ext uri="{FF2B5EF4-FFF2-40B4-BE49-F238E27FC236}">
-                  <a16:creationId xmlns="" xmlns:a16="http://schemas.microsoft.com/office/drawing/2014/main" id="{586433BE-1077-40E3-8DE7-F5D80AD48681}"/>
+                  <a16:creationId xmlns:a16="http://schemas.microsoft.com/office/drawing/2014/main" id="{586433BE-1077-40E3-8DE7-F5D80AD48681}"/>
                 </a:ext>
               </a:extLst>
             </p:cNvPr>
@@ -23310,7 +20711,7 @@
             <p:cNvPr id="26" name="AutoShape 24">
               <a:extLst>
                 <a:ext uri="{FF2B5EF4-FFF2-40B4-BE49-F238E27FC236}">
-                  <a16:creationId xmlns="" xmlns:a16="http://schemas.microsoft.com/office/drawing/2014/main" id="{20C5CAAF-3116-4D41-AE29-1EB818BE512C}"/>
+                  <a16:creationId xmlns:a16="http://schemas.microsoft.com/office/drawing/2014/main" id="{20C5CAAF-3116-4D41-AE29-1EB818BE512C}"/>
                 </a:ext>
               </a:extLst>
             </p:cNvPr>
@@ -23452,7 +20853,7 @@
             <p:cNvPr id="27" name="AutoShape 25">
               <a:extLst>
                 <a:ext uri="{FF2B5EF4-FFF2-40B4-BE49-F238E27FC236}">
-                  <a16:creationId xmlns="" xmlns:a16="http://schemas.microsoft.com/office/drawing/2014/main" id="{1F19E7A0-D148-46AD-A41F-9D8044B73F3A}"/>
+                  <a16:creationId xmlns:a16="http://schemas.microsoft.com/office/drawing/2014/main" id="{1F19E7A0-D148-46AD-A41F-9D8044B73F3A}"/>
                 </a:ext>
               </a:extLst>
             </p:cNvPr>
@@ -23594,7 +20995,7 @@
             <p:cNvPr id="28" name="AutoShape 26">
               <a:extLst>
                 <a:ext uri="{FF2B5EF4-FFF2-40B4-BE49-F238E27FC236}">
-                  <a16:creationId xmlns="" xmlns:a16="http://schemas.microsoft.com/office/drawing/2014/main" id="{10C40A8C-D794-4A74-8ECB-10029B7C05B3}"/>
+                  <a16:creationId xmlns:a16="http://schemas.microsoft.com/office/drawing/2014/main" id="{10C40A8C-D794-4A74-8ECB-10029B7C05B3}"/>
                 </a:ext>
               </a:extLst>
             </p:cNvPr>
@@ -23736,7 +21137,7 @@
             <p:cNvPr id="29" name="AutoShape 27">
               <a:extLst>
                 <a:ext uri="{FF2B5EF4-FFF2-40B4-BE49-F238E27FC236}">
-                  <a16:creationId xmlns="" xmlns:a16="http://schemas.microsoft.com/office/drawing/2014/main" id="{F21DCE6B-0BA5-4132-BB5F-FB1947A4048D}"/>
+                  <a16:creationId xmlns:a16="http://schemas.microsoft.com/office/drawing/2014/main" id="{F21DCE6B-0BA5-4132-BB5F-FB1947A4048D}"/>
                 </a:ext>
               </a:extLst>
             </p:cNvPr>
@@ -23878,7 +21279,7 @@
             <p:cNvPr id="30" name="AutoShape 28">
               <a:extLst>
                 <a:ext uri="{FF2B5EF4-FFF2-40B4-BE49-F238E27FC236}">
-                  <a16:creationId xmlns="" xmlns:a16="http://schemas.microsoft.com/office/drawing/2014/main" id="{7BF9D350-1EB9-4941-9DDA-5DD5DBE4731C}"/>
+                  <a16:creationId xmlns:a16="http://schemas.microsoft.com/office/drawing/2014/main" id="{7BF9D350-1EB9-4941-9DDA-5DD5DBE4731C}"/>
                 </a:ext>
               </a:extLst>
             </p:cNvPr>
@@ -24020,7 +21421,7 @@
             <p:cNvPr id="31" name="AutoShape 29">
               <a:extLst>
                 <a:ext uri="{FF2B5EF4-FFF2-40B4-BE49-F238E27FC236}">
-                  <a16:creationId xmlns="" xmlns:a16="http://schemas.microsoft.com/office/drawing/2014/main" id="{726AB36A-BDC2-4B76-A636-7650A58554BD}"/>
+                  <a16:creationId xmlns:a16="http://schemas.microsoft.com/office/drawing/2014/main" id="{726AB36A-BDC2-4B76-A636-7650A58554BD}"/>
                 </a:ext>
               </a:extLst>
             </p:cNvPr>
@@ -24162,7 +21563,7 @@
             <p:cNvPr id="32" name="AutoShape 30">
               <a:extLst>
                 <a:ext uri="{FF2B5EF4-FFF2-40B4-BE49-F238E27FC236}">
-                  <a16:creationId xmlns="" xmlns:a16="http://schemas.microsoft.com/office/drawing/2014/main" id="{14499D9F-EC51-4012-9AE4-46FBE5ED66DA}"/>
+                  <a16:creationId xmlns:a16="http://schemas.microsoft.com/office/drawing/2014/main" id="{14499D9F-EC51-4012-9AE4-46FBE5ED66DA}"/>
                 </a:ext>
               </a:extLst>
             </p:cNvPr>
@@ -24305,7 +21706,7 @@
           <p:cNvPr id="2" name="Rectángulo 1">
             <a:extLst>
               <a:ext uri="{FF2B5EF4-FFF2-40B4-BE49-F238E27FC236}">
-                <a16:creationId xmlns="" xmlns:a16="http://schemas.microsoft.com/office/drawing/2014/main" id="{3BD3C50D-392F-4B0A-A9D7-6570BD477CDA}"/>
+                <a16:creationId xmlns:a16="http://schemas.microsoft.com/office/drawing/2014/main" id="{3BD3C50D-392F-4B0A-A9D7-6570BD477CDA}"/>
               </a:ext>
             </a:extLst>
           </p:cNvPr>
@@ -24333,7 +21734,6 @@
             <a:tailEnd type="none" w="med" len="med"/>
           </a:ln>
           <a:effectLst/>
-          <a:extLst/>
         </p:spPr>
         <p:txBody>
           <a:bodyPr vert="horz" wrap="square" lIns="91440" tIns="45720" rIns="91440" bIns="45720" numCol="1" rtlCol="0" anchor="t" anchorCtr="0" compatLnSpc="1">
@@ -24399,7 +21799,7 @@
           <p:cNvPr id="33" name="Rectángulo 32">
             <a:extLst>
               <a:ext uri="{FF2B5EF4-FFF2-40B4-BE49-F238E27FC236}">
-                <a16:creationId xmlns="" xmlns:a16="http://schemas.microsoft.com/office/drawing/2014/main" id="{41D109FB-8DFC-4E10-928A-4A50553BFA67}"/>
+                <a16:creationId xmlns:a16="http://schemas.microsoft.com/office/drawing/2014/main" id="{41D109FB-8DFC-4E10-928A-4A50553BFA67}"/>
               </a:ext>
             </a:extLst>
           </p:cNvPr>
@@ -24427,7 +21827,6 @@
             <a:tailEnd type="none" w="med" len="med"/>
           </a:ln>
           <a:effectLst/>
-          <a:extLst/>
         </p:spPr>
         <p:txBody>
           <a:bodyPr vert="horz" wrap="square" lIns="91440" tIns="45720" rIns="91440" bIns="45720" numCol="1" rtlCol="0" anchor="t" anchorCtr="0" compatLnSpc="1">
@@ -24488,47 +21887,6 @@
           </a:p>
         </p:txBody>
       </p:sp>
-      <p:pic>
-        <p:nvPicPr>
-          <p:cNvPr id="34" name="Picture 4" descr="C:\Users\rcrescenzi\OneDrive\docencia\UCEMA\ucema_logo.png"/>
-          <p:cNvPicPr>
-            <a:picLocks noChangeAspect="1" noChangeArrowheads="1"/>
-          </p:cNvPicPr>
-          <p:nvPr/>
-        </p:nvPicPr>
-        <p:blipFill>
-          <a:blip r:embed="rId4" cstate="print">
-            <a:extLst>
-              <a:ext uri="{28A0092B-C50C-407E-A947-70E740481C1C}">
-                <a14:useLocalDpi xmlns:a14="http://schemas.microsoft.com/office/drawing/2010/main" val="0"/>
-              </a:ext>
-            </a:extLst>
-          </a:blip>
-          <a:srcRect/>
-          <a:stretch>
-            <a:fillRect/>
-          </a:stretch>
-        </p:blipFill>
-        <p:spPr bwMode="auto">
-          <a:xfrm>
-            <a:off x="8461829" y="-149930"/>
-            <a:ext cx="3672116" cy="1344437"/>
-          </a:xfrm>
-          <a:prstGeom prst="rect">
-            <a:avLst/>
-          </a:prstGeom>
-          <a:noFill/>
-          <a:extLst>
-            <a:ext uri="{909E8E84-426E-40DD-AFC4-6F175D3DCCD1}">
-              <a14:hiddenFill xmlns:a14="http://schemas.microsoft.com/office/drawing/2010/main">
-                <a:solidFill>
-                  <a:srgbClr val="FFFFFF"/>
-                </a:solidFill>
-              </a14:hiddenFill>
-            </a:ext>
-          </a:extLst>
-        </p:spPr>
-      </p:pic>
     </p:spTree>
     <p:extLst>
       <p:ext uri="{BB962C8B-B14F-4D97-AF65-F5344CB8AC3E}">
@@ -24604,7 +21962,7 @@
           <p:cNvPr id="4" name="1 Rectángulo">
             <a:extLst>
               <a:ext uri="{FF2B5EF4-FFF2-40B4-BE49-F238E27FC236}">
-                <a16:creationId xmlns="" xmlns:a16="http://schemas.microsoft.com/office/drawing/2014/main" id="{47BF13C9-597F-4101-B226-A0C8AB06CB95}"/>
+                <a16:creationId xmlns:a16="http://schemas.microsoft.com/office/drawing/2014/main" id="{47BF13C9-597F-4101-B226-A0C8AB06CB95}"/>
               </a:ext>
             </a:extLst>
           </p:cNvPr>
@@ -24629,7 +21987,6 @@
           <a:ln>
             <a:noFill/>
           </a:ln>
-          <a:extLst/>
         </p:spPr>
         <p:txBody>
           <a:bodyPr anchor="ctr"/>
@@ -24723,7 +22080,7 @@
           <p:cNvPr id="5" name="1 Rectángulo">
             <a:extLst>
               <a:ext uri="{FF2B5EF4-FFF2-40B4-BE49-F238E27FC236}">
-                <a16:creationId xmlns="" xmlns:a16="http://schemas.microsoft.com/office/drawing/2014/main" id="{EC9A45E1-1B10-4959-A23C-8023AD14133C}"/>
+                <a16:creationId xmlns:a16="http://schemas.microsoft.com/office/drawing/2014/main" id="{EC9A45E1-1B10-4959-A23C-8023AD14133C}"/>
               </a:ext>
             </a:extLst>
           </p:cNvPr>
@@ -24748,7 +22105,6 @@
           <a:ln>
             <a:noFill/>
           </a:ln>
-          <a:extLst/>
         </p:spPr>
         <p:txBody>
           <a:bodyPr anchor="ctr"/>
@@ -24773,7 +22129,7 @@
           <p:cNvPr id="3" name="Grupo 2">
             <a:extLst>
               <a:ext uri="{FF2B5EF4-FFF2-40B4-BE49-F238E27FC236}">
-                <a16:creationId xmlns="" xmlns:a16="http://schemas.microsoft.com/office/drawing/2014/main" id="{E54C5CAA-3F81-4AC7-9DA4-1117ACF79178}"/>
+                <a16:creationId xmlns:a16="http://schemas.microsoft.com/office/drawing/2014/main" id="{E54C5CAA-3F81-4AC7-9DA4-1117ACF79178}"/>
               </a:ext>
             </a:extLst>
           </p:cNvPr>
@@ -24793,7 +22149,7 @@
             <p:cNvPr id="34" name="Line 4">
               <a:extLst>
                 <a:ext uri="{FF2B5EF4-FFF2-40B4-BE49-F238E27FC236}">
-                  <a16:creationId xmlns="" xmlns:a16="http://schemas.microsoft.com/office/drawing/2014/main" id="{9FFAD053-883B-40CF-937E-6A603F246C6D}"/>
+                  <a16:creationId xmlns:a16="http://schemas.microsoft.com/office/drawing/2014/main" id="{9FFAD053-883B-40CF-937E-6A603F246C6D}"/>
                 </a:ext>
               </a:extLst>
             </p:cNvPr>
@@ -24850,7 +22206,7 @@
             <p:cNvPr id="35" name="Line 5">
               <a:extLst>
                 <a:ext uri="{FF2B5EF4-FFF2-40B4-BE49-F238E27FC236}">
-                  <a16:creationId xmlns="" xmlns:a16="http://schemas.microsoft.com/office/drawing/2014/main" id="{753479CD-1CCB-42F9-BBF5-FC8087DFC7D7}"/>
+                  <a16:creationId xmlns:a16="http://schemas.microsoft.com/office/drawing/2014/main" id="{753479CD-1CCB-42F9-BBF5-FC8087DFC7D7}"/>
                 </a:ext>
               </a:extLst>
             </p:cNvPr>
@@ -24907,7 +22263,7 @@
             <p:cNvPr id="36" name="Oval 6">
               <a:extLst>
                 <a:ext uri="{FF2B5EF4-FFF2-40B4-BE49-F238E27FC236}">
-                  <a16:creationId xmlns="" xmlns:a16="http://schemas.microsoft.com/office/drawing/2014/main" id="{6FBA5025-91E9-498D-B2C9-B86EB01AC140}"/>
+                  <a16:creationId xmlns:a16="http://schemas.microsoft.com/office/drawing/2014/main" id="{6FBA5025-91E9-498D-B2C9-B86EB01AC140}"/>
                 </a:ext>
               </a:extLst>
             </p:cNvPr>
@@ -24961,7 +22317,7 @@
             <p:cNvPr id="37" name="Oval 7">
               <a:extLst>
                 <a:ext uri="{FF2B5EF4-FFF2-40B4-BE49-F238E27FC236}">
-                  <a16:creationId xmlns="" xmlns:a16="http://schemas.microsoft.com/office/drawing/2014/main" id="{9D341ED7-A125-4611-A499-2498AC714127}"/>
+                  <a16:creationId xmlns:a16="http://schemas.microsoft.com/office/drawing/2014/main" id="{9D341ED7-A125-4611-A499-2498AC714127}"/>
                 </a:ext>
               </a:extLst>
             </p:cNvPr>
@@ -25015,7 +22371,7 @@
             <p:cNvPr id="38" name="Oval 8">
               <a:extLst>
                 <a:ext uri="{FF2B5EF4-FFF2-40B4-BE49-F238E27FC236}">
-                  <a16:creationId xmlns="" xmlns:a16="http://schemas.microsoft.com/office/drawing/2014/main" id="{75B8D0FB-ADD4-468D-9A51-7CDFD6710510}"/>
+                  <a16:creationId xmlns:a16="http://schemas.microsoft.com/office/drawing/2014/main" id="{75B8D0FB-ADD4-468D-9A51-7CDFD6710510}"/>
                 </a:ext>
               </a:extLst>
             </p:cNvPr>
@@ -25069,7 +22425,7 @@
             <p:cNvPr id="39" name="Oval 9">
               <a:extLst>
                 <a:ext uri="{FF2B5EF4-FFF2-40B4-BE49-F238E27FC236}">
-                  <a16:creationId xmlns="" xmlns:a16="http://schemas.microsoft.com/office/drawing/2014/main" id="{1BE3F716-9946-4279-B881-6FBCF15ACE67}"/>
+                  <a16:creationId xmlns:a16="http://schemas.microsoft.com/office/drawing/2014/main" id="{1BE3F716-9946-4279-B881-6FBCF15ACE67}"/>
                 </a:ext>
               </a:extLst>
             </p:cNvPr>
@@ -25123,7 +22479,7 @@
             <p:cNvPr id="40" name="Oval 10">
               <a:extLst>
                 <a:ext uri="{FF2B5EF4-FFF2-40B4-BE49-F238E27FC236}">
-                  <a16:creationId xmlns="" xmlns:a16="http://schemas.microsoft.com/office/drawing/2014/main" id="{418A47B1-4589-4927-8DF3-3ACFFD6E4ABF}"/>
+                  <a16:creationId xmlns:a16="http://schemas.microsoft.com/office/drawing/2014/main" id="{418A47B1-4589-4927-8DF3-3ACFFD6E4ABF}"/>
                 </a:ext>
               </a:extLst>
             </p:cNvPr>
@@ -25177,7 +22533,7 @@
             <p:cNvPr id="41" name="Oval 11">
               <a:extLst>
                 <a:ext uri="{FF2B5EF4-FFF2-40B4-BE49-F238E27FC236}">
-                  <a16:creationId xmlns="" xmlns:a16="http://schemas.microsoft.com/office/drawing/2014/main" id="{4CAB04BE-10EC-4860-8928-6B089E614971}"/>
+                  <a16:creationId xmlns:a16="http://schemas.microsoft.com/office/drawing/2014/main" id="{4CAB04BE-10EC-4860-8928-6B089E614971}"/>
                 </a:ext>
               </a:extLst>
             </p:cNvPr>
@@ -25231,7 +22587,7 @@
             <p:cNvPr id="42" name="Oval 12">
               <a:extLst>
                 <a:ext uri="{FF2B5EF4-FFF2-40B4-BE49-F238E27FC236}">
-                  <a16:creationId xmlns="" xmlns:a16="http://schemas.microsoft.com/office/drawing/2014/main" id="{D53F1AD6-6E51-45E9-9A60-C9661B3D9CD1}"/>
+                  <a16:creationId xmlns:a16="http://schemas.microsoft.com/office/drawing/2014/main" id="{D53F1AD6-6E51-45E9-9A60-C9661B3D9CD1}"/>
                 </a:ext>
               </a:extLst>
             </p:cNvPr>
@@ -25285,7 +22641,7 @@
             <p:cNvPr id="43" name="Oval 13">
               <a:extLst>
                 <a:ext uri="{FF2B5EF4-FFF2-40B4-BE49-F238E27FC236}">
-                  <a16:creationId xmlns="" xmlns:a16="http://schemas.microsoft.com/office/drawing/2014/main" id="{3EF38A48-540F-45A0-A496-981268DB7AAF}"/>
+                  <a16:creationId xmlns:a16="http://schemas.microsoft.com/office/drawing/2014/main" id="{3EF38A48-540F-45A0-A496-981268DB7AAF}"/>
                 </a:ext>
               </a:extLst>
             </p:cNvPr>
@@ -25339,7 +22695,7 @@
             <p:cNvPr id="44" name="Oval 14">
               <a:extLst>
                 <a:ext uri="{FF2B5EF4-FFF2-40B4-BE49-F238E27FC236}">
-                  <a16:creationId xmlns="" xmlns:a16="http://schemas.microsoft.com/office/drawing/2014/main" id="{B32ECDD1-9595-4ED9-A854-1131FB5B0A8C}"/>
+                  <a16:creationId xmlns:a16="http://schemas.microsoft.com/office/drawing/2014/main" id="{B32ECDD1-9595-4ED9-A854-1131FB5B0A8C}"/>
                 </a:ext>
               </a:extLst>
             </p:cNvPr>
@@ -25393,7 +22749,7 @@
             <p:cNvPr id="45" name="Oval 15">
               <a:extLst>
                 <a:ext uri="{FF2B5EF4-FFF2-40B4-BE49-F238E27FC236}">
-                  <a16:creationId xmlns="" xmlns:a16="http://schemas.microsoft.com/office/drawing/2014/main" id="{87271265-38DF-456F-A5F6-E38CF784B161}"/>
+                  <a16:creationId xmlns:a16="http://schemas.microsoft.com/office/drawing/2014/main" id="{87271265-38DF-456F-A5F6-E38CF784B161}"/>
                 </a:ext>
               </a:extLst>
             </p:cNvPr>
@@ -25447,7 +22803,7 @@
             <p:cNvPr id="46" name="Oval 16">
               <a:extLst>
                 <a:ext uri="{FF2B5EF4-FFF2-40B4-BE49-F238E27FC236}">
-                  <a16:creationId xmlns="" xmlns:a16="http://schemas.microsoft.com/office/drawing/2014/main" id="{2407EC7D-0466-4DF3-8494-B19966164CFB}"/>
+                  <a16:creationId xmlns:a16="http://schemas.microsoft.com/office/drawing/2014/main" id="{2407EC7D-0466-4DF3-8494-B19966164CFB}"/>
                 </a:ext>
               </a:extLst>
             </p:cNvPr>
@@ -25501,7 +22857,7 @@
             <p:cNvPr id="47" name="Oval 17">
               <a:extLst>
                 <a:ext uri="{FF2B5EF4-FFF2-40B4-BE49-F238E27FC236}">
-                  <a16:creationId xmlns="" xmlns:a16="http://schemas.microsoft.com/office/drawing/2014/main" id="{C7C69017-30C2-4A09-BCD5-BCE87DDBF037}"/>
+                  <a16:creationId xmlns:a16="http://schemas.microsoft.com/office/drawing/2014/main" id="{C7C69017-30C2-4A09-BCD5-BCE87DDBF037}"/>
                 </a:ext>
               </a:extLst>
             </p:cNvPr>
@@ -25555,7 +22911,7 @@
             <p:cNvPr id="48" name="Oval 18">
               <a:extLst>
                 <a:ext uri="{FF2B5EF4-FFF2-40B4-BE49-F238E27FC236}">
-                  <a16:creationId xmlns="" xmlns:a16="http://schemas.microsoft.com/office/drawing/2014/main" id="{18B03F5A-9B98-4ADC-B650-AAF2694FEB59}"/>
+                  <a16:creationId xmlns:a16="http://schemas.microsoft.com/office/drawing/2014/main" id="{18B03F5A-9B98-4ADC-B650-AAF2694FEB59}"/>
                 </a:ext>
               </a:extLst>
             </p:cNvPr>
@@ -25609,7 +22965,7 @@
             <p:cNvPr id="49" name="Oval 19">
               <a:extLst>
                 <a:ext uri="{FF2B5EF4-FFF2-40B4-BE49-F238E27FC236}">
-                  <a16:creationId xmlns="" xmlns:a16="http://schemas.microsoft.com/office/drawing/2014/main" id="{45BA0530-3A46-4B95-824A-481D0FEAE01F}"/>
+                  <a16:creationId xmlns:a16="http://schemas.microsoft.com/office/drawing/2014/main" id="{45BA0530-3A46-4B95-824A-481D0FEAE01F}"/>
                 </a:ext>
               </a:extLst>
             </p:cNvPr>
@@ -25663,7 +23019,7 @@
             <p:cNvPr id="50" name="Oval 20">
               <a:extLst>
                 <a:ext uri="{FF2B5EF4-FFF2-40B4-BE49-F238E27FC236}">
-                  <a16:creationId xmlns="" xmlns:a16="http://schemas.microsoft.com/office/drawing/2014/main" id="{5D365052-CB91-4296-A23A-3D00F27874B1}"/>
+                  <a16:creationId xmlns:a16="http://schemas.microsoft.com/office/drawing/2014/main" id="{5D365052-CB91-4296-A23A-3D00F27874B1}"/>
                 </a:ext>
               </a:extLst>
             </p:cNvPr>
@@ -25717,7 +23073,7 @@
             <p:cNvPr id="51" name="Oval 21">
               <a:extLst>
                 <a:ext uri="{FF2B5EF4-FFF2-40B4-BE49-F238E27FC236}">
-                  <a16:creationId xmlns="" xmlns:a16="http://schemas.microsoft.com/office/drawing/2014/main" id="{206C2CB5-F1E5-42CD-8A71-393A3FE9F39A}"/>
+                  <a16:creationId xmlns:a16="http://schemas.microsoft.com/office/drawing/2014/main" id="{206C2CB5-F1E5-42CD-8A71-393A3FE9F39A}"/>
                 </a:ext>
               </a:extLst>
             </p:cNvPr>
@@ -25771,7 +23127,7 @@
             <p:cNvPr id="52" name="Oval 22">
               <a:extLst>
                 <a:ext uri="{FF2B5EF4-FFF2-40B4-BE49-F238E27FC236}">
-                  <a16:creationId xmlns="" xmlns:a16="http://schemas.microsoft.com/office/drawing/2014/main" id="{7D06EE91-2DE4-47F8-AD41-EDA8C797EC8A}"/>
+                  <a16:creationId xmlns:a16="http://schemas.microsoft.com/office/drawing/2014/main" id="{7D06EE91-2DE4-47F8-AD41-EDA8C797EC8A}"/>
                 </a:ext>
               </a:extLst>
             </p:cNvPr>
@@ -25825,7 +23181,7 @@
             <p:cNvPr id="53" name="Oval 24">
               <a:extLst>
                 <a:ext uri="{FF2B5EF4-FFF2-40B4-BE49-F238E27FC236}">
-                  <a16:creationId xmlns="" xmlns:a16="http://schemas.microsoft.com/office/drawing/2014/main" id="{849A0421-A8F7-4335-99F6-9AA829E84035}"/>
+                  <a16:creationId xmlns:a16="http://schemas.microsoft.com/office/drawing/2014/main" id="{849A0421-A8F7-4335-99F6-9AA829E84035}"/>
                 </a:ext>
               </a:extLst>
             </p:cNvPr>
@@ -25879,7 +23235,7 @@
             <p:cNvPr id="54" name="Oval 25">
               <a:extLst>
                 <a:ext uri="{FF2B5EF4-FFF2-40B4-BE49-F238E27FC236}">
-                  <a16:creationId xmlns="" xmlns:a16="http://schemas.microsoft.com/office/drawing/2014/main" id="{4E9A9D1D-B535-4727-BF62-3881808357E9}"/>
+                  <a16:creationId xmlns:a16="http://schemas.microsoft.com/office/drawing/2014/main" id="{4E9A9D1D-B535-4727-BF62-3881808357E9}"/>
                 </a:ext>
               </a:extLst>
             </p:cNvPr>
@@ -25933,7 +23289,7 @@
             <p:cNvPr id="55" name="Oval 26">
               <a:extLst>
                 <a:ext uri="{FF2B5EF4-FFF2-40B4-BE49-F238E27FC236}">
-                  <a16:creationId xmlns="" xmlns:a16="http://schemas.microsoft.com/office/drawing/2014/main" id="{95EA2EF1-6CE4-45EF-9423-3D04A0A0668A}"/>
+                  <a16:creationId xmlns:a16="http://schemas.microsoft.com/office/drawing/2014/main" id="{95EA2EF1-6CE4-45EF-9423-3D04A0A0668A}"/>
                 </a:ext>
               </a:extLst>
             </p:cNvPr>
@@ -25983,47 +23339,6 @@
           </p:txBody>
         </p:sp>
       </p:grpSp>
-      <p:pic>
-        <p:nvPicPr>
-          <p:cNvPr id="28" name="Picture 4" descr="C:\Users\rcrescenzi\OneDrive\docencia\UCEMA\ucema_logo.png"/>
-          <p:cNvPicPr>
-            <a:picLocks noChangeAspect="1" noChangeArrowheads="1"/>
-          </p:cNvPicPr>
-          <p:nvPr/>
-        </p:nvPicPr>
-        <p:blipFill>
-          <a:blip r:embed="rId4" cstate="print">
-            <a:extLst>
-              <a:ext uri="{28A0092B-C50C-407E-A947-70E740481C1C}">
-                <a14:useLocalDpi xmlns:a14="http://schemas.microsoft.com/office/drawing/2010/main" val="0"/>
-              </a:ext>
-            </a:extLst>
-          </a:blip>
-          <a:srcRect/>
-          <a:stretch>
-            <a:fillRect/>
-          </a:stretch>
-        </p:blipFill>
-        <p:spPr bwMode="auto">
-          <a:xfrm>
-            <a:off x="8461829" y="-149930"/>
-            <a:ext cx="3672116" cy="1344437"/>
-          </a:xfrm>
-          <a:prstGeom prst="rect">
-            <a:avLst/>
-          </a:prstGeom>
-          <a:noFill/>
-          <a:extLst>
-            <a:ext uri="{909E8E84-426E-40DD-AFC4-6F175D3DCCD1}">
-              <a14:hiddenFill xmlns:a14="http://schemas.microsoft.com/office/drawing/2010/main">
-                <a:solidFill>
-                  <a:srgbClr val="FFFFFF"/>
-                </a:solidFill>
-              </a14:hiddenFill>
-            </a:ext>
-          </a:extLst>
-        </p:spPr>
-      </p:pic>
     </p:spTree>
     <p:extLst>
       <p:ext uri="{BB962C8B-B14F-4D97-AF65-F5344CB8AC3E}">
@@ -26099,7 +23414,7 @@
           <p:cNvPr id="4" name="1 Rectángulo">
             <a:extLst>
               <a:ext uri="{FF2B5EF4-FFF2-40B4-BE49-F238E27FC236}">
-                <a16:creationId xmlns="" xmlns:a16="http://schemas.microsoft.com/office/drawing/2014/main" id="{47BF13C9-597F-4101-B226-A0C8AB06CB95}"/>
+                <a16:creationId xmlns:a16="http://schemas.microsoft.com/office/drawing/2014/main" id="{47BF13C9-597F-4101-B226-A0C8AB06CB95}"/>
               </a:ext>
             </a:extLst>
           </p:cNvPr>
@@ -26124,7 +23439,6 @@
           <a:ln>
             <a:noFill/>
           </a:ln>
-          <a:extLst/>
         </p:spPr>
         <p:txBody>
           <a:bodyPr anchor="ctr"/>
@@ -26232,7 +23546,7 @@
           <p:cNvPr id="5" name="1 Rectángulo">
             <a:extLst>
               <a:ext uri="{FF2B5EF4-FFF2-40B4-BE49-F238E27FC236}">
-                <a16:creationId xmlns="" xmlns:a16="http://schemas.microsoft.com/office/drawing/2014/main" id="{EC9A45E1-1B10-4959-A23C-8023AD14133C}"/>
+                <a16:creationId xmlns:a16="http://schemas.microsoft.com/office/drawing/2014/main" id="{EC9A45E1-1B10-4959-A23C-8023AD14133C}"/>
               </a:ext>
             </a:extLst>
           </p:cNvPr>
@@ -26257,7 +23571,6 @@
           <a:ln>
             <a:noFill/>
           </a:ln>
-          <a:extLst/>
         </p:spPr>
         <p:txBody>
           <a:bodyPr anchor="ctr"/>
@@ -26282,7 +23595,7 @@
           <p:cNvPr id="2" name="Grupo 1">
             <a:extLst>
               <a:ext uri="{FF2B5EF4-FFF2-40B4-BE49-F238E27FC236}">
-                <a16:creationId xmlns="" xmlns:a16="http://schemas.microsoft.com/office/drawing/2014/main" id="{780618AE-A666-4D5D-BAB9-BF23EFB95250}"/>
+                <a16:creationId xmlns:a16="http://schemas.microsoft.com/office/drawing/2014/main" id="{780618AE-A666-4D5D-BAB9-BF23EFB95250}"/>
               </a:ext>
             </a:extLst>
           </p:cNvPr>
@@ -26302,7 +23615,7 @@
             <p:cNvPr id="73" name="Line 3">
               <a:extLst>
                 <a:ext uri="{FF2B5EF4-FFF2-40B4-BE49-F238E27FC236}">
-                  <a16:creationId xmlns="" xmlns:a16="http://schemas.microsoft.com/office/drawing/2014/main" id="{03EFF17C-AC97-486B-8B30-D566FD8E6FE6}"/>
+                  <a16:creationId xmlns:a16="http://schemas.microsoft.com/office/drawing/2014/main" id="{03EFF17C-AC97-486B-8B30-D566FD8E6FE6}"/>
                 </a:ext>
               </a:extLst>
             </p:cNvPr>
@@ -26359,7 +23672,7 @@
             <p:cNvPr id="74" name="Line 4">
               <a:extLst>
                 <a:ext uri="{FF2B5EF4-FFF2-40B4-BE49-F238E27FC236}">
-                  <a16:creationId xmlns="" xmlns:a16="http://schemas.microsoft.com/office/drawing/2014/main" id="{3A97E155-1475-419C-8021-4565A4B780E8}"/>
+                  <a16:creationId xmlns:a16="http://schemas.microsoft.com/office/drawing/2014/main" id="{3A97E155-1475-419C-8021-4565A4B780E8}"/>
                 </a:ext>
               </a:extLst>
             </p:cNvPr>
@@ -26416,7 +23729,7 @@
             <p:cNvPr id="75" name="Oval 5">
               <a:extLst>
                 <a:ext uri="{FF2B5EF4-FFF2-40B4-BE49-F238E27FC236}">
-                  <a16:creationId xmlns="" xmlns:a16="http://schemas.microsoft.com/office/drawing/2014/main" id="{16D8BAB9-8794-4EDE-8D2F-10C2CDC4710A}"/>
+                  <a16:creationId xmlns:a16="http://schemas.microsoft.com/office/drawing/2014/main" id="{16D8BAB9-8794-4EDE-8D2F-10C2CDC4710A}"/>
                 </a:ext>
               </a:extLst>
             </p:cNvPr>
@@ -26470,7 +23783,7 @@
             <p:cNvPr id="76" name="Oval 6">
               <a:extLst>
                 <a:ext uri="{FF2B5EF4-FFF2-40B4-BE49-F238E27FC236}">
-                  <a16:creationId xmlns="" xmlns:a16="http://schemas.microsoft.com/office/drawing/2014/main" id="{A1C88CC5-53A2-4A12-9F54-CF7A026C556D}"/>
+                  <a16:creationId xmlns:a16="http://schemas.microsoft.com/office/drawing/2014/main" id="{A1C88CC5-53A2-4A12-9F54-CF7A026C556D}"/>
                 </a:ext>
               </a:extLst>
             </p:cNvPr>
@@ -26524,7 +23837,7 @@
             <p:cNvPr id="77" name="Oval 7">
               <a:extLst>
                 <a:ext uri="{FF2B5EF4-FFF2-40B4-BE49-F238E27FC236}">
-                  <a16:creationId xmlns="" xmlns:a16="http://schemas.microsoft.com/office/drawing/2014/main" id="{4BDD88B4-8769-4322-B90B-4F8738CD124F}"/>
+                  <a16:creationId xmlns:a16="http://schemas.microsoft.com/office/drawing/2014/main" id="{4BDD88B4-8769-4322-B90B-4F8738CD124F}"/>
                 </a:ext>
               </a:extLst>
             </p:cNvPr>
@@ -26578,7 +23891,7 @@
             <p:cNvPr id="78" name="Oval 8">
               <a:extLst>
                 <a:ext uri="{FF2B5EF4-FFF2-40B4-BE49-F238E27FC236}">
-                  <a16:creationId xmlns="" xmlns:a16="http://schemas.microsoft.com/office/drawing/2014/main" id="{32995501-CC2B-47C1-A605-D2287566C839}"/>
+                  <a16:creationId xmlns:a16="http://schemas.microsoft.com/office/drawing/2014/main" id="{32995501-CC2B-47C1-A605-D2287566C839}"/>
                 </a:ext>
               </a:extLst>
             </p:cNvPr>
@@ -26632,7 +23945,7 @@
             <p:cNvPr id="79" name="Oval 9">
               <a:extLst>
                 <a:ext uri="{FF2B5EF4-FFF2-40B4-BE49-F238E27FC236}">
-                  <a16:creationId xmlns="" xmlns:a16="http://schemas.microsoft.com/office/drawing/2014/main" id="{9C61BBAA-C7CD-4C8D-A0D3-06DED3BCCC9A}"/>
+                  <a16:creationId xmlns:a16="http://schemas.microsoft.com/office/drawing/2014/main" id="{9C61BBAA-C7CD-4C8D-A0D3-06DED3BCCC9A}"/>
                 </a:ext>
               </a:extLst>
             </p:cNvPr>
@@ -26686,7 +23999,7 @@
             <p:cNvPr id="80" name="Oval 10">
               <a:extLst>
                 <a:ext uri="{FF2B5EF4-FFF2-40B4-BE49-F238E27FC236}">
-                  <a16:creationId xmlns="" xmlns:a16="http://schemas.microsoft.com/office/drawing/2014/main" id="{815B0F7D-4EDC-4403-BCD5-3EF7215F6D44}"/>
+                  <a16:creationId xmlns:a16="http://schemas.microsoft.com/office/drawing/2014/main" id="{815B0F7D-4EDC-4403-BCD5-3EF7215F6D44}"/>
                 </a:ext>
               </a:extLst>
             </p:cNvPr>
@@ -26740,7 +24053,7 @@
             <p:cNvPr id="81" name="Oval 11">
               <a:extLst>
                 <a:ext uri="{FF2B5EF4-FFF2-40B4-BE49-F238E27FC236}">
-                  <a16:creationId xmlns="" xmlns:a16="http://schemas.microsoft.com/office/drawing/2014/main" id="{A30E479C-5799-47D4-8E16-417AE6290C1F}"/>
+                  <a16:creationId xmlns:a16="http://schemas.microsoft.com/office/drawing/2014/main" id="{A30E479C-5799-47D4-8E16-417AE6290C1F}"/>
                 </a:ext>
               </a:extLst>
             </p:cNvPr>
@@ -26794,7 +24107,7 @@
             <p:cNvPr id="82" name="Oval 12">
               <a:extLst>
                 <a:ext uri="{FF2B5EF4-FFF2-40B4-BE49-F238E27FC236}">
-                  <a16:creationId xmlns="" xmlns:a16="http://schemas.microsoft.com/office/drawing/2014/main" id="{69F8B023-C1C6-49C8-9351-CA02DDAE4621}"/>
+                  <a16:creationId xmlns:a16="http://schemas.microsoft.com/office/drawing/2014/main" id="{69F8B023-C1C6-49C8-9351-CA02DDAE4621}"/>
                 </a:ext>
               </a:extLst>
             </p:cNvPr>
@@ -26848,7 +24161,7 @@
             <p:cNvPr id="83" name="Oval 13">
               <a:extLst>
                 <a:ext uri="{FF2B5EF4-FFF2-40B4-BE49-F238E27FC236}">
-                  <a16:creationId xmlns="" xmlns:a16="http://schemas.microsoft.com/office/drawing/2014/main" id="{A2D15590-44B8-4506-87CA-8C2FCD3A3E35}"/>
+                  <a16:creationId xmlns:a16="http://schemas.microsoft.com/office/drawing/2014/main" id="{A2D15590-44B8-4506-87CA-8C2FCD3A3E35}"/>
                 </a:ext>
               </a:extLst>
             </p:cNvPr>
@@ -26902,7 +24215,7 @@
             <p:cNvPr id="84" name="Oval 14">
               <a:extLst>
                 <a:ext uri="{FF2B5EF4-FFF2-40B4-BE49-F238E27FC236}">
-                  <a16:creationId xmlns="" xmlns:a16="http://schemas.microsoft.com/office/drawing/2014/main" id="{09058603-B0EB-4DF6-914C-4EAD65C79632}"/>
+                  <a16:creationId xmlns:a16="http://schemas.microsoft.com/office/drawing/2014/main" id="{09058603-B0EB-4DF6-914C-4EAD65C79632}"/>
                 </a:ext>
               </a:extLst>
             </p:cNvPr>
@@ -26956,7 +24269,7 @@
             <p:cNvPr id="85" name="Oval 15">
               <a:extLst>
                 <a:ext uri="{FF2B5EF4-FFF2-40B4-BE49-F238E27FC236}">
-                  <a16:creationId xmlns="" xmlns:a16="http://schemas.microsoft.com/office/drawing/2014/main" id="{9D8B9B9F-D1FD-4843-81F2-FCD5C63E2883}"/>
+                  <a16:creationId xmlns:a16="http://schemas.microsoft.com/office/drawing/2014/main" id="{9D8B9B9F-D1FD-4843-81F2-FCD5C63E2883}"/>
                 </a:ext>
               </a:extLst>
             </p:cNvPr>
@@ -27010,7 +24323,7 @@
             <p:cNvPr id="86" name="Oval 16">
               <a:extLst>
                 <a:ext uri="{FF2B5EF4-FFF2-40B4-BE49-F238E27FC236}">
-                  <a16:creationId xmlns="" xmlns:a16="http://schemas.microsoft.com/office/drawing/2014/main" id="{307A91A9-9096-4D0C-BAF2-0206770D6498}"/>
+                  <a16:creationId xmlns:a16="http://schemas.microsoft.com/office/drawing/2014/main" id="{307A91A9-9096-4D0C-BAF2-0206770D6498}"/>
                 </a:ext>
               </a:extLst>
             </p:cNvPr>
@@ -27064,7 +24377,7 @@
             <p:cNvPr id="87" name="Oval 17">
               <a:extLst>
                 <a:ext uri="{FF2B5EF4-FFF2-40B4-BE49-F238E27FC236}">
-                  <a16:creationId xmlns="" xmlns:a16="http://schemas.microsoft.com/office/drawing/2014/main" id="{2777EDE1-386D-4DC3-8C85-A26D5CABAE11}"/>
+                  <a16:creationId xmlns:a16="http://schemas.microsoft.com/office/drawing/2014/main" id="{2777EDE1-386D-4DC3-8C85-A26D5CABAE11}"/>
                 </a:ext>
               </a:extLst>
             </p:cNvPr>
@@ -27118,7 +24431,7 @@
             <p:cNvPr id="88" name="Oval 18">
               <a:extLst>
                 <a:ext uri="{FF2B5EF4-FFF2-40B4-BE49-F238E27FC236}">
-                  <a16:creationId xmlns="" xmlns:a16="http://schemas.microsoft.com/office/drawing/2014/main" id="{F78337E3-EAAB-469B-AAFA-941133180B34}"/>
+                  <a16:creationId xmlns:a16="http://schemas.microsoft.com/office/drawing/2014/main" id="{F78337E3-EAAB-469B-AAFA-941133180B34}"/>
                 </a:ext>
               </a:extLst>
             </p:cNvPr>
@@ -27172,7 +24485,7 @@
             <p:cNvPr id="89" name="Oval 19">
               <a:extLst>
                 <a:ext uri="{FF2B5EF4-FFF2-40B4-BE49-F238E27FC236}">
-                  <a16:creationId xmlns="" xmlns:a16="http://schemas.microsoft.com/office/drawing/2014/main" id="{AF39B14B-D9B9-42A8-9CAD-4A6E7FCF1F29}"/>
+                  <a16:creationId xmlns:a16="http://schemas.microsoft.com/office/drawing/2014/main" id="{AF39B14B-D9B9-42A8-9CAD-4A6E7FCF1F29}"/>
                 </a:ext>
               </a:extLst>
             </p:cNvPr>
@@ -27226,7 +24539,7 @@
             <p:cNvPr id="90" name="Oval 20">
               <a:extLst>
                 <a:ext uri="{FF2B5EF4-FFF2-40B4-BE49-F238E27FC236}">
-                  <a16:creationId xmlns="" xmlns:a16="http://schemas.microsoft.com/office/drawing/2014/main" id="{13F17485-E895-47CF-82D1-0FC106D492AF}"/>
+                  <a16:creationId xmlns:a16="http://schemas.microsoft.com/office/drawing/2014/main" id="{13F17485-E895-47CF-82D1-0FC106D492AF}"/>
                 </a:ext>
               </a:extLst>
             </p:cNvPr>
@@ -27280,7 +24593,7 @@
             <p:cNvPr id="91" name="Oval 21">
               <a:extLst>
                 <a:ext uri="{FF2B5EF4-FFF2-40B4-BE49-F238E27FC236}">
-                  <a16:creationId xmlns="" xmlns:a16="http://schemas.microsoft.com/office/drawing/2014/main" id="{6978CC64-0FE0-4259-9F05-32B3E3AEC313}"/>
+                  <a16:creationId xmlns:a16="http://schemas.microsoft.com/office/drawing/2014/main" id="{6978CC64-0FE0-4259-9F05-32B3E3AEC313}"/>
                 </a:ext>
               </a:extLst>
             </p:cNvPr>
@@ -27334,7 +24647,7 @@
             <p:cNvPr id="92" name="Oval 22">
               <a:extLst>
                 <a:ext uri="{FF2B5EF4-FFF2-40B4-BE49-F238E27FC236}">
-                  <a16:creationId xmlns="" xmlns:a16="http://schemas.microsoft.com/office/drawing/2014/main" id="{4EA43D2F-AA8D-42AF-B853-98055FD78172}"/>
+                  <a16:creationId xmlns:a16="http://schemas.microsoft.com/office/drawing/2014/main" id="{4EA43D2F-AA8D-42AF-B853-98055FD78172}"/>
                 </a:ext>
               </a:extLst>
             </p:cNvPr>
@@ -27388,7 +24701,7 @@
             <p:cNvPr id="93" name="Oval 23">
               <a:extLst>
                 <a:ext uri="{FF2B5EF4-FFF2-40B4-BE49-F238E27FC236}">
-                  <a16:creationId xmlns="" xmlns:a16="http://schemas.microsoft.com/office/drawing/2014/main" id="{895BE2F6-F47A-46B8-841C-89BCA576B653}"/>
+                  <a16:creationId xmlns:a16="http://schemas.microsoft.com/office/drawing/2014/main" id="{895BE2F6-F47A-46B8-841C-89BCA576B653}"/>
                 </a:ext>
               </a:extLst>
             </p:cNvPr>
@@ -27442,7 +24755,7 @@
             <p:cNvPr id="94" name="Oval 24">
               <a:extLst>
                 <a:ext uri="{FF2B5EF4-FFF2-40B4-BE49-F238E27FC236}">
-                  <a16:creationId xmlns="" xmlns:a16="http://schemas.microsoft.com/office/drawing/2014/main" id="{C5145F76-155C-4563-B394-8B37B54C2870}"/>
+                  <a16:creationId xmlns:a16="http://schemas.microsoft.com/office/drawing/2014/main" id="{C5145F76-155C-4563-B394-8B37B54C2870}"/>
                 </a:ext>
               </a:extLst>
             </p:cNvPr>
@@ -27496,7 +24809,7 @@
             <p:cNvPr id="95" name="Line 30">
               <a:extLst>
                 <a:ext uri="{FF2B5EF4-FFF2-40B4-BE49-F238E27FC236}">
-                  <a16:creationId xmlns="" xmlns:a16="http://schemas.microsoft.com/office/drawing/2014/main" id="{52EB8014-2C13-4C85-88D1-5C141D646DFC}"/>
+                  <a16:creationId xmlns:a16="http://schemas.microsoft.com/office/drawing/2014/main" id="{52EB8014-2C13-4C85-88D1-5C141D646DFC}"/>
                 </a:ext>
               </a:extLst>
             </p:cNvPr>
@@ -27553,7 +24866,7 @@
             <p:cNvPr id="96" name="Line 31">
               <a:extLst>
                 <a:ext uri="{FF2B5EF4-FFF2-40B4-BE49-F238E27FC236}">
-                  <a16:creationId xmlns="" xmlns:a16="http://schemas.microsoft.com/office/drawing/2014/main" id="{EFF0B62E-E048-4AF6-A4B5-52FDFE1007F0}"/>
+                  <a16:creationId xmlns:a16="http://schemas.microsoft.com/office/drawing/2014/main" id="{EFF0B62E-E048-4AF6-A4B5-52FDFE1007F0}"/>
                 </a:ext>
               </a:extLst>
             </p:cNvPr>
@@ -27606,47 +24919,6 @@
           </p:txBody>
         </p:sp>
       </p:grpSp>
-      <p:pic>
-        <p:nvPicPr>
-          <p:cNvPr id="30" name="Picture 4" descr="C:\Users\rcrescenzi\OneDrive\docencia\UCEMA\ucema_logo.png"/>
-          <p:cNvPicPr>
-            <a:picLocks noChangeAspect="1" noChangeArrowheads="1"/>
-          </p:cNvPicPr>
-          <p:nvPr/>
-        </p:nvPicPr>
-        <p:blipFill>
-          <a:blip r:embed="rId4" cstate="print">
-            <a:extLst>
-              <a:ext uri="{28A0092B-C50C-407E-A947-70E740481C1C}">
-                <a14:useLocalDpi xmlns:a14="http://schemas.microsoft.com/office/drawing/2010/main" val="0"/>
-              </a:ext>
-            </a:extLst>
-          </a:blip>
-          <a:srcRect/>
-          <a:stretch>
-            <a:fillRect/>
-          </a:stretch>
-        </p:blipFill>
-        <p:spPr bwMode="auto">
-          <a:xfrm>
-            <a:off x="8461829" y="-149930"/>
-            <a:ext cx="3672116" cy="1344437"/>
-          </a:xfrm>
-          <a:prstGeom prst="rect">
-            <a:avLst/>
-          </a:prstGeom>
-          <a:noFill/>
-          <a:extLst>
-            <a:ext uri="{909E8E84-426E-40DD-AFC4-6F175D3DCCD1}">
-              <a14:hiddenFill xmlns:a14="http://schemas.microsoft.com/office/drawing/2010/main">
-                <a:solidFill>
-                  <a:srgbClr val="FFFFFF"/>
-                </a:solidFill>
-              </a14:hiddenFill>
-            </a:ext>
-          </a:extLst>
-        </p:spPr>
-      </p:pic>
     </p:spTree>
     <p:extLst>
       <p:ext uri="{BB962C8B-B14F-4D97-AF65-F5344CB8AC3E}">
@@ -27722,7 +24994,7 @@
           <p:cNvPr id="4" name="1 Rectángulo">
             <a:extLst>
               <a:ext uri="{FF2B5EF4-FFF2-40B4-BE49-F238E27FC236}">
-                <a16:creationId xmlns="" xmlns:a16="http://schemas.microsoft.com/office/drawing/2014/main" id="{47BF13C9-597F-4101-B226-A0C8AB06CB95}"/>
+                <a16:creationId xmlns:a16="http://schemas.microsoft.com/office/drawing/2014/main" id="{47BF13C9-597F-4101-B226-A0C8AB06CB95}"/>
               </a:ext>
             </a:extLst>
           </p:cNvPr>
@@ -27747,7 +25019,6 @@
           <a:ln>
             <a:noFill/>
           </a:ln>
-          <a:extLst/>
         </p:spPr>
         <p:txBody>
           <a:bodyPr anchor="ctr"/>
@@ -27841,7 +25112,7 @@
           <p:cNvPr id="5" name="1 Rectángulo">
             <a:extLst>
               <a:ext uri="{FF2B5EF4-FFF2-40B4-BE49-F238E27FC236}">
-                <a16:creationId xmlns="" xmlns:a16="http://schemas.microsoft.com/office/drawing/2014/main" id="{EC9A45E1-1B10-4959-A23C-8023AD14133C}"/>
+                <a16:creationId xmlns:a16="http://schemas.microsoft.com/office/drawing/2014/main" id="{EC9A45E1-1B10-4959-A23C-8023AD14133C}"/>
               </a:ext>
             </a:extLst>
           </p:cNvPr>
@@ -27866,7 +25137,6 @@
           <a:ln>
             <a:noFill/>
           </a:ln>
-          <a:extLst/>
         </p:spPr>
         <p:txBody>
           <a:bodyPr anchor="ctr"/>
@@ -27891,7 +25161,7 @@
           <p:cNvPr id="3" name="Grupo 2">
             <a:extLst>
               <a:ext uri="{FF2B5EF4-FFF2-40B4-BE49-F238E27FC236}">
-                <a16:creationId xmlns="" xmlns:a16="http://schemas.microsoft.com/office/drawing/2014/main" id="{CC0D894E-6290-404A-B640-D6F3A3AB34DB}"/>
+                <a16:creationId xmlns:a16="http://schemas.microsoft.com/office/drawing/2014/main" id="{CC0D894E-6290-404A-B640-D6F3A3AB34DB}"/>
               </a:ext>
             </a:extLst>
           </p:cNvPr>
@@ -27911,7 +25181,7 @@
             <p:cNvPr id="30" name="Line 3">
               <a:extLst>
                 <a:ext uri="{FF2B5EF4-FFF2-40B4-BE49-F238E27FC236}">
-                  <a16:creationId xmlns="" xmlns:a16="http://schemas.microsoft.com/office/drawing/2014/main" id="{7512576B-1252-45D6-94B5-692B90F3560B}"/>
+                  <a16:creationId xmlns:a16="http://schemas.microsoft.com/office/drawing/2014/main" id="{7512576B-1252-45D6-94B5-692B90F3560B}"/>
                 </a:ext>
               </a:extLst>
             </p:cNvPr>
@@ -27968,7 +25238,7 @@
             <p:cNvPr id="31" name="Line 4">
               <a:extLst>
                 <a:ext uri="{FF2B5EF4-FFF2-40B4-BE49-F238E27FC236}">
-                  <a16:creationId xmlns="" xmlns:a16="http://schemas.microsoft.com/office/drawing/2014/main" id="{FA398767-9F79-4B9C-94F2-234586637C0F}"/>
+                  <a16:creationId xmlns:a16="http://schemas.microsoft.com/office/drawing/2014/main" id="{FA398767-9F79-4B9C-94F2-234586637C0F}"/>
                 </a:ext>
               </a:extLst>
             </p:cNvPr>
@@ -28025,7 +25295,7 @@
             <p:cNvPr id="32" name="Oval 5">
               <a:extLst>
                 <a:ext uri="{FF2B5EF4-FFF2-40B4-BE49-F238E27FC236}">
-                  <a16:creationId xmlns="" xmlns:a16="http://schemas.microsoft.com/office/drawing/2014/main" id="{241B2983-F304-4AE6-8A15-CCC683704F17}"/>
+                  <a16:creationId xmlns:a16="http://schemas.microsoft.com/office/drawing/2014/main" id="{241B2983-F304-4AE6-8A15-CCC683704F17}"/>
                 </a:ext>
               </a:extLst>
             </p:cNvPr>
@@ -28079,7 +25349,7 @@
             <p:cNvPr id="33" name="Oval 6">
               <a:extLst>
                 <a:ext uri="{FF2B5EF4-FFF2-40B4-BE49-F238E27FC236}">
-                  <a16:creationId xmlns="" xmlns:a16="http://schemas.microsoft.com/office/drawing/2014/main" id="{F21C8E08-02F4-49FD-AA46-DAA1E87FE51E}"/>
+                  <a16:creationId xmlns:a16="http://schemas.microsoft.com/office/drawing/2014/main" id="{F21C8E08-02F4-49FD-AA46-DAA1E87FE51E}"/>
                 </a:ext>
               </a:extLst>
             </p:cNvPr>
@@ -28133,7 +25403,7 @@
             <p:cNvPr id="34" name="Oval 7">
               <a:extLst>
                 <a:ext uri="{FF2B5EF4-FFF2-40B4-BE49-F238E27FC236}">
-                  <a16:creationId xmlns="" xmlns:a16="http://schemas.microsoft.com/office/drawing/2014/main" id="{E2AA70C3-72C3-4762-83B0-D6D804314123}"/>
+                  <a16:creationId xmlns:a16="http://schemas.microsoft.com/office/drawing/2014/main" id="{E2AA70C3-72C3-4762-83B0-D6D804314123}"/>
                 </a:ext>
               </a:extLst>
             </p:cNvPr>
@@ -28187,7 +25457,7 @@
             <p:cNvPr id="35" name="Oval 8">
               <a:extLst>
                 <a:ext uri="{FF2B5EF4-FFF2-40B4-BE49-F238E27FC236}">
-                  <a16:creationId xmlns="" xmlns:a16="http://schemas.microsoft.com/office/drawing/2014/main" id="{C9593A02-6A62-461E-915F-545787D9345E}"/>
+                  <a16:creationId xmlns:a16="http://schemas.microsoft.com/office/drawing/2014/main" id="{C9593A02-6A62-461E-915F-545787D9345E}"/>
                 </a:ext>
               </a:extLst>
             </p:cNvPr>
@@ -28241,7 +25511,7 @@
             <p:cNvPr id="36" name="Oval 9">
               <a:extLst>
                 <a:ext uri="{FF2B5EF4-FFF2-40B4-BE49-F238E27FC236}">
-                  <a16:creationId xmlns="" xmlns:a16="http://schemas.microsoft.com/office/drawing/2014/main" id="{B6DDA7B0-BE70-4313-AE4B-81D35F92D597}"/>
+                  <a16:creationId xmlns:a16="http://schemas.microsoft.com/office/drawing/2014/main" id="{B6DDA7B0-BE70-4313-AE4B-81D35F92D597}"/>
                 </a:ext>
               </a:extLst>
             </p:cNvPr>
@@ -28295,7 +25565,7 @@
             <p:cNvPr id="37" name="Oval 10">
               <a:extLst>
                 <a:ext uri="{FF2B5EF4-FFF2-40B4-BE49-F238E27FC236}">
-                  <a16:creationId xmlns="" xmlns:a16="http://schemas.microsoft.com/office/drawing/2014/main" id="{846679E6-FDF5-426B-BEE3-3E90C855C2BA}"/>
+                  <a16:creationId xmlns:a16="http://schemas.microsoft.com/office/drawing/2014/main" id="{846679E6-FDF5-426B-BEE3-3E90C855C2BA}"/>
                 </a:ext>
               </a:extLst>
             </p:cNvPr>
@@ -28349,7 +25619,7 @@
             <p:cNvPr id="38" name="Oval 11">
               <a:extLst>
                 <a:ext uri="{FF2B5EF4-FFF2-40B4-BE49-F238E27FC236}">
-                  <a16:creationId xmlns="" xmlns:a16="http://schemas.microsoft.com/office/drawing/2014/main" id="{4BFB2DC1-79B4-4820-83D4-C5211C37B6EB}"/>
+                  <a16:creationId xmlns:a16="http://schemas.microsoft.com/office/drawing/2014/main" id="{4BFB2DC1-79B4-4820-83D4-C5211C37B6EB}"/>
                 </a:ext>
               </a:extLst>
             </p:cNvPr>
@@ -28403,7 +25673,7 @@
             <p:cNvPr id="39" name="Oval 12">
               <a:extLst>
                 <a:ext uri="{FF2B5EF4-FFF2-40B4-BE49-F238E27FC236}">
-                  <a16:creationId xmlns="" xmlns:a16="http://schemas.microsoft.com/office/drawing/2014/main" id="{F3FF6526-DBA0-46E8-AF3A-61752DD6B39C}"/>
+                  <a16:creationId xmlns:a16="http://schemas.microsoft.com/office/drawing/2014/main" id="{F3FF6526-DBA0-46E8-AF3A-61752DD6B39C}"/>
                 </a:ext>
               </a:extLst>
             </p:cNvPr>
@@ -28457,7 +25727,7 @@
             <p:cNvPr id="40" name="Oval 13">
               <a:extLst>
                 <a:ext uri="{FF2B5EF4-FFF2-40B4-BE49-F238E27FC236}">
-                  <a16:creationId xmlns="" xmlns:a16="http://schemas.microsoft.com/office/drawing/2014/main" id="{FFBF2C2B-37D8-46F0-8DB2-F0229E3F74D4}"/>
+                  <a16:creationId xmlns:a16="http://schemas.microsoft.com/office/drawing/2014/main" id="{FFBF2C2B-37D8-46F0-8DB2-F0229E3F74D4}"/>
                 </a:ext>
               </a:extLst>
             </p:cNvPr>
@@ -28511,7 +25781,7 @@
             <p:cNvPr id="41" name="Oval 14">
               <a:extLst>
                 <a:ext uri="{FF2B5EF4-FFF2-40B4-BE49-F238E27FC236}">
-                  <a16:creationId xmlns="" xmlns:a16="http://schemas.microsoft.com/office/drawing/2014/main" id="{003CC8C5-43DE-4403-AAB0-9AE5A77B1A1C}"/>
+                  <a16:creationId xmlns:a16="http://schemas.microsoft.com/office/drawing/2014/main" id="{003CC8C5-43DE-4403-AAB0-9AE5A77B1A1C}"/>
                 </a:ext>
               </a:extLst>
             </p:cNvPr>
@@ -28565,7 +25835,7 @@
             <p:cNvPr id="42" name="Oval 15">
               <a:extLst>
                 <a:ext uri="{FF2B5EF4-FFF2-40B4-BE49-F238E27FC236}">
-                  <a16:creationId xmlns="" xmlns:a16="http://schemas.microsoft.com/office/drawing/2014/main" id="{E4CB5AD8-4FAD-4481-A4EE-6EB5BF50CC38}"/>
+                  <a16:creationId xmlns:a16="http://schemas.microsoft.com/office/drawing/2014/main" id="{E4CB5AD8-4FAD-4481-A4EE-6EB5BF50CC38}"/>
                 </a:ext>
               </a:extLst>
             </p:cNvPr>
@@ -28619,7 +25889,7 @@
             <p:cNvPr id="43" name="Oval 16">
               <a:extLst>
                 <a:ext uri="{FF2B5EF4-FFF2-40B4-BE49-F238E27FC236}">
-                  <a16:creationId xmlns="" xmlns:a16="http://schemas.microsoft.com/office/drawing/2014/main" id="{0BF72856-B910-4935-8B3A-939DABDD4716}"/>
+                  <a16:creationId xmlns:a16="http://schemas.microsoft.com/office/drawing/2014/main" id="{0BF72856-B910-4935-8B3A-939DABDD4716}"/>
                 </a:ext>
               </a:extLst>
             </p:cNvPr>
@@ -28673,7 +25943,7 @@
             <p:cNvPr id="44" name="Oval 17">
               <a:extLst>
                 <a:ext uri="{FF2B5EF4-FFF2-40B4-BE49-F238E27FC236}">
-                  <a16:creationId xmlns="" xmlns:a16="http://schemas.microsoft.com/office/drawing/2014/main" id="{94666191-6DFB-467B-9147-0583E6FA4F57}"/>
+                  <a16:creationId xmlns:a16="http://schemas.microsoft.com/office/drawing/2014/main" id="{94666191-6DFB-467B-9147-0583E6FA4F57}"/>
                 </a:ext>
               </a:extLst>
             </p:cNvPr>
@@ -28727,7 +25997,7 @@
             <p:cNvPr id="45" name="Oval 18">
               <a:extLst>
                 <a:ext uri="{FF2B5EF4-FFF2-40B4-BE49-F238E27FC236}">
-                  <a16:creationId xmlns="" xmlns:a16="http://schemas.microsoft.com/office/drawing/2014/main" id="{BD8A21F4-245D-47CA-980D-A88D6CD4FA9E}"/>
+                  <a16:creationId xmlns:a16="http://schemas.microsoft.com/office/drawing/2014/main" id="{BD8A21F4-245D-47CA-980D-A88D6CD4FA9E}"/>
                 </a:ext>
               </a:extLst>
             </p:cNvPr>
@@ -28781,7 +26051,7 @@
             <p:cNvPr id="46" name="Oval 19">
               <a:extLst>
                 <a:ext uri="{FF2B5EF4-FFF2-40B4-BE49-F238E27FC236}">
-                  <a16:creationId xmlns="" xmlns:a16="http://schemas.microsoft.com/office/drawing/2014/main" id="{D0CD0188-88B7-4E42-ABF2-C482A928D0AF}"/>
+                  <a16:creationId xmlns:a16="http://schemas.microsoft.com/office/drawing/2014/main" id="{D0CD0188-88B7-4E42-ABF2-C482A928D0AF}"/>
                 </a:ext>
               </a:extLst>
             </p:cNvPr>
@@ -28835,7 +26105,7 @@
             <p:cNvPr id="47" name="Oval 20">
               <a:extLst>
                 <a:ext uri="{FF2B5EF4-FFF2-40B4-BE49-F238E27FC236}">
-                  <a16:creationId xmlns="" xmlns:a16="http://schemas.microsoft.com/office/drawing/2014/main" id="{9B4CF625-F056-4C3D-911E-6C8FE9D42EFB}"/>
+                  <a16:creationId xmlns:a16="http://schemas.microsoft.com/office/drawing/2014/main" id="{9B4CF625-F056-4C3D-911E-6C8FE9D42EFB}"/>
                 </a:ext>
               </a:extLst>
             </p:cNvPr>
@@ -28889,7 +26159,7 @@
             <p:cNvPr id="48" name="Oval 21">
               <a:extLst>
                 <a:ext uri="{FF2B5EF4-FFF2-40B4-BE49-F238E27FC236}">
-                  <a16:creationId xmlns="" xmlns:a16="http://schemas.microsoft.com/office/drawing/2014/main" id="{D8222F13-82BC-4287-9F6D-745C14A46F33}"/>
+                  <a16:creationId xmlns:a16="http://schemas.microsoft.com/office/drawing/2014/main" id="{D8222F13-82BC-4287-9F6D-745C14A46F33}"/>
                 </a:ext>
               </a:extLst>
             </p:cNvPr>
@@ -28943,7 +26213,7 @@
             <p:cNvPr id="49" name="Oval 22">
               <a:extLst>
                 <a:ext uri="{FF2B5EF4-FFF2-40B4-BE49-F238E27FC236}">
-                  <a16:creationId xmlns="" xmlns:a16="http://schemas.microsoft.com/office/drawing/2014/main" id="{9E563E90-690F-40AA-8B2D-E0E0FB272FBF}"/>
+                  <a16:creationId xmlns:a16="http://schemas.microsoft.com/office/drawing/2014/main" id="{9E563E90-690F-40AA-8B2D-E0E0FB272FBF}"/>
                 </a:ext>
               </a:extLst>
             </p:cNvPr>
@@ -28997,7 +26267,7 @@
             <p:cNvPr id="50" name="Oval 23">
               <a:extLst>
                 <a:ext uri="{FF2B5EF4-FFF2-40B4-BE49-F238E27FC236}">
-                  <a16:creationId xmlns="" xmlns:a16="http://schemas.microsoft.com/office/drawing/2014/main" id="{9E1CFAB3-B458-40BD-8A6F-3CAF0668E8CA}"/>
+                  <a16:creationId xmlns:a16="http://schemas.microsoft.com/office/drawing/2014/main" id="{9E1CFAB3-B458-40BD-8A6F-3CAF0668E8CA}"/>
                 </a:ext>
               </a:extLst>
             </p:cNvPr>
@@ -29051,7 +26321,7 @@
             <p:cNvPr id="51" name="Oval 24">
               <a:extLst>
                 <a:ext uri="{FF2B5EF4-FFF2-40B4-BE49-F238E27FC236}">
-                  <a16:creationId xmlns="" xmlns:a16="http://schemas.microsoft.com/office/drawing/2014/main" id="{F11FE3F3-C9B5-4F5B-9617-3A9107B332F4}"/>
+                  <a16:creationId xmlns:a16="http://schemas.microsoft.com/office/drawing/2014/main" id="{F11FE3F3-C9B5-4F5B-9617-3A9107B332F4}"/>
                 </a:ext>
               </a:extLst>
             </p:cNvPr>
@@ -29105,7 +26375,7 @@
             <p:cNvPr id="52" name="AutoShape 29">
               <a:extLst>
                 <a:ext uri="{FF2B5EF4-FFF2-40B4-BE49-F238E27FC236}">
-                  <a16:creationId xmlns="" xmlns:a16="http://schemas.microsoft.com/office/drawing/2014/main" id="{A7D94B34-278D-4FE1-924A-9EED664BA372}"/>
+                  <a16:creationId xmlns:a16="http://schemas.microsoft.com/office/drawing/2014/main" id="{A7D94B34-278D-4FE1-924A-9EED664BA372}"/>
                 </a:ext>
               </a:extLst>
             </p:cNvPr>
@@ -29166,7 +26436,7 @@
             <p:cNvPr id="53" name="AutoShape 30">
               <a:extLst>
                 <a:ext uri="{FF2B5EF4-FFF2-40B4-BE49-F238E27FC236}">
-                  <a16:creationId xmlns="" xmlns:a16="http://schemas.microsoft.com/office/drawing/2014/main" id="{88E2214B-E818-4F87-AB8F-AC66206D150F}"/>
+                  <a16:creationId xmlns:a16="http://schemas.microsoft.com/office/drawing/2014/main" id="{88E2214B-E818-4F87-AB8F-AC66206D150F}"/>
                 </a:ext>
               </a:extLst>
             </p:cNvPr>
@@ -29227,7 +26497,7 @@
             <p:cNvPr id="54" name="AutoShape 31">
               <a:extLst>
                 <a:ext uri="{FF2B5EF4-FFF2-40B4-BE49-F238E27FC236}">
-                  <a16:creationId xmlns="" xmlns:a16="http://schemas.microsoft.com/office/drawing/2014/main" id="{907199BA-9D3D-4891-A6C8-69BC59AB2343}"/>
+                  <a16:creationId xmlns:a16="http://schemas.microsoft.com/office/drawing/2014/main" id="{907199BA-9D3D-4891-A6C8-69BC59AB2343}"/>
                 </a:ext>
               </a:extLst>
             </p:cNvPr>
@@ -29288,7 +26558,7 @@
             <p:cNvPr id="55" name="Oval 32">
               <a:extLst>
                 <a:ext uri="{FF2B5EF4-FFF2-40B4-BE49-F238E27FC236}">
-                  <a16:creationId xmlns="" xmlns:a16="http://schemas.microsoft.com/office/drawing/2014/main" id="{0AC0EA08-81AF-4DCE-8E2F-FBA2DAA40369}"/>
+                  <a16:creationId xmlns:a16="http://schemas.microsoft.com/office/drawing/2014/main" id="{0AC0EA08-81AF-4DCE-8E2F-FBA2DAA40369}"/>
                 </a:ext>
               </a:extLst>
             </p:cNvPr>
@@ -29342,7 +26612,7 @@
             <p:cNvPr id="56" name="Oval 33">
               <a:extLst>
                 <a:ext uri="{FF2B5EF4-FFF2-40B4-BE49-F238E27FC236}">
-                  <a16:creationId xmlns="" xmlns:a16="http://schemas.microsoft.com/office/drawing/2014/main" id="{3E7C46A6-F04F-458B-A488-1318DCBCF2D9}"/>
+                  <a16:creationId xmlns:a16="http://schemas.microsoft.com/office/drawing/2014/main" id="{3E7C46A6-F04F-458B-A488-1318DCBCF2D9}"/>
                 </a:ext>
               </a:extLst>
             </p:cNvPr>
@@ -29396,7 +26666,7 @@
             <p:cNvPr id="57" name="Oval 34">
               <a:extLst>
                 <a:ext uri="{FF2B5EF4-FFF2-40B4-BE49-F238E27FC236}">
-                  <a16:creationId xmlns="" xmlns:a16="http://schemas.microsoft.com/office/drawing/2014/main" id="{97F7DB39-A3CB-42BC-AA6D-F3BF1EF335C3}"/>
+                  <a16:creationId xmlns:a16="http://schemas.microsoft.com/office/drawing/2014/main" id="{97F7DB39-A3CB-42BC-AA6D-F3BF1EF335C3}"/>
                 </a:ext>
               </a:extLst>
             </p:cNvPr>
@@ -29446,47 +26716,6 @@
           </p:txBody>
         </p:sp>
       </p:grpSp>
-      <p:pic>
-        <p:nvPicPr>
-          <p:cNvPr id="58" name="Picture 4" descr="C:\Users\rcrescenzi\OneDrive\docencia\UCEMA\ucema_logo.png"/>
-          <p:cNvPicPr>
-            <a:picLocks noChangeAspect="1" noChangeArrowheads="1"/>
-          </p:cNvPicPr>
-          <p:nvPr/>
-        </p:nvPicPr>
-        <p:blipFill>
-          <a:blip r:embed="rId4" cstate="print">
-            <a:extLst>
-              <a:ext uri="{28A0092B-C50C-407E-A947-70E740481C1C}">
-                <a14:useLocalDpi xmlns:a14="http://schemas.microsoft.com/office/drawing/2010/main" val="0"/>
-              </a:ext>
-            </a:extLst>
-          </a:blip>
-          <a:srcRect/>
-          <a:stretch>
-            <a:fillRect/>
-          </a:stretch>
-        </p:blipFill>
-        <p:spPr bwMode="auto">
-          <a:xfrm>
-            <a:off x="8461829" y="-149930"/>
-            <a:ext cx="3672116" cy="1344437"/>
-          </a:xfrm>
-          <a:prstGeom prst="rect">
-            <a:avLst/>
-          </a:prstGeom>
-          <a:noFill/>
-          <a:extLst>
-            <a:ext uri="{909E8E84-426E-40DD-AFC4-6F175D3DCCD1}">
-              <a14:hiddenFill xmlns:a14="http://schemas.microsoft.com/office/drawing/2010/main">
-                <a:solidFill>
-                  <a:srgbClr val="FFFFFF"/>
-                </a:solidFill>
-              </a14:hiddenFill>
-            </a:ext>
-          </a:extLst>
-        </p:spPr>
-      </p:pic>
     </p:spTree>
     <p:extLst>
       <p:ext uri="{BB962C8B-B14F-4D97-AF65-F5344CB8AC3E}">
@@ -29562,7 +26791,7 @@
           <p:cNvPr id="4" name="1 Rectángulo">
             <a:extLst>
               <a:ext uri="{FF2B5EF4-FFF2-40B4-BE49-F238E27FC236}">
-                <a16:creationId xmlns="" xmlns:a16="http://schemas.microsoft.com/office/drawing/2014/main" id="{47BF13C9-597F-4101-B226-A0C8AB06CB95}"/>
+                <a16:creationId xmlns:a16="http://schemas.microsoft.com/office/drawing/2014/main" id="{47BF13C9-597F-4101-B226-A0C8AB06CB95}"/>
               </a:ext>
             </a:extLst>
           </p:cNvPr>
@@ -29587,7 +26816,6 @@
           <a:ln>
             <a:noFill/>
           </a:ln>
-          <a:extLst/>
         </p:spPr>
         <p:txBody>
           <a:bodyPr anchor="ctr"/>
@@ -29653,7 +26881,7 @@
           <p:cNvPr id="5" name="1 Rectángulo">
             <a:extLst>
               <a:ext uri="{FF2B5EF4-FFF2-40B4-BE49-F238E27FC236}">
-                <a16:creationId xmlns="" xmlns:a16="http://schemas.microsoft.com/office/drawing/2014/main" id="{EC9A45E1-1B10-4959-A23C-8023AD14133C}"/>
+                <a16:creationId xmlns:a16="http://schemas.microsoft.com/office/drawing/2014/main" id="{EC9A45E1-1B10-4959-A23C-8023AD14133C}"/>
               </a:ext>
             </a:extLst>
           </p:cNvPr>
@@ -29678,7 +26906,6 @@
           <a:ln>
             <a:noFill/>
           </a:ln>
-          <a:extLst/>
         </p:spPr>
         <p:txBody>
           <a:bodyPr anchor="ctr"/>
@@ -29799,47 +27026,6 @@
           </a:p>
         </p:txBody>
       </p:sp>
-      <p:pic>
-        <p:nvPicPr>
-          <p:cNvPr id="6" name="Picture 4" descr="C:\Users\rcrescenzi\OneDrive\docencia\UCEMA\ucema_logo.png"/>
-          <p:cNvPicPr>
-            <a:picLocks noChangeAspect="1" noChangeArrowheads="1"/>
-          </p:cNvPicPr>
-          <p:nvPr/>
-        </p:nvPicPr>
-        <p:blipFill>
-          <a:blip r:embed="rId4" cstate="print">
-            <a:extLst>
-              <a:ext uri="{28A0092B-C50C-407E-A947-70E740481C1C}">
-                <a14:useLocalDpi xmlns:a14="http://schemas.microsoft.com/office/drawing/2010/main" val="0"/>
-              </a:ext>
-            </a:extLst>
-          </a:blip>
-          <a:srcRect/>
-          <a:stretch>
-            <a:fillRect/>
-          </a:stretch>
-        </p:blipFill>
-        <p:spPr bwMode="auto">
-          <a:xfrm>
-            <a:off x="8461829" y="-149930"/>
-            <a:ext cx="3672116" cy="1344437"/>
-          </a:xfrm>
-          <a:prstGeom prst="rect">
-            <a:avLst/>
-          </a:prstGeom>
-          <a:noFill/>
-          <a:extLst>
-            <a:ext uri="{909E8E84-426E-40DD-AFC4-6F175D3DCCD1}">
-              <a14:hiddenFill xmlns:a14="http://schemas.microsoft.com/office/drawing/2010/main">
-                <a:solidFill>
-                  <a:srgbClr val="FFFFFF"/>
-                </a:solidFill>
-              </a14:hiddenFill>
-            </a:ext>
-          </a:extLst>
-        </p:spPr>
-      </p:pic>
     </p:spTree>
     <p:extLst>
       <p:ext uri="{BB962C8B-B14F-4D97-AF65-F5344CB8AC3E}">
@@ -30796,7 +27982,7 @@
   <a:extraClrSchemeLst/>
   <a:extLst>
     <a:ext uri="{05A4C25C-085E-4340-85A3-A5531E510DB2}">
-      <thm15:themeFamily xmlns="" xmlns:thm15="http://schemas.microsoft.com/office/thememl/2012/main" name="Office Theme" id="{62F939B6-93AF-4DB8-9C6B-D6C7DFDC589F}" vid="{4A3C46E8-61CC-4603-A589-7422A47A8E4A}"/>
+      <thm15:themeFamily xmlns:thm15="http://schemas.microsoft.com/office/thememl/2012/main" name="Office Theme" id="{62F939B6-93AF-4DB8-9C6B-D6C7DFDC589F}" vid="{4A3C46E8-61CC-4603-A589-7422A47A8E4A}"/>
     </a:ext>
   </a:extLst>
 </a:theme>
